--- a/categories/LLVM/assets/public.pptx
+++ b/categories/LLVM/assets/public.pptx
@@ -5,7 +5,8 @@
     <p:sldMasterId id="2147483648" r:id="rId1"/>
   </p:sldMasterIdLst>
   <p:sldIdLst>
-    <p:sldId id="256" r:id="rId2"/>
+    <p:sldId id="257" r:id="rId2"/>
+    <p:sldId id="258" r:id="rId3"/>
   </p:sldIdLst>
   <p:sldSz cx="12192000" cy="6858000"/>
   <p:notesSz cx="6858000" cy="9144000"/>
@@ -104,6 +105,11 @@
       </a:defRPr>
     </a:lvl9pPr>
   </p:defaultTextStyle>
+  <p:extLst>
+    <p:ext uri="{EFAFB233-063F-42B5-8137-9DF3F51BA10A}">
+      <p15:sldGuideLst xmlns:p15="http://schemas.microsoft.com/office/powerpoint/2012/main"/>
+    </p:ext>
+  </p:extLst>
 </p:presentation>
 </file>
 
@@ -254,7 +260,7 @@
           <a:p>
             <a:fld id="{3B70D167-9861-48C8-8A43-0AD1C34EB15F}" type="datetimeFigureOut">
               <a:rPr lang="zh-CN" altLang="en-US" smtClean="0"/>
-              <a:t>2025/8/2</a:t>
+              <a:t>2025/8/3</a:t>
             </a:fld>
             <a:endParaRPr lang="zh-CN" altLang="en-US"/>
           </a:p>
@@ -452,7 +458,7 @@
           <a:p>
             <a:fld id="{3B70D167-9861-48C8-8A43-0AD1C34EB15F}" type="datetimeFigureOut">
               <a:rPr lang="zh-CN" altLang="en-US" smtClean="0"/>
-              <a:t>2025/8/2</a:t>
+              <a:t>2025/8/3</a:t>
             </a:fld>
             <a:endParaRPr lang="zh-CN" altLang="en-US"/>
           </a:p>
@@ -660,7 +666,7 @@
           <a:p>
             <a:fld id="{3B70D167-9861-48C8-8A43-0AD1C34EB15F}" type="datetimeFigureOut">
               <a:rPr lang="zh-CN" altLang="en-US" smtClean="0"/>
-              <a:t>2025/8/2</a:t>
+              <a:t>2025/8/3</a:t>
             </a:fld>
             <a:endParaRPr lang="zh-CN" altLang="en-US"/>
           </a:p>
@@ -858,7 +864,7 @@
           <a:p>
             <a:fld id="{3B70D167-9861-48C8-8A43-0AD1C34EB15F}" type="datetimeFigureOut">
               <a:rPr lang="zh-CN" altLang="en-US" smtClean="0"/>
-              <a:t>2025/8/2</a:t>
+              <a:t>2025/8/3</a:t>
             </a:fld>
             <a:endParaRPr lang="zh-CN" altLang="en-US"/>
           </a:p>
@@ -1133,7 +1139,7 @@
           <a:p>
             <a:fld id="{3B70D167-9861-48C8-8A43-0AD1C34EB15F}" type="datetimeFigureOut">
               <a:rPr lang="zh-CN" altLang="en-US" smtClean="0"/>
-              <a:t>2025/8/2</a:t>
+              <a:t>2025/8/3</a:t>
             </a:fld>
             <a:endParaRPr lang="zh-CN" altLang="en-US"/>
           </a:p>
@@ -1398,7 +1404,7 @@
           <a:p>
             <a:fld id="{3B70D167-9861-48C8-8A43-0AD1C34EB15F}" type="datetimeFigureOut">
               <a:rPr lang="zh-CN" altLang="en-US" smtClean="0"/>
-              <a:t>2025/8/2</a:t>
+              <a:t>2025/8/3</a:t>
             </a:fld>
             <a:endParaRPr lang="zh-CN" altLang="en-US"/>
           </a:p>
@@ -1810,7 +1816,7 @@
           <a:p>
             <a:fld id="{3B70D167-9861-48C8-8A43-0AD1C34EB15F}" type="datetimeFigureOut">
               <a:rPr lang="zh-CN" altLang="en-US" smtClean="0"/>
-              <a:t>2025/8/2</a:t>
+              <a:t>2025/8/3</a:t>
             </a:fld>
             <a:endParaRPr lang="zh-CN" altLang="en-US"/>
           </a:p>
@@ -1951,7 +1957,7 @@
           <a:p>
             <a:fld id="{3B70D167-9861-48C8-8A43-0AD1C34EB15F}" type="datetimeFigureOut">
               <a:rPr lang="zh-CN" altLang="en-US" smtClean="0"/>
-              <a:t>2025/8/2</a:t>
+              <a:t>2025/8/3</a:t>
             </a:fld>
             <a:endParaRPr lang="zh-CN" altLang="en-US"/>
           </a:p>
@@ -2064,7 +2070,7 @@
           <a:p>
             <a:fld id="{3B70D167-9861-48C8-8A43-0AD1C34EB15F}" type="datetimeFigureOut">
               <a:rPr lang="zh-CN" altLang="en-US" smtClean="0"/>
-              <a:t>2025/8/2</a:t>
+              <a:t>2025/8/3</a:t>
             </a:fld>
             <a:endParaRPr lang="zh-CN" altLang="en-US"/>
           </a:p>
@@ -2375,7 +2381,7 @@
           <a:p>
             <a:fld id="{3B70D167-9861-48C8-8A43-0AD1C34EB15F}" type="datetimeFigureOut">
               <a:rPr lang="zh-CN" altLang="en-US" smtClean="0"/>
-              <a:t>2025/8/2</a:t>
+              <a:t>2025/8/3</a:t>
             </a:fld>
             <a:endParaRPr lang="zh-CN" altLang="en-US"/>
           </a:p>
@@ -2663,7 +2669,7 @@
           <a:p>
             <a:fld id="{3B70D167-9861-48C8-8A43-0AD1C34EB15F}" type="datetimeFigureOut">
               <a:rPr lang="zh-CN" altLang="en-US" smtClean="0"/>
-              <a:t>2025/8/2</a:t>
+              <a:t>2025/8/3</a:t>
             </a:fld>
             <a:endParaRPr lang="zh-CN" altLang="en-US"/>
           </a:p>
@@ -2904,7 +2910,7 @@
           <a:p>
             <a:fld id="{3B70D167-9861-48C8-8A43-0AD1C34EB15F}" type="datetimeFigureOut">
               <a:rPr lang="zh-CN" altLang="en-US" smtClean="0"/>
-              <a:t>2025/8/2</a:t>
+              <a:t>2025/8/3</a:t>
             </a:fld>
             <a:endParaRPr lang="zh-CN" altLang="en-US"/>
           </a:p>
@@ -3309,7 +3315,13 @@
   <p:cSld>
     <p:spTree>
       <p:nvGrpSpPr>
-        <p:cNvPr id="1" name=""/>
+        <p:cNvPr id="1" name="">
+          <a:extLst>
+            <a:ext uri="{FF2B5EF4-FFF2-40B4-BE49-F238E27FC236}">
+              <a16:creationId xmlns:a16="http://schemas.microsoft.com/office/drawing/2014/main" id="{98103289-8A91-4389-42A3-430CBACD2E5E}"/>
+            </a:ext>
+          </a:extLst>
+        </p:cNvPr>
         <p:cNvGrpSpPr/>
         <p:nvPr/>
       </p:nvGrpSpPr>
@@ -3326,7 +3338,7 @@
           <p:cNvPr id="4" name="矩形 3">
             <a:extLst>
               <a:ext uri="{FF2B5EF4-FFF2-40B4-BE49-F238E27FC236}">
-                <a16:creationId xmlns:a16="http://schemas.microsoft.com/office/drawing/2014/main" id="{FE34B9FD-7930-0728-63FE-5776E7275BB3}"/>
+                <a16:creationId xmlns:a16="http://schemas.microsoft.com/office/drawing/2014/main" id="{9692B3E7-745D-E2AF-15EF-60B4F52964C4}"/>
               </a:ext>
             </a:extLst>
           </p:cNvPr>
@@ -3335,8 +3347,8 @@
         </p:nvSpPr>
         <p:spPr>
           <a:xfrm>
-            <a:off x="79831" y="2499201"/>
-            <a:ext cx="550569" cy="824102"/>
+            <a:off x="476222" y="2509592"/>
+            <a:ext cx="642551" cy="824102"/>
           </a:xfrm>
           <a:prstGeom prst="rect">
             <a:avLst/>
@@ -3420,7 +3432,7 @@
           <p:cNvPr id="5" name="矩形 4">
             <a:extLst>
               <a:ext uri="{FF2B5EF4-FFF2-40B4-BE49-F238E27FC236}">
-                <a16:creationId xmlns:a16="http://schemas.microsoft.com/office/drawing/2014/main" id="{ADF2EF28-BA23-E2C2-2D1B-AA3917961A82}"/>
+                <a16:creationId xmlns:a16="http://schemas.microsoft.com/office/drawing/2014/main" id="{7EF7E84F-2FCC-EF2B-A82B-60DE0F0EE194}"/>
               </a:ext>
             </a:extLst>
           </p:cNvPr>
@@ -3429,7 +3441,7 @@
         </p:nvSpPr>
         <p:spPr>
           <a:xfrm>
-            <a:off x="1440590" y="2485504"/>
+            <a:off x="1928963" y="2495895"/>
             <a:ext cx="811441" cy="824103"/>
           </a:xfrm>
           <a:prstGeom prst="rect">
@@ -3514,7 +3526,7 @@
           <p:cNvPr id="7" name="矩形 6">
             <a:extLst>
               <a:ext uri="{FF2B5EF4-FFF2-40B4-BE49-F238E27FC236}">
-                <a16:creationId xmlns:a16="http://schemas.microsoft.com/office/drawing/2014/main" id="{AF359999-96D9-68BD-EDA0-DE21FF208495}"/>
+                <a16:creationId xmlns:a16="http://schemas.microsoft.com/office/drawing/2014/main" id="{8E8BE882-484D-DA6B-001F-519F34DFA2C7}"/>
               </a:ext>
             </a:extLst>
           </p:cNvPr>
@@ -3523,7 +3535,7 @@
         </p:nvSpPr>
         <p:spPr>
           <a:xfrm>
-            <a:off x="3061755" y="2499201"/>
+            <a:off x="3550128" y="2509592"/>
             <a:ext cx="1558425" cy="824102"/>
           </a:xfrm>
           <a:prstGeom prst="rect">
@@ -3608,7 +3620,7 @@
           <p:cNvPr id="8" name="矩形 7">
             <a:extLst>
               <a:ext uri="{FF2B5EF4-FFF2-40B4-BE49-F238E27FC236}">
-                <a16:creationId xmlns:a16="http://schemas.microsoft.com/office/drawing/2014/main" id="{EFB8B937-8557-EA26-4F80-23F64539B558}"/>
+                <a16:creationId xmlns:a16="http://schemas.microsoft.com/office/drawing/2014/main" id="{DE21E2D3-77FF-1AA2-1610-8F92B3B02CF0}"/>
               </a:ext>
             </a:extLst>
           </p:cNvPr>
@@ -3617,7 +3629,7 @@
         </p:nvSpPr>
         <p:spPr>
           <a:xfrm>
-            <a:off x="8099570" y="2496093"/>
+            <a:off x="8587943" y="2506484"/>
             <a:ext cx="866484" cy="824102"/>
           </a:xfrm>
           <a:prstGeom prst="rect">
@@ -3686,7 +3698,7 @@
           <p:cNvPr id="9" name="矩形 8">
             <a:extLst>
               <a:ext uri="{FF2B5EF4-FFF2-40B4-BE49-F238E27FC236}">
-                <a16:creationId xmlns:a16="http://schemas.microsoft.com/office/drawing/2014/main" id="{F8C74D22-E783-8CF1-FE0F-DAD581E5120D}"/>
+                <a16:creationId xmlns:a16="http://schemas.microsoft.com/office/drawing/2014/main" id="{547760E0-734F-D64A-B545-277A593C468D}"/>
               </a:ext>
             </a:extLst>
           </p:cNvPr>
@@ -3695,7 +3707,7 @@
         </p:nvSpPr>
         <p:spPr>
           <a:xfrm>
-            <a:off x="9763025" y="2485504"/>
+            <a:off x="10251398" y="2495895"/>
             <a:ext cx="1186916" cy="824102"/>
           </a:xfrm>
           <a:prstGeom prst="rect">
@@ -3764,7 +3776,7 @@
           <p:cNvPr id="11" name="矩形 10">
             <a:extLst>
               <a:ext uri="{FF2B5EF4-FFF2-40B4-BE49-F238E27FC236}">
-                <a16:creationId xmlns:a16="http://schemas.microsoft.com/office/drawing/2014/main" id="{090C20C1-D05C-7996-CE22-2705E3D6BA5C}"/>
+                <a16:creationId xmlns:a16="http://schemas.microsoft.com/office/drawing/2014/main" id="{7BA3862C-2AF4-474A-58BC-64FE72FC4BF7}"/>
               </a:ext>
             </a:extLst>
           </p:cNvPr>
@@ -3773,7 +3785,7 @@
         </p:nvSpPr>
         <p:spPr>
           <a:xfrm>
-            <a:off x="5589755" y="2499201"/>
+            <a:off x="6078128" y="2509592"/>
             <a:ext cx="1712845" cy="824102"/>
           </a:xfrm>
           <a:prstGeom prst="rect">
@@ -3884,7 +3896,7 @@
           <p:cNvPr id="12" name="箭头: 右 11">
             <a:extLst>
               <a:ext uri="{FF2B5EF4-FFF2-40B4-BE49-F238E27FC236}">
-                <a16:creationId xmlns:a16="http://schemas.microsoft.com/office/drawing/2014/main" id="{08E3CDED-47D5-5705-37AA-1CE44D248075}"/>
+                <a16:creationId xmlns:a16="http://schemas.microsoft.com/office/drawing/2014/main" id="{3E74F141-0A84-D7CC-4724-3F9BF0B86C93}"/>
               </a:ext>
             </a:extLst>
           </p:cNvPr>
@@ -3893,7 +3905,7 @@
         </p:nvSpPr>
         <p:spPr>
           <a:xfrm>
-            <a:off x="714219" y="2800762"/>
+            <a:off x="1202592" y="2811153"/>
             <a:ext cx="642552" cy="220980"/>
           </a:xfrm>
           <a:prstGeom prst="rightArrow">
@@ -3933,7 +3945,7 @@
           <p:cNvPr id="13" name="箭头: 右 12">
             <a:extLst>
               <a:ext uri="{FF2B5EF4-FFF2-40B4-BE49-F238E27FC236}">
-                <a16:creationId xmlns:a16="http://schemas.microsoft.com/office/drawing/2014/main" id="{74AD67C9-2467-5C09-ACEC-46E5BE9801C2}"/>
+                <a16:creationId xmlns:a16="http://schemas.microsoft.com/office/drawing/2014/main" id="{13F965AF-4B08-9885-45DA-A899ED27DB18}"/>
               </a:ext>
             </a:extLst>
           </p:cNvPr>
@@ -3942,7 +3954,7 @@
         </p:nvSpPr>
         <p:spPr>
           <a:xfrm>
-            <a:off x="2335850" y="2800762"/>
+            <a:off x="2824223" y="2811153"/>
             <a:ext cx="642552" cy="220980"/>
           </a:xfrm>
           <a:prstGeom prst="rightArrow">
@@ -3982,7 +3994,7 @@
           <p:cNvPr id="14" name="箭头: 右 13">
             <a:extLst>
               <a:ext uri="{FF2B5EF4-FFF2-40B4-BE49-F238E27FC236}">
-                <a16:creationId xmlns:a16="http://schemas.microsoft.com/office/drawing/2014/main" id="{FE4E5A62-DDC6-4D45-D5EB-5F9C26BEC19F}"/>
+                <a16:creationId xmlns:a16="http://schemas.microsoft.com/office/drawing/2014/main" id="{475B1B1F-39DA-5AB3-E93E-C6BA00BF8086}"/>
               </a:ext>
             </a:extLst>
           </p:cNvPr>
@@ -3991,7 +4003,7 @@
         </p:nvSpPr>
         <p:spPr>
           <a:xfrm>
-            <a:off x="4707924" y="2800762"/>
+            <a:off x="5196297" y="2811153"/>
             <a:ext cx="808956" cy="214764"/>
           </a:xfrm>
           <a:prstGeom prst="rightArrow">
@@ -4031,7 +4043,7 @@
           <p:cNvPr id="15" name="箭头: 右 14">
             <a:extLst>
               <a:ext uri="{FF2B5EF4-FFF2-40B4-BE49-F238E27FC236}">
-                <a16:creationId xmlns:a16="http://schemas.microsoft.com/office/drawing/2014/main" id="{0218E2D9-53A6-C7DF-536B-A96A92A14A42}"/>
+                <a16:creationId xmlns:a16="http://schemas.microsoft.com/office/drawing/2014/main" id="{A7B9412E-00CC-1705-7738-299185883B59}"/>
               </a:ext>
             </a:extLst>
           </p:cNvPr>
@@ -4040,7 +4052,7 @@
         </p:nvSpPr>
         <p:spPr>
           <a:xfrm>
-            <a:off x="7375475" y="2797654"/>
+            <a:off x="7863848" y="2808045"/>
             <a:ext cx="642552" cy="220980"/>
           </a:xfrm>
           <a:prstGeom prst="rightArrow">
@@ -4080,7 +4092,7 @@
           <p:cNvPr id="16" name="箭头: 右 15">
             <a:extLst>
               <a:ext uri="{FF2B5EF4-FFF2-40B4-BE49-F238E27FC236}">
-                <a16:creationId xmlns:a16="http://schemas.microsoft.com/office/drawing/2014/main" id="{06EAC762-8BC7-D395-26C2-C97F2A354D03}"/>
+                <a16:creationId xmlns:a16="http://schemas.microsoft.com/office/drawing/2014/main" id="{0EA5E5DA-F828-8164-F929-674855EC4159}"/>
               </a:ext>
             </a:extLst>
           </p:cNvPr>
@@ -4089,7 +4101,7 @@
         </p:nvSpPr>
         <p:spPr>
           <a:xfrm>
-            <a:off x="9039990" y="2794546"/>
+            <a:off x="9528363" y="2804937"/>
             <a:ext cx="642552" cy="220980"/>
           </a:xfrm>
           <a:prstGeom prst="rightArrow">
@@ -4129,7 +4141,7 @@
           <p:cNvPr id="17" name="文本框 16">
             <a:extLst>
               <a:ext uri="{FF2B5EF4-FFF2-40B4-BE49-F238E27FC236}">
-                <a16:creationId xmlns:a16="http://schemas.microsoft.com/office/drawing/2014/main" id="{6F331725-61BB-B786-DE74-B89DFEECE939}"/>
+                <a16:creationId xmlns:a16="http://schemas.microsoft.com/office/drawing/2014/main" id="{7B529613-D9A1-9F2C-A4CD-6DFBECBCFCD5}"/>
               </a:ext>
             </a:extLst>
           </p:cNvPr>
@@ -4138,7 +4150,7 @@
         </p:nvSpPr>
         <p:spPr>
           <a:xfrm>
-            <a:off x="618831" y="2554541"/>
+            <a:off x="1107204" y="2564932"/>
             <a:ext cx="811441" cy="246221"/>
           </a:xfrm>
           <a:prstGeom prst="rect">
@@ -4171,7 +4183,7 @@
           <p:cNvPr id="18" name="文本框 17">
             <a:extLst>
               <a:ext uri="{FF2B5EF4-FFF2-40B4-BE49-F238E27FC236}">
-                <a16:creationId xmlns:a16="http://schemas.microsoft.com/office/drawing/2014/main" id="{F2280279-2CC4-9CD8-4004-670ADC5194D4}"/>
+                <a16:creationId xmlns:a16="http://schemas.microsoft.com/office/drawing/2014/main" id="{F84ED91F-7658-B572-65D5-B2CA1DE37CE6}"/>
               </a:ext>
             </a:extLst>
           </p:cNvPr>
@@ -4180,7 +4192,7 @@
         </p:nvSpPr>
         <p:spPr>
           <a:xfrm>
-            <a:off x="2289927" y="2554541"/>
+            <a:off x="2778300" y="2564932"/>
             <a:ext cx="688009" cy="246221"/>
           </a:xfrm>
           <a:prstGeom prst="rect">
@@ -4213,7 +4225,7 @@
           <p:cNvPr id="19" name="文本框 18">
             <a:extLst>
               <a:ext uri="{FF2B5EF4-FFF2-40B4-BE49-F238E27FC236}">
-                <a16:creationId xmlns:a16="http://schemas.microsoft.com/office/drawing/2014/main" id="{FA15D18C-B5F5-F1AF-FBE7-98BC8605794A}"/>
+                <a16:creationId xmlns:a16="http://schemas.microsoft.com/office/drawing/2014/main" id="{D8DE8C76-0806-39A2-7678-59F2C887E7EE}"/>
               </a:ext>
             </a:extLst>
           </p:cNvPr>
@@ -4222,7 +4234,7 @@
         </p:nvSpPr>
         <p:spPr>
           <a:xfrm>
-            <a:off x="4574886" y="2554541"/>
+            <a:off x="5063259" y="2564932"/>
             <a:ext cx="1024639" cy="246221"/>
           </a:xfrm>
           <a:prstGeom prst="rect">
@@ -4255,7 +4267,7 @@
           <p:cNvPr id="20" name="文本框 19">
             <a:extLst>
               <a:ext uri="{FF2B5EF4-FFF2-40B4-BE49-F238E27FC236}">
-                <a16:creationId xmlns:a16="http://schemas.microsoft.com/office/drawing/2014/main" id="{2C7D4284-3E1D-4183-69C1-82D45502C5C2}"/>
+                <a16:creationId xmlns:a16="http://schemas.microsoft.com/office/drawing/2014/main" id="{88BBD979-A3ED-63FE-9AC7-072ECBA93E78}"/>
               </a:ext>
             </a:extLst>
           </p:cNvPr>
@@ -4264,7 +4276,7 @@
         </p:nvSpPr>
         <p:spPr>
           <a:xfrm>
-            <a:off x="7262979" y="2554541"/>
+            <a:off x="7751352" y="2564932"/>
             <a:ext cx="867545" cy="246221"/>
           </a:xfrm>
           <a:prstGeom prst="rect">
@@ -4297,7 +4309,7 @@
           <p:cNvPr id="21" name="文本框 20">
             <a:extLst>
               <a:ext uri="{FF2B5EF4-FFF2-40B4-BE49-F238E27FC236}">
-                <a16:creationId xmlns:a16="http://schemas.microsoft.com/office/drawing/2014/main" id="{AA9F812B-7E04-AAD6-5081-5F7B613B01CB}"/>
+                <a16:creationId xmlns:a16="http://schemas.microsoft.com/office/drawing/2014/main" id="{E4CB0FE6-25BB-54EF-D20D-4AAA08CA43C8}"/>
               </a:ext>
             </a:extLst>
           </p:cNvPr>
@@ -4306,7 +4318,7 @@
         </p:nvSpPr>
         <p:spPr>
           <a:xfrm>
-            <a:off x="9039990" y="2554540"/>
+            <a:off x="9528363" y="2564931"/>
             <a:ext cx="620683" cy="246221"/>
           </a:xfrm>
           <a:prstGeom prst="rect">
@@ -4337,7 +4349,1357 @@
     </p:spTree>
     <p:extLst>
       <p:ext uri="{BB962C8B-B14F-4D97-AF65-F5344CB8AC3E}">
-        <p14:creationId xmlns:p14="http://schemas.microsoft.com/office/powerpoint/2010/main" val="2970418103"/>
+        <p14:creationId xmlns:p14="http://schemas.microsoft.com/office/powerpoint/2010/main" val="809226460"/>
+      </p:ext>
+    </p:extLst>
+  </p:cSld>
+  <p:clrMapOvr>
+    <a:masterClrMapping/>
+  </p:clrMapOvr>
+</p:sld>
+</file>
+
+<file path=ppt/slides/slide2.xml><?xml version="1.0" encoding="utf-8"?>
+<p:sld xmlns:a="http://schemas.openxmlformats.org/drawingml/2006/main" xmlns:r="http://schemas.openxmlformats.org/officeDocument/2006/relationships" xmlns:p="http://schemas.openxmlformats.org/presentationml/2006/main">
+  <p:cSld>
+    <p:spTree>
+      <p:nvGrpSpPr>
+        <p:cNvPr id="1" name="">
+          <a:extLst>
+            <a:ext uri="{FF2B5EF4-FFF2-40B4-BE49-F238E27FC236}">
+              <a16:creationId xmlns:a16="http://schemas.microsoft.com/office/drawing/2014/main" id="{50C2D248-F0E3-F019-A832-0C19B139AA68}"/>
+            </a:ext>
+          </a:extLst>
+        </p:cNvPr>
+        <p:cNvGrpSpPr/>
+        <p:nvPr/>
+      </p:nvGrpSpPr>
+      <p:grpSpPr>
+        <a:xfrm>
+          <a:off x="0" y="0"/>
+          <a:ext cx="0" cy="0"/>
+          <a:chOff x="0" y="0"/>
+          <a:chExt cx="0" cy="0"/>
+        </a:xfrm>
+      </p:grpSpPr>
+      <p:sp>
+        <p:nvSpPr>
+          <p:cNvPr id="2" name="矩形 1">
+            <a:extLst>
+              <a:ext uri="{FF2B5EF4-FFF2-40B4-BE49-F238E27FC236}">
+                <a16:creationId xmlns:a16="http://schemas.microsoft.com/office/drawing/2014/main" id="{B4D06E49-9C2A-B070-B09D-E9EEE49B3EDA}"/>
+              </a:ext>
+            </a:extLst>
+          </p:cNvPr>
+          <p:cNvSpPr/>
+          <p:nvPr/>
+        </p:nvSpPr>
+        <p:spPr>
+          <a:xfrm>
+            <a:off x="1501294" y="2924629"/>
+            <a:ext cx="811441" cy="824103"/>
+          </a:xfrm>
+          <a:prstGeom prst="rect">
+            <a:avLst/>
+          </a:prstGeom>
+          <a:solidFill>
+            <a:schemeClr val="accent4"/>
+          </a:solidFill>
+          <a:effectLst>
+            <a:outerShdw blurRad="50800" dist="38100" dir="2700000" algn="tl" rotWithShape="0">
+              <a:prstClr val="black">
+                <a:alpha val="40000"/>
+              </a:prstClr>
+            </a:outerShdw>
+          </a:effectLst>
+        </p:spPr>
+        <p:style>
+          <a:lnRef idx="2">
+            <a:schemeClr val="accent1">
+              <a:shade val="15000"/>
+            </a:schemeClr>
+          </a:lnRef>
+          <a:fillRef idx="1">
+            <a:schemeClr val="accent1"/>
+          </a:fillRef>
+          <a:effectRef idx="0">
+            <a:schemeClr val="accent1"/>
+          </a:effectRef>
+          <a:fontRef idx="minor">
+            <a:schemeClr val="lt1"/>
+          </a:fontRef>
+        </p:style>
+        <p:txBody>
+          <a:bodyPr rtlCol="0" anchor="ctr"/>
+          <a:lstStyle/>
+          <a:p>
+            <a:pPr algn="ctr"/>
+            <a:r>
+              <a:rPr lang="en-US" altLang="zh-CN" sz="1000" dirty="0">
+                <a:solidFill>
+                  <a:schemeClr val="tx1">
+                    <a:lumMod val="95000"/>
+                    <a:lumOff val="5000"/>
+                  </a:schemeClr>
+                </a:solidFill>
+                <a:latin typeface="微软雅黑" panose="020B0503020204020204" pitchFamily="34" charset="-122"/>
+                <a:ea typeface="微软雅黑" panose="020B0503020204020204" pitchFamily="34" charset="-122"/>
+              </a:rPr>
+              <a:t>Clang</a:t>
+            </a:r>
+          </a:p>
+          <a:p>
+            <a:pPr algn="ctr"/>
+            <a:r>
+              <a:rPr lang="en-US" altLang="zh-CN" sz="1000" dirty="0" err="1">
+                <a:solidFill>
+                  <a:schemeClr val="tx1">
+                    <a:lumMod val="95000"/>
+                    <a:lumOff val="5000"/>
+                  </a:schemeClr>
+                </a:solidFill>
+                <a:latin typeface="微软雅黑" panose="020B0503020204020204" pitchFamily="34" charset="-122"/>
+                <a:ea typeface="微软雅黑" panose="020B0503020204020204" pitchFamily="34" charset="-122"/>
+              </a:rPr>
+              <a:t>EmitLLVM</a:t>
+            </a:r>
+            <a:endParaRPr lang="zh-CN" altLang="en-US" sz="1000" dirty="0">
+              <a:solidFill>
+                <a:schemeClr val="tx1">
+                  <a:lumMod val="95000"/>
+                  <a:lumOff val="5000"/>
+                </a:schemeClr>
+              </a:solidFill>
+              <a:latin typeface="微软雅黑" panose="020B0503020204020204" pitchFamily="34" charset="-122"/>
+              <a:ea typeface="微软雅黑" panose="020B0503020204020204" pitchFamily="34" charset="-122"/>
+            </a:endParaRPr>
+          </a:p>
+        </p:txBody>
+      </p:sp>
+      <p:sp>
+        <p:nvSpPr>
+          <p:cNvPr id="3" name="矩形 2">
+            <a:extLst>
+              <a:ext uri="{FF2B5EF4-FFF2-40B4-BE49-F238E27FC236}">
+                <a16:creationId xmlns:a16="http://schemas.microsoft.com/office/drawing/2014/main" id="{884CB10B-CAB6-2D22-AE6B-BE35A36E6EF5}"/>
+              </a:ext>
+            </a:extLst>
+          </p:cNvPr>
+          <p:cNvSpPr/>
+          <p:nvPr/>
+        </p:nvSpPr>
+        <p:spPr>
+          <a:xfrm>
+            <a:off x="3122459" y="2924629"/>
+            <a:ext cx="811441" cy="824103"/>
+          </a:xfrm>
+          <a:prstGeom prst="rect">
+            <a:avLst/>
+          </a:prstGeom>
+          <a:solidFill>
+            <a:schemeClr val="accent4"/>
+          </a:solidFill>
+          <a:effectLst>
+            <a:outerShdw blurRad="50800" dist="38100" dir="2700000" algn="tl" rotWithShape="0">
+              <a:prstClr val="black">
+                <a:alpha val="40000"/>
+              </a:prstClr>
+            </a:outerShdw>
+          </a:effectLst>
+        </p:spPr>
+        <p:style>
+          <a:lnRef idx="2">
+            <a:schemeClr val="accent1">
+              <a:shade val="15000"/>
+            </a:schemeClr>
+          </a:lnRef>
+          <a:fillRef idx="1">
+            <a:schemeClr val="accent1"/>
+          </a:fillRef>
+          <a:effectRef idx="0">
+            <a:schemeClr val="accent1"/>
+          </a:effectRef>
+          <a:fontRef idx="minor">
+            <a:schemeClr val="lt1"/>
+          </a:fontRef>
+        </p:style>
+        <p:txBody>
+          <a:bodyPr rtlCol="0" anchor="ctr"/>
+          <a:lstStyle/>
+          <a:p>
+            <a:pPr algn="ctr"/>
+            <a:r>
+              <a:rPr lang="en-US" altLang="zh-CN" sz="1000" dirty="0">
+                <a:solidFill>
+                  <a:schemeClr val="tx1">
+                    <a:lumMod val="95000"/>
+                    <a:lumOff val="5000"/>
+                  </a:schemeClr>
+                </a:solidFill>
+                <a:latin typeface="微软雅黑" panose="020B0503020204020204" pitchFamily="34" charset="-122"/>
+                <a:ea typeface="微软雅黑" panose="020B0503020204020204" pitchFamily="34" charset="-122"/>
+              </a:rPr>
+              <a:t>LLVM</a:t>
+            </a:r>
+          </a:p>
+          <a:p>
+            <a:pPr algn="ctr"/>
+            <a:r>
+              <a:rPr lang="en-US" altLang="zh-CN" sz="1000" dirty="0">
+                <a:solidFill>
+                  <a:schemeClr val="tx1">
+                    <a:lumMod val="95000"/>
+                    <a:lumOff val="5000"/>
+                  </a:schemeClr>
+                </a:solidFill>
+                <a:latin typeface="微软雅黑" panose="020B0503020204020204" pitchFamily="34" charset="-122"/>
+                <a:ea typeface="微软雅黑" panose="020B0503020204020204" pitchFamily="34" charset="-122"/>
+              </a:rPr>
+              <a:t>Mem2reg</a:t>
+            </a:r>
+            <a:endParaRPr lang="zh-CN" altLang="en-US" sz="1000" dirty="0">
+              <a:solidFill>
+                <a:schemeClr val="tx1">
+                  <a:lumMod val="95000"/>
+                  <a:lumOff val="5000"/>
+                </a:schemeClr>
+              </a:solidFill>
+              <a:latin typeface="微软雅黑" panose="020B0503020204020204" pitchFamily="34" charset="-122"/>
+              <a:ea typeface="微软雅黑" panose="020B0503020204020204" pitchFamily="34" charset="-122"/>
+            </a:endParaRPr>
+          </a:p>
+        </p:txBody>
+      </p:sp>
+      <p:sp>
+        <p:nvSpPr>
+          <p:cNvPr id="6" name="矩形 5">
+            <a:extLst>
+              <a:ext uri="{FF2B5EF4-FFF2-40B4-BE49-F238E27FC236}">
+                <a16:creationId xmlns:a16="http://schemas.microsoft.com/office/drawing/2014/main" id="{23033CA9-51EF-66E9-0081-53051FFA09E6}"/>
+              </a:ext>
+            </a:extLst>
+          </p:cNvPr>
+          <p:cNvSpPr/>
+          <p:nvPr/>
+        </p:nvSpPr>
+        <p:spPr>
+          <a:xfrm>
+            <a:off x="4747390" y="2924630"/>
+            <a:ext cx="1558425" cy="824102"/>
+          </a:xfrm>
+          <a:prstGeom prst="rect">
+            <a:avLst/>
+          </a:prstGeom>
+          <a:solidFill>
+            <a:schemeClr val="accent4"/>
+          </a:solidFill>
+          <a:effectLst>
+            <a:outerShdw blurRad="50800" dist="38100" dir="2700000" algn="tl" rotWithShape="0">
+              <a:prstClr val="black">
+                <a:alpha val="40000"/>
+              </a:prstClr>
+            </a:outerShdw>
+          </a:effectLst>
+        </p:spPr>
+        <p:style>
+          <a:lnRef idx="2">
+            <a:schemeClr val="accent1">
+              <a:shade val="15000"/>
+            </a:schemeClr>
+          </a:lnRef>
+          <a:fillRef idx="1">
+            <a:schemeClr val="accent1"/>
+          </a:fillRef>
+          <a:effectRef idx="0">
+            <a:schemeClr val="accent1"/>
+          </a:effectRef>
+          <a:fontRef idx="minor">
+            <a:schemeClr val="lt1"/>
+          </a:fontRef>
+        </p:style>
+        <p:txBody>
+          <a:bodyPr rtlCol="0" anchor="ctr"/>
+          <a:lstStyle/>
+          <a:p>
+            <a:pPr algn="ctr"/>
+            <a:r>
+              <a:rPr lang="en-US" altLang="zh-CN" sz="1000" dirty="0">
+                <a:solidFill>
+                  <a:schemeClr val="tx1">
+                    <a:lumMod val="95000"/>
+                    <a:lumOff val="5000"/>
+                  </a:schemeClr>
+                </a:solidFill>
+                <a:latin typeface="微软雅黑" panose="020B0503020204020204" pitchFamily="34" charset="-122"/>
+                <a:ea typeface="微软雅黑" panose="020B0503020204020204" pitchFamily="34" charset="-122"/>
+              </a:rPr>
+              <a:t>SelectionDAGISel</a:t>
+            </a:r>
+          </a:p>
+          <a:p>
+            <a:pPr algn="ctr"/>
+            <a:r>
+              <a:rPr lang="en-US" altLang="zh-CN" sz="1000" dirty="0">
+                <a:solidFill>
+                  <a:schemeClr val="tx1">
+                    <a:lumMod val="95000"/>
+                    <a:lumOff val="5000"/>
+                  </a:schemeClr>
+                </a:solidFill>
+                <a:latin typeface="微软雅黑" panose="020B0503020204020204" pitchFamily="34" charset="-122"/>
+                <a:ea typeface="微软雅黑" panose="020B0503020204020204" pitchFamily="34" charset="-122"/>
+              </a:rPr>
+              <a:t>(SelectionDAGBuilder) </a:t>
+            </a:r>
+            <a:endParaRPr lang="zh-CN" altLang="en-US" sz="1000" dirty="0">
+              <a:solidFill>
+                <a:schemeClr val="tx1">
+                  <a:lumMod val="95000"/>
+                  <a:lumOff val="5000"/>
+                </a:schemeClr>
+              </a:solidFill>
+              <a:latin typeface="微软雅黑" panose="020B0503020204020204" pitchFamily="34" charset="-122"/>
+              <a:ea typeface="微软雅黑" panose="020B0503020204020204" pitchFamily="34" charset="-122"/>
+            </a:endParaRPr>
+          </a:p>
+        </p:txBody>
+      </p:sp>
+      <p:sp>
+        <p:nvSpPr>
+          <p:cNvPr id="10" name="矩形 9">
+            <a:extLst>
+              <a:ext uri="{FF2B5EF4-FFF2-40B4-BE49-F238E27FC236}">
+                <a16:creationId xmlns:a16="http://schemas.microsoft.com/office/drawing/2014/main" id="{258D0517-E0CA-C541-234D-0DB42C1CF3D1}"/>
+              </a:ext>
+            </a:extLst>
+          </p:cNvPr>
+          <p:cNvSpPr/>
+          <p:nvPr/>
+        </p:nvSpPr>
+        <p:spPr>
+          <a:xfrm>
+            <a:off x="7306343" y="2924629"/>
+            <a:ext cx="1712845" cy="824102"/>
+          </a:xfrm>
+          <a:prstGeom prst="rect">
+            <a:avLst/>
+          </a:prstGeom>
+          <a:solidFill>
+            <a:schemeClr val="accent4"/>
+          </a:solidFill>
+          <a:effectLst>
+            <a:outerShdw blurRad="50800" dist="38100" dir="2700000" algn="tl" rotWithShape="0">
+              <a:prstClr val="black">
+                <a:alpha val="40000"/>
+              </a:prstClr>
+            </a:outerShdw>
+          </a:effectLst>
+        </p:spPr>
+        <p:style>
+          <a:lnRef idx="2">
+            <a:schemeClr val="accent1">
+              <a:shade val="15000"/>
+            </a:schemeClr>
+          </a:lnRef>
+          <a:fillRef idx="1">
+            <a:schemeClr val="accent1"/>
+          </a:fillRef>
+          <a:effectRef idx="0">
+            <a:schemeClr val="accent1"/>
+          </a:effectRef>
+          <a:fontRef idx="minor">
+            <a:schemeClr val="lt1"/>
+          </a:fontRef>
+        </p:style>
+        <p:txBody>
+          <a:bodyPr rtlCol="0" anchor="ctr"/>
+          <a:lstStyle/>
+          <a:p>
+            <a:pPr algn="ctr"/>
+            <a:r>
+              <a:rPr lang="en-US" altLang="zh-CN" sz="1000" dirty="0">
+                <a:solidFill>
+                  <a:schemeClr val="tx1">
+                    <a:lumMod val="95000"/>
+                    <a:lumOff val="5000"/>
+                  </a:schemeClr>
+                </a:solidFill>
+                <a:latin typeface="微软雅黑" panose="020B0503020204020204" pitchFamily="34" charset="-122"/>
+                <a:ea typeface="微软雅黑" panose="020B0503020204020204" pitchFamily="34" charset="-122"/>
+              </a:rPr>
+              <a:t>SelectionDAGISel</a:t>
+            </a:r>
+          </a:p>
+          <a:p>
+            <a:pPr algn="ctr"/>
+            <a:r>
+              <a:rPr lang="en-US" altLang="zh-CN" sz="1000" dirty="0">
+                <a:solidFill>
+                  <a:schemeClr val="tx1">
+                    <a:lumMod val="95000"/>
+                    <a:lumOff val="5000"/>
+                  </a:schemeClr>
+                </a:solidFill>
+                <a:latin typeface="微软雅黑" panose="020B0503020204020204" pitchFamily="34" charset="-122"/>
+                <a:ea typeface="微软雅黑" panose="020B0503020204020204" pitchFamily="34" charset="-122"/>
+              </a:rPr>
+              <a:t>(</a:t>
+            </a:r>
+            <a:r>
+              <a:rPr lang="en-US" altLang="zh-CN" sz="1000" dirty="0" err="1">
+                <a:solidFill>
+                  <a:schemeClr val="tx1">
+                    <a:lumMod val="95000"/>
+                    <a:lumOff val="5000"/>
+                  </a:schemeClr>
+                </a:solidFill>
+                <a:latin typeface="微软雅黑" panose="020B0503020204020204" pitchFamily="34" charset="-122"/>
+                <a:ea typeface="微软雅黑" panose="020B0503020204020204" pitchFamily="34" charset="-122"/>
+              </a:rPr>
+              <a:t>SelectionDAGFormation</a:t>
+            </a:r>
+            <a:r>
+              <a:rPr lang="en-US" altLang="zh-CN" sz="1000" dirty="0">
+                <a:solidFill>
+                  <a:schemeClr val="tx1">
+                    <a:lumMod val="95000"/>
+                    <a:lumOff val="5000"/>
+                  </a:schemeClr>
+                </a:solidFill>
+                <a:latin typeface="微软雅黑" panose="020B0503020204020204" pitchFamily="34" charset="-122"/>
+                <a:ea typeface="微软雅黑" panose="020B0503020204020204" pitchFamily="34" charset="-122"/>
+              </a:rPr>
+              <a:t>) </a:t>
+            </a:r>
+            <a:endParaRPr lang="zh-CN" altLang="en-US" sz="1000" dirty="0">
+              <a:solidFill>
+                <a:schemeClr val="tx1">
+                  <a:lumMod val="95000"/>
+                  <a:lumOff val="5000"/>
+                </a:schemeClr>
+              </a:solidFill>
+              <a:latin typeface="微软雅黑" panose="020B0503020204020204" pitchFamily="34" charset="-122"/>
+              <a:ea typeface="微软雅黑" panose="020B0503020204020204" pitchFamily="34" charset="-122"/>
+            </a:endParaRPr>
+          </a:p>
+        </p:txBody>
+      </p:sp>
+      <p:sp>
+        <p:nvSpPr>
+          <p:cNvPr id="22" name="矩形 21">
+            <a:extLst>
+              <a:ext uri="{FF2B5EF4-FFF2-40B4-BE49-F238E27FC236}">
+                <a16:creationId xmlns:a16="http://schemas.microsoft.com/office/drawing/2014/main" id="{388C01C6-C184-F85A-E6B1-9E726F8F3FB2}"/>
+              </a:ext>
+            </a:extLst>
+          </p:cNvPr>
+          <p:cNvSpPr/>
+          <p:nvPr/>
+        </p:nvSpPr>
+        <p:spPr>
+          <a:xfrm>
+            <a:off x="9832678" y="2924629"/>
+            <a:ext cx="734679" cy="824102"/>
+          </a:xfrm>
+          <a:prstGeom prst="rect">
+            <a:avLst/>
+          </a:prstGeom>
+          <a:solidFill>
+            <a:schemeClr val="accent4"/>
+          </a:solidFill>
+          <a:effectLst>
+            <a:outerShdw blurRad="50800" dist="38100" dir="2700000" algn="tl" rotWithShape="0">
+              <a:prstClr val="black">
+                <a:alpha val="40000"/>
+              </a:prstClr>
+            </a:outerShdw>
+          </a:effectLst>
+        </p:spPr>
+        <p:style>
+          <a:lnRef idx="2">
+            <a:schemeClr val="accent1">
+              <a:shade val="15000"/>
+            </a:schemeClr>
+          </a:lnRef>
+          <a:fillRef idx="1">
+            <a:schemeClr val="accent1"/>
+          </a:fillRef>
+          <a:effectRef idx="0">
+            <a:schemeClr val="accent1"/>
+          </a:effectRef>
+          <a:fontRef idx="minor">
+            <a:schemeClr val="lt1"/>
+          </a:fontRef>
+        </p:style>
+        <p:txBody>
+          <a:bodyPr rtlCol="0" anchor="ctr"/>
+          <a:lstStyle/>
+          <a:p>
+            <a:pPr algn="ctr"/>
+            <a:r>
+              <a:rPr lang="en-US" altLang="zh-CN" sz="1000" dirty="0" err="1">
+                <a:solidFill>
+                  <a:schemeClr val="tx1">
+                    <a:lumMod val="95000"/>
+                    <a:lumOff val="5000"/>
+                  </a:schemeClr>
+                </a:solidFill>
+                <a:latin typeface="微软雅黑" panose="020B0503020204020204" pitchFamily="34" charset="-122"/>
+                <a:ea typeface="微软雅黑" panose="020B0503020204020204" pitchFamily="34" charset="-122"/>
+              </a:rPr>
+              <a:t>RegAlloc</a:t>
+            </a:r>
+            <a:endParaRPr lang="zh-CN" altLang="en-US" sz="1000" dirty="0">
+              <a:solidFill>
+                <a:schemeClr val="tx1">
+                  <a:lumMod val="95000"/>
+                  <a:lumOff val="5000"/>
+                </a:schemeClr>
+              </a:solidFill>
+              <a:latin typeface="微软雅黑" panose="020B0503020204020204" pitchFamily="34" charset="-122"/>
+              <a:ea typeface="微软雅黑" panose="020B0503020204020204" pitchFamily="34" charset="-122"/>
+            </a:endParaRPr>
+          </a:p>
+        </p:txBody>
+      </p:sp>
+      <p:sp>
+        <p:nvSpPr>
+          <p:cNvPr id="24" name="箭头: 右 23">
+            <a:extLst>
+              <a:ext uri="{FF2B5EF4-FFF2-40B4-BE49-F238E27FC236}">
+                <a16:creationId xmlns:a16="http://schemas.microsoft.com/office/drawing/2014/main" id="{30046724-038C-5A89-16FC-B552A5354F0C}"/>
+              </a:ext>
+            </a:extLst>
+          </p:cNvPr>
+          <p:cNvSpPr/>
+          <p:nvPr/>
+        </p:nvSpPr>
+        <p:spPr>
+          <a:xfrm>
+            <a:off x="783192" y="3226190"/>
+            <a:ext cx="642552" cy="220980"/>
+          </a:xfrm>
+          <a:prstGeom prst="rightArrow">
+            <a:avLst/>
+          </a:prstGeom>
+          <a:solidFill>
+            <a:schemeClr val="bg1">
+              <a:lumMod val="75000"/>
+            </a:schemeClr>
+          </a:solidFill>
+          <a:ln>
+            <a:solidFill>
+              <a:schemeClr val="bg1">
+                <a:lumMod val="50000"/>
+              </a:schemeClr>
+            </a:solidFill>
+          </a:ln>
+        </p:spPr>
+        <p:style>
+          <a:lnRef idx="2">
+            <a:schemeClr val="accent1">
+              <a:shade val="15000"/>
+            </a:schemeClr>
+          </a:lnRef>
+          <a:fillRef idx="1">
+            <a:schemeClr val="accent1"/>
+          </a:fillRef>
+          <a:effectRef idx="0">
+            <a:schemeClr val="accent1"/>
+          </a:effectRef>
+          <a:fontRef idx="minor">
+            <a:schemeClr val="lt1"/>
+          </a:fontRef>
+        </p:style>
+        <p:txBody>
+          <a:bodyPr rtlCol="0" anchor="ctr"/>
+          <a:lstStyle/>
+          <a:p>
+            <a:pPr algn="ctr"/>
+            <a:endParaRPr lang="zh-CN" altLang="en-US" sz="1000">
+              <a:latin typeface="微软雅黑" panose="020B0503020204020204" pitchFamily="34" charset="-122"/>
+              <a:ea typeface="微软雅黑" panose="020B0503020204020204" pitchFamily="34" charset="-122"/>
+            </a:endParaRPr>
+          </a:p>
+        </p:txBody>
+      </p:sp>
+      <p:sp>
+        <p:nvSpPr>
+          <p:cNvPr id="25" name="文本框 24">
+            <a:extLst>
+              <a:ext uri="{FF2B5EF4-FFF2-40B4-BE49-F238E27FC236}">
+                <a16:creationId xmlns:a16="http://schemas.microsoft.com/office/drawing/2014/main" id="{4769A8E2-8C2D-8CA9-6115-DF378B0694FA}"/>
+              </a:ext>
+            </a:extLst>
+          </p:cNvPr>
+          <p:cNvSpPr txBox="1"/>
+          <p:nvPr/>
+        </p:nvSpPr>
+        <p:spPr>
+          <a:xfrm>
+            <a:off x="677894" y="3423776"/>
+            <a:ext cx="811441" cy="246221"/>
+          </a:xfrm>
+          <a:prstGeom prst="rect">
+            <a:avLst/>
+          </a:prstGeom>
+          <a:noFill/>
+        </p:spPr>
+        <p:txBody>
+          <a:bodyPr wrap="none" rtlCol="0">
+            <a:spAutoFit/>
+          </a:bodyPr>
+          <a:lstStyle/>
+          <a:p>
+            <a:r>
+              <a:rPr lang="en-US" altLang="zh-CN" sz="1000" dirty="0">
+                <a:latin typeface="微软雅黑" panose="020B0503020204020204" pitchFamily="34" charset="-122"/>
+                <a:ea typeface="微软雅黑" panose="020B0503020204020204" pitchFamily="34" charset="-122"/>
+              </a:rPr>
+              <a:t>Clang AST</a:t>
+            </a:r>
+            <a:endParaRPr lang="zh-CN" altLang="en-US" sz="1000" dirty="0">
+              <a:latin typeface="微软雅黑" panose="020B0503020204020204" pitchFamily="34" charset="-122"/>
+              <a:ea typeface="微软雅黑" panose="020B0503020204020204" pitchFamily="34" charset="-122"/>
+            </a:endParaRPr>
+          </a:p>
+        </p:txBody>
+      </p:sp>
+      <p:sp>
+        <p:nvSpPr>
+          <p:cNvPr id="26" name="箭头: 右 25">
+            <a:extLst>
+              <a:ext uri="{FF2B5EF4-FFF2-40B4-BE49-F238E27FC236}">
+                <a16:creationId xmlns:a16="http://schemas.microsoft.com/office/drawing/2014/main" id="{7600B63F-0D9E-7CBC-E722-7695BF5BB13E}"/>
+              </a:ext>
+            </a:extLst>
+          </p:cNvPr>
+          <p:cNvSpPr/>
+          <p:nvPr/>
+        </p:nvSpPr>
+        <p:spPr>
+          <a:xfrm>
+            <a:off x="2394438" y="3226190"/>
+            <a:ext cx="642552" cy="220980"/>
+          </a:xfrm>
+          <a:prstGeom prst="rightArrow">
+            <a:avLst/>
+          </a:prstGeom>
+        </p:spPr>
+        <p:style>
+          <a:lnRef idx="2">
+            <a:schemeClr val="accent1">
+              <a:shade val="15000"/>
+            </a:schemeClr>
+          </a:lnRef>
+          <a:fillRef idx="1">
+            <a:schemeClr val="accent1"/>
+          </a:fillRef>
+          <a:effectRef idx="0">
+            <a:schemeClr val="accent1"/>
+          </a:effectRef>
+          <a:fontRef idx="minor">
+            <a:schemeClr val="lt1"/>
+          </a:fontRef>
+        </p:style>
+        <p:txBody>
+          <a:bodyPr rtlCol="0" anchor="ctr"/>
+          <a:lstStyle/>
+          <a:p>
+            <a:pPr algn="ctr"/>
+            <a:endParaRPr lang="zh-CN" altLang="en-US" sz="1000">
+              <a:latin typeface="微软雅黑" panose="020B0503020204020204" pitchFamily="34" charset="-122"/>
+              <a:ea typeface="微软雅黑" panose="020B0503020204020204" pitchFamily="34" charset="-122"/>
+            </a:endParaRPr>
+          </a:p>
+        </p:txBody>
+      </p:sp>
+      <p:sp>
+        <p:nvSpPr>
+          <p:cNvPr id="27" name="箭头: 右 26">
+            <a:extLst>
+              <a:ext uri="{FF2B5EF4-FFF2-40B4-BE49-F238E27FC236}">
+                <a16:creationId xmlns:a16="http://schemas.microsoft.com/office/drawing/2014/main" id="{34121AE5-A36D-3CA2-35D9-FECD37CEB003}"/>
+              </a:ext>
+            </a:extLst>
+          </p:cNvPr>
+          <p:cNvSpPr/>
+          <p:nvPr/>
+        </p:nvSpPr>
+        <p:spPr>
+          <a:xfrm>
+            <a:off x="4017719" y="3226190"/>
+            <a:ext cx="642552" cy="220980"/>
+          </a:xfrm>
+          <a:prstGeom prst="rightArrow">
+            <a:avLst/>
+          </a:prstGeom>
+        </p:spPr>
+        <p:style>
+          <a:lnRef idx="2">
+            <a:schemeClr val="accent1">
+              <a:shade val="15000"/>
+            </a:schemeClr>
+          </a:lnRef>
+          <a:fillRef idx="1">
+            <a:schemeClr val="accent1"/>
+          </a:fillRef>
+          <a:effectRef idx="0">
+            <a:schemeClr val="accent1"/>
+          </a:effectRef>
+          <a:fontRef idx="minor">
+            <a:schemeClr val="lt1"/>
+          </a:fontRef>
+        </p:style>
+        <p:txBody>
+          <a:bodyPr rtlCol="0" anchor="ctr"/>
+          <a:lstStyle/>
+          <a:p>
+            <a:pPr algn="ctr"/>
+            <a:endParaRPr lang="zh-CN" altLang="en-US" sz="1000">
+              <a:latin typeface="微软雅黑" panose="020B0503020204020204" pitchFamily="34" charset="-122"/>
+              <a:ea typeface="微软雅黑" panose="020B0503020204020204" pitchFamily="34" charset="-122"/>
+            </a:endParaRPr>
+          </a:p>
+        </p:txBody>
+      </p:sp>
+      <p:sp>
+        <p:nvSpPr>
+          <p:cNvPr id="29" name="箭头: 右 28">
+            <a:extLst>
+              <a:ext uri="{FF2B5EF4-FFF2-40B4-BE49-F238E27FC236}">
+                <a16:creationId xmlns:a16="http://schemas.microsoft.com/office/drawing/2014/main" id="{B7DC3BD6-C8EC-2A0F-AB54-0929EB405E95}"/>
+              </a:ext>
+            </a:extLst>
+          </p:cNvPr>
+          <p:cNvSpPr/>
+          <p:nvPr/>
+        </p:nvSpPr>
+        <p:spPr>
+          <a:xfrm>
+            <a:off x="9104657" y="3226190"/>
+            <a:ext cx="642552" cy="220980"/>
+          </a:xfrm>
+          <a:prstGeom prst="rightArrow">
+            <a:avLst/>
+          </a:prstGeom>
+        </p:spPr>
+        <p:style>
+          <a:lnRef idx="2">
+            <a:schemeClr val="accent1">
+              <a:shade val="15000"/>
+            </a:schemeClr>
+          </a:lnRef>
+          <a:fillRef idx="1">
+            <a:schemeClr val="accent1"/>
+          </a:fillRef>
+          <a:effectRef idx="0">
+            <a:schemeClr val="accent1"/>
+          </a:effectRef>
+          <a:fontRef idx="minor">
+            <a:schemeClr val="lt1"/>
+          </a:fontRef>
+        </p:style>
+        <p:txBody>
+          <a:bodyPr rtlCol="0" anchor="ctr"/>
+          <a:lstStyle/>
+          <a:p>
+            <a:pPr algn="ctr"/>
+            <a:endParaRPr lang="zh-CN" altLang="en-US" sz="1000">
+              <a:latin typeface="微软雅黑" panose="020B0503020204020204" pitchFamily="34" charset="-122"/>
+              <a:ea typeface="微软雅黑" panose="020B0503020204020204" pitchFamily="34" charset="-122"/>
+            </a:endParaRPr>
+          </a:p>
+        </p:txBody>
+      </p:sp>
+      <p:sp>
+        <p:nvSpPr>
+          <p:cNvPr id="31" name="文本框 30">
+            <a:extLst>
+              <a:ext uri="{FF2B5EF4-FFF2-40B4-BE49-F238E27FC236}">
+                <a16:creationId xmlns:a16="http://schemas.microsoft.com/office/drawing/2014/main" id="{EE0DC9F1-3381-06E7-47F9-14337F807F3B}"/>
+              </a:ext>
+            </a:extLst>
+          </p:cNvPr>
+          <p:cNvSpPr txBox="1"/>
+          <p:nvPr/>
+        </p:nvSpPr>
+        <p:spPr>
+          <a:xfrm>
+            <a:off x="733212" y="3003363"/>
+            <a:ext cx="742511" cy="246221"/>
+          </a:xfrm>
+          <a:prstGeom prst="rect">
+            <a:avLst/>
+          </a:prstGeom>
+          <a:noFill/>
+        </p:spPr>
+        <p:txBody>
+          <a:bodyPr wrap="none" rtlCol="0">
+            <a:spAutoFit/>
+          </a:bodyPr>
+          <a:lstStyle/>
+          <a:p>
+            <a:r>
+              <a:rPr lang="en-US" altLang="zh-CN" sz="1000" dirty="0">
+                <a:latin typeface="微软雅黑" panose="020B0503020204020204" pitchFamily="34" charset="-122"/>
+                <a:ea typeface="微软雅黑" panose="020B0503020204020204" pitchFamily="34" charset="-122"/>
+              </a:rPr>
+              <a:t>Non-SSA</a:t>
+            </a:r>
+            <a:endParaRPr lang="zh-CN" altLang="en-US" sz="1000" dirty="0">
+              <a:latin typeface="微软雅黑" panose="020B0503020204020204" pitchFamily="34" charset="-122"/>
+              <a:ea typeface="微软雅黑" panose="020B0503020204020204" pitchFamily="34" charset="-122"/>
+            </a:endParaRPr>
+          </a:p>
+        </p:txBody>
+      </p:sp>
+      <p:sp>
+        <p:nvSpPr>
+          <p:cNvPr id="32" name="文本框 31">
+            <a:extLst>
+              <a:ext uri="{FF2B5EF4-FFF2-40B4-BE49-F238E27FC236}">
+                <a16:creationId xmlns:a16="http://schemas.microsoft.com/office/drawing/2014/main" id="{F1FEB503-C863-70D8-A4E5-9865F988F949}"/>
+              </a:ext>
+            </a:extLst>
+          </p:cNvPr>
+          <p:cNvSpPr txBox="1"/>
+          <p:nvPr/>
+        </p:nvSpPr>
+        <p:spPr>
+          <a:xfrm>
+            <a:off x="2475905" y="3003363"/>
+            <a:ext cx="479618" cy="246221"/>
+          </a:xfrm>
+          <a:prstGeom prst="rect">
+            <a:avLst/>
+          </a:prstGeom>
+          <a:noFill/>
+        </p:spPr>
+        <p:txBody>
+          <a:bodyPr wrap="none" rtlCol="0">
+            <a:spAutoFit/>
+          </a:bodyPr>
+          <a:lstStyle/>
+          <a:p>
+            <a:r>
+              <a:rPr lang="en-US" altLang="zh-CN" sz="1000" dirty="0">
+                <a:latin typeface="微软雅黑" panose="020B0503020204020204" pitchFamily="34" charset="-122"/>
+                <a:ea typeface="微软雅黑" panose="020B0503020204020204" pitchFamily="34" charset="-122"/>
+              </a:rPr>
+              <a:t>SSA*</a:t>
+            </a:r>
+            <a:endParaRPr lang="zh-CN" altLang="en-US" sz="1000" dirty="0">
+              <a:latin typeface="微软雅黑" panose="020B0503020204020204" pitchFamily="34" charset="-122"/>
+              <a:ea typeface="微软雅黑" panose="020B0503020204020204" pitchFamily="34" charset="-122"/>
+            </a:endParaRPr>
+          </a:p>
+        </p:txBody>
+      </p:sp>
+      <p:sp>
+        <p:nvSpPr>
+          <p:cNvPr id="33" name="文本框 32">
+            <a:extLst>
+              <a:ext uri="{FF2B5EF4-FFF2-40B4-BE49-F238E27FC236}">
+                <a16:creationId xmlns:a16="http://schemas.microsoft.com/office/drawing/2014/main" id="{F5E8C168-264F-4E40-5F23-C2DA69112753}"/>
+              </a:ext>
+            </a:extLst>
+          </p:cNvPr>
+          <p:cNvSpPr txBox="1"/>
+          <p:nvPr/>
+        </p:nvSpPr>
+        <p:spPr>
+          <a:xfrm>
+            <a:off x="2371709" y="3423775"/>
+            <a:ext cx="688009" cy="246221"/>
+          </a:xfrm>
+          <a:prstGeom prst="rect">
+            <a:avLst/>
+          </a:prstGeom>
+          <a:noFill/>
+        </p:spPr>
+        <p:txBody>
+          <a:bodyPr wrap="none" rtlCol="0">
+            <a:spAutoFit/>
+          </a:bodyPr>
+          <a:lstStyle/>
+          <a:p>
+            <a:r>
+              <a:rPr lang="en-US" altLang="zh-CN" sz="1000" dirty="0">
+                <a:latin typeface="微软雅黑" panose="020B0503020204020204" pitchFamily="34" charset="-122"/>
+                <a:ea typeface="微软雅黑" panose="020B0503020204020204" pitchFamily="34" charset="-122"/>
+              </a:rPr>
+              <a:t>LLVM IR</a:t>
+            </a:r>
+            <a:endParaRPr lang="zh-CN" altLang="en-US" sz="1000" dirty="0">
+              <a:latin typeface="微软雅黑" panose="020B0503020204020204" pitchFamily="34" charset="-122"/>
+              <a:ea typeface="微软雅黑" panose="020B0503020204020204" pitchFamily="34" charset="-122"/>
+            </a:endParaRPr>
+          </a:p>
+        </p:txBody>
+      </p:sp>
+      <p:sp>
+        <p:nvSpPr>
+          <p:cNvPr id="34" name="文本框 33">
+            <a:extLst>
+              <a:ext uri="{FF2B5EF4-FFF2-40B4-BE49-F238E27FC236}">
+                <a16:creationId xmlns:a16="http://schemas.microsoft.com/office/drawing/2014/main" id="{D9BE96F3-9ABC-AD82-DEC1-C6336C2D0810}"/>
+              </a:ext>
+            </a:extLst>
+          </p:cNvPr>
+          <p:cNvSpPr txBox="1"/>
+          <p:nvPr/>
+        </p:nvSpPr>
+        <p:spPr>
+          <a:xfrm>
+            <a:off x="3996640" y="3423774"/>
+            <a:ext cx="688009" cy="246221"/>
+          </a:xfrm>
+          <a:prstGeom prst="rect">
+            <a:avLst/>
+          </a:prstGeom>
+          <a:noFill/>
+        </p:spPr>
+        <p:txBody>
+          <a:bodyPr wrap="none" rtlCol="0">
+            <a:spAutoFit/>
+          </a:bodyPr>
+          <a:lstStyle/>
+          <a:p>
+            <a:r>
+              <a:rPr lang="en-US" altLang="zh-CN" sz="1000" dirty="0">
+                <a:latin typeface="微软雅黑" panose="020B0503020204020204" pitchFamily="34" charset="-122"/>
+                <a:ea typeface="微软雅黑" panose="020B0503020204020204" pitchFamily="34" charset="-122"/>
+              </a:rPr>
+              <a:t>LLVM IR</a:t>
+            </a:r>
+            <a:endParaRPr lang="zh-CN" altLang="en-US" sz="1000" dirty="0">
+              <a:latin typeface="微软雅黑" panose="020B0503020204020204" pitchFamily="34" charset="-122"/>
+              <a:ea typeface="微软雅黑" panose="020B0503020204020204" pitchFamily="34" charset="-122"/>
+            </a:endParaRPr>
+          </a:p>
+        </p:txBody>
+      </p:sp>
+      <p:sp>
+        <p:nvSpPr>
+          <p:cNvPr id="35" name="文本框 34">
+            <a:extLst>
+              <a:ext uri="{FF2B5EF4-FFF2-40B4-BE49-F238E27FC236}">
+                <a16:creationId xmlns:a16="http://schemas.microsoft.com/office/drawing/2014/main" id="{2F980E13-7B33-BB5E-423B-FBC105B49AEA}"/>
+              </a:ext>
+            </a:extLst>
+          </p:cNvPr>
+          <p:cNvSpPr txBox="1"/>
+          <p:nvPr/>
+        </p:nvSpPr>
+        <p:spPr>
+          <a:xfrm>
+            <a:off x="4129690" y="3000976"/>
+            <a:ext cx="421910" cy="246221"/>
+          </a:xfrm>
+          <a:prstGeom prst="rect">
+            <a:avLst/>
+          </a:prstGeom>
+          <a:noFill/>
+        </p:spPr>
+        <p:txBody>
+          <a:bodyPr wrap="none" rtlCol="0">
+            <a:spAutoFit/>
+          </a:bodyPr>
+          <a:lstStyle/>
+          <a:p>
+            <a:r>
+              <a:rPr lang="en-US" altLang="zh-CN" sz="1000" dirty="0">
+                <a:latin typeface="微软雅黑" panose="020B0503020204020204" pitchFamily="34" charset="-122"/>
+                <a:ea typeface="微软雅黑" panose="020B0503020204020204" pitchFamily="34" charset="-122"/>
+              </a:rPr>
+              <a:t>SSA</a:t>
+            </a:r>
+            <a:endParaRPr lang="zh-CN" altLang="en-US" sz="1000" dirty="0">
+              <a:latin typeface="微软雅黑" panose="020B0503020204020204" pitchFamily="34" charset="-122"/>
+              <a:ea typeface="微软雅黑" panose="020B0503020204020204" pitchFamily="34" charset="-122"/>
+            </a:endParaRPr>
+          </a:p>
+        </p:txBody>
+      </p:sp>
+      <p:sp>
+        <p:nvSpPr>
+          <p:cNvPr id="36" name="箭头: 右 35">
+            <a:extLst>
+              <a:ext uri="{FF2B5EF4-FFF2-40B4-BE49-F238E27FC236}">
+                <a16:creationId xmlns:a16="http://schemas.microsoft.com/office/drawing/2014/main" id="{D03674BF-EE80-602B-24EE-73493769DAAF}"/>
+              </a:ext>
+            </a:extLst>
+          </p:cNvPr>
+          <p:cNvSpPr/>
+          <p:nvPr/>
+        </p:nvSpPr>
+        <p:spPr>
+          <a:xfrm>
+            <a:off x="6401675" y="3223577"/>
+            <a:ext cx="829590" cy="219059"/>
+          </a:xfrm>
+          <a:prstGeom prst="rightArrow">
+            <a:avLst/>
+          </a:prstGeom>
+          <a:solidFill>
+            <a:schemeClr val="bg1">
+              <a:lumMod val="75000"/>
+            </a:schemeClr>
+          </a:solidFill>
+          <a:ln>
+            <a:solidFill>
+              <a:schemeClr val="bg1">
+                <a:lumMod val="50000"/>
+              </a:schemeClr>
+            </a:solidFill>
+          </a:ln>
+        </p:spPr>
+        <p:style>
+          <a:lnRef idx="2">
+            <a:schemeClr val="accent1">
+              <a:shade val="15000"/>
+            </a:schemeClr>
+          </a:lnRef>
+          <a:fillRef idx="1">
+            <a:schemeClr val="accent1"/>
+          </a:fillRef>
+          <a:effectRef idx="0">
+            <a:schemeClr val="accent1"/>
+          </a:effectRef>
+          <a:fontRef idx="minor">
+            <a:schemeClr val="lt1"/>
+          </a:fontRef>
+        </p:style>
+        <p:txBody>
+          <a:bodyPr rtlCol="0" anchor="ctr"/>
+          <a:lstStyle/>
+          <a:p>
+            <a:pPr algn="ctr"/>
+            <a:endParaRPr lang="zh-CN" altLang="en-US" sz="1000">
+              <a:latin typeface="微软雅黑" panose="020B0503020204020204" pitchFamily="34" charset="-122"/>
+              <a:ea typeface="微软雅黑" panose="020B0503020204020204" pitchFamily="34" charset="-122"/>
+            </a:endParaRPr>
+          </a:p>
+        </p:txBody>
+      </p:sp>
+      <p:sp>
+        <p:nvSpPr>
+          <p:cNvPr id="37" name="文本框 36">
+            <a:extLst>
+              <a:ext uri="{FF2B5EF4-FFF2-40B4-BE49-F238E27FC236}">
+                <a16:creationId xmlns:a16="http://schemas.microsoft.com/office/drawing/2014/main" id="{E557A689-96A6-89C8-9576-15181FD82AD3}"/>
+              </a:ext>
+            </a:extLst>
+          </p:cNvPr>
+          <p:cNvSpPr txBox="1"/>
+          <p:nvPr/>
+        </p:nvSpPr>
+        <p:spPr>
+          <a:xfrm>
+            <a:off x="6445214" y="3026289"/>
+            <a:ext cx="742511" cy="246221"/>
+          </a:xfrm>
+          <a:prstGeom prst="rect">
+            <a:avLst/>
+          </a:prstGeom>
+          <a:noFill/>
+        </p:spPr>
+        <p:txBody>
+          <a:bodyPr wrap="none" rtlCol="0">
+            <a:spAutoFit/>
+          </a:bodyPr>
+          <a:lstStyle/>
+          <a:p>
+            <a:r>
+              <a:rPr lang="en-US" altLang="zh-CN" sz="1000" dirty="0">
+                <a:latin typeface="微软雅黑" panose="020B0503020204020204" pitchFamily="34" charset="-122"/>
+                <a:ea typeface="微软雅黑" panose="020B0503020204020204" pitchFamily="34" charset="-122"/>
+              </a:rPr>
+              <a:t>Non-SSA</a:t>
+            </a:r>
+            <a:endParaRPr lang="zh-CN" altLang="en-US" sz="1000" dirty="0">
+              <a:latin typeface="微软雅黑" panose="020B0503020204020204" pitchFamily="34" charset="-122"/>
+              <a:ea typeface="微软雅黑" panose="020B0503020204020204" pitchFamily="34" charset="-122"/>
+            </a:endParaRPr>
+          </a:p>
+        </p:txBody>
+      </p:sp>
+      <p:sp>
+        <p:nvSpPr>
+          <p:cNvPr id="38" name="文本框 37">
+            <a:extLst>
+              <a:ext uri="{FF2B5EF4-FFF2-40B4-BE49-F238E27FC236}">
+                <a16:creationId xmlns:a16="http://schemas.microsoft.com/office/drawing/2014/main" id="{DA5BEB15-B3DA-A447-ED5E-41224FD9144E}"/>
+              </a:ext>
+            </a:extLst>
+          </p:cNvPr>
+          <p:cNvSpPr txBox="1"/>
+          <p:nvPr/>
+        </p:nvSpPr>
+        <p:spPr>
+          <a:xfrm>
+            <a:off x="6305815" y="3393703"/>
+            <a:ext cx="1024639" cy="246221"/>
+          </a:xfrm>
+          <a:prstGeom prst="rect">
+            <a:avLst/>
+          </a:prstGeom>
+          <a:noFill/>
+        </p:spPr>
+        <p:txBody>
+          <a:bodyPr wrap="none" rtlCol="0">
+            <a:spAutoFit/>
+          </a:bodyPr>
+          <a:lstStyle/>
+          <a:p>
+            <a:r>
+              <a:rPr lang="en-US" altLang="zh-CN" sz="1000" dirty="0" err="1">
+                <a:latin typeface="微软雅黑" panose="020B0503020204020204" pitchFamily="34" charset="-122"/>
+                <a:ea typeface="微软雅黑" panose="020B0503020204020204" pitchFamily="34" charset="-122"/>
+              </a:rPr>
+              <a:t>SelectionDAG</a:t>
+            </a:r>
+            <a:endParaRPr lang="zh-CN" altLang="en-US" sz="1000" dirty="0">
+              <a:latin typeface="微软雅黑" panose="020B0503020204020204" pitchFamily="34" charset="-122"/>
+              <a:ea typeface="微软雅黑" panose="020B0503020204020204" pitchFamily="34" charset="-122"/>
+            </a:endParaRPr>
+          </a:p>
+        </p:txBody>
+      </p:sp>
+      <p:sp>
+        <p:nvSpPr>
+          <p:cNvPr id="39" name="箭头: 右 38">
+            <a:extLst>
+              <a:ext uri="{FF2B5EF4-FFF2-40B4-BE49-F238E27FC236}">
+                <a16:creationId xmlns:a16="http://schemas.microsoft.com/office/drawing/2014/main" id="{2A1E8065-E7E1-496A-2ED5-10ABC681CA47}"/>
+              </a:ext>
+            </a:extLst>
+          </p:cNvPr>
+          <p:cNvSpPr/>
+          <p:nvPr/>
+        </p:nvSpPr>
+        <p:spPr>
+          <a:xfrm>
+            <a:off x="10666617" y="3227142"/>
+            <a:ext cx="642552" cy="220980"/>
+          </a:xfrm>
+          <a:prstGeom prst="rightArrow">
+            <a:avLst/>
+          </a:prstGeom>
+          <a:solidFill>
+            <a:schemeClr val="bg1">
+              <a:lumMod val="75000"/>
+            </a:schemeClr>
+          </a:solidFill>
+          <a:ln>
+            <a:solidFill>
+              <a:schemeClr val="bg1">
+                <a:lumMod val="50000"/>
+              </a:schemeClr>
+            </a:solidFill>
+          </a:ln>
+        </p:spPr>
+        <p:style>
+          <a:lnRef idx="2">
+            <a:schemeClr val="accent1">
+              <a:shade val="15000"/>
+            </a:schemeClr>
+          </a:lnRef>
+          <a:fillRef idx="1">
+            <a:schemeClr val="accent1"/>
+          </a:fillRef>
+          <a:effectRef idx="0">
+            <a:schemeClr val="accent1"/>
+          </a:effectRef>
+          <a:fontRef idx="minor">
+            <a:schemeClr val="lt1"/>
+          </a:fontRef>
+        </p:style>
+        <p:txBody>
+          <a:bodyPr rtlCol="0" anchor="ctr"/>
+          <a:lstStyle/>
+          <a:p>
+            <a:pPr algn="ctr"/>
+            <a:endParaRPr lang="zh-CN" altLang="en-US" sz="1000">
+              <a:latin typeface="微软雅黑" panose="020B0503020204020204" pitchFamily="34" charset="-122"/>
+              <a:ea typeface="微软雅黑" panose="020B0503020204020204" pitchFamily="34" charset="-122"/>
+            </a:endParaRPr>
+          </a:p>
+        </p:txBody>
+      </p:sp>
+      <p:sp>
+        <p:nvSpPr>
+          <p:cNvPr id="40" name="文本框 39">
+            <a:extLst>
+              <a:ext uri="{FF2B5EF4-FFF2-40B4-BE49-F238E27FC236}">
+                <a16:creationId xmlns:a16="http://schemas.microsoft.com/office/drawing/2014/main" id="{86E42C57-32FF-3C64-D1A4-C05F5F76A48D}"/>
+              </a:ext>
+            </a:extLst>
+          </p:cNvPr>
+          <p:cNvSpPr txBox="1"/>
+          <p:nvPr/>
+        </p:nvSpPr>
+        <p:spPr>
+          <a:xfrm>
+            <a:off x="10567357" y="3423774"/>
+            <a:ext cx="867545" cy="246221"/>
+          </a:xfrm>
+          <a:prstGeom prst="rect">
+            <a:avLst/>
+          </a:prstGeom>
+          <a:noFill/>
+        </p:spPr>
+        <p:txBody>
+          <a:bodyPr wrap="none" rtlCol="0">
+            <a:spAutoFit/>
+          </a:bodyPr>
+          <a:lstStyle/>
+          <a:p>
+            <a:r>
+              <a:rPr lang="en-US" altLang="zh-CN" sz="1000" dirty="0">
+                <a:latin typeface="微软雅黑" panose="020B0503020204020204" pitchFamily="34" charset="-122"/>
+                <a:ea typeface="微软雅黑" panose="020B0503020204020204" pitchFamily="34" charset="-122"/>
+              </a:rPr>
+              <a:t>Machine IR</a:t>
+            </a:r>
+            <a:endParaRPr lang="zh-CN" altLang="en-US" sz="1000" dirty="0">
+              <a:latin typeface="微软雅黑" panose="020B0503020204020204" pitchFamily="34" charset="-122"/>
+              <a:ea typeface="微软雅黑" panose="020B0503020204020204" pitchFamily="34" charset="-122"/>
+            </a:endParaRPr>
+          </a:p>
+        </p:txBody>
+      </p:sp>
+      <p:sp>
+        <p:nvSpPr>
+          <p:cNvPr id="41" name="文本框 40">
+            <a:extLst>
+              <a:ext uri="{FF2B5EF4-FFF2-40B4-BE49-F238E27FC236}">
+                <a16:creationId xmlns:a16="http://schemas.microsoft.com/office/drawing/2014/main" id="{A16F2090-8D72-EDDC-682B-9A1F28BF801F}"/>
+              </a:ext>
+            </a:extLst>
+          </p:cNvPr>
+          <p:cNvSpPr txBox="1"/>
+          <p:nvPr/>
+        </p:nvSpPr>
+        <p:spPr>
+          <a:xfrm>
+            <a:off x="10616637" y="3004315"/>
+            <a:ext cx="742511" cy="246221"/>
+          </a:xfrm>
+          <a:prstGeom prst="rect">
+            <a:avLst/>
+          </a:prstGeom>
+          <a:noFill/>
+        </p:spPr>
+        <p:txBody>
+          <a:bodyPr wrap="none" rtlCol="0">
+            <a:spAutoFit/>
+          </a:bodyPr>
+          <a:lstStyle/>
+          <a:p>
+            <a:r>
+              <a:rPr lang="en-US" altLang="zh-CN" sz="1000" dirty="0">
+                <a:latin typeface="微软雅黑" panose="020B0503020204020204" pitchFamily="34" charset="-122"/>
+                <a:ea typeface="微软雅黑" panose="020B0503020204020204" pitchFamily="34" charset="-122"/>
+              </a:rPr>
+              <a:t>Non-SSA</a:t>
+            </a:r>
+            <a:endParaRPr lang="zh-CN" altLang="en-US" sz="1000" dirty="0">
+              <a:latin typeface="微软雅黑" panose="020B0503020204020204" pitchFamily="34" charset="-122"/>
+              <a:ea typeface="微软雅黑" panose="020B0503020204020204" pitchFamily="34" charset="-122"/>
+            </a:endParaRPr>
+          </a:p>
+        </p:txBody>
+      </p:sp>
+      <p:sp>
+        <p:nvSpPr>
+          <p:cNvPr id="42" name="文本框 41">
+            <a:extLst>
+              <a:ext uri="{FF2B5EF4-FFF2-40B4-BE49-F238E27FC236}">
+                <a16:creationId xmlns:a16="http://schemas.microsoft.com/office/drawing/2014/main" id="{CB4720BC-428C-069C-9FA0-A862FA42968B}"/>
+              </a:ext>
+            </a:extLst>
+          </p:cNvPr>
+          <p:cNvSpPr txBox="1"/>
+          <p:nvPr/>
+        </p:nvSpPr>
+        <p:spPr>
+          <a:xfrm>
+            <a:off x="9195987" y="3000975"/>
+            <a:ext cx="421910" cy="246221"/>
+          </a:xfrm>
+          <a:prstGeom prst="rect">
+            <a:avLst/>
+          </a:prstGeom>
+          <a:noFill/>
+        </p:spPr>
+        <p:txBody>
+          <a:bodyPr wrap="none" rtlCol="0">
+            <a:spAutoFit/>
+          </a:bodyPr>
+          <a:lstStyle/>
+          <a:p>
+            <a:r>
+              <a:rPr lang="en-US" altLang="zh-CN" sz="1000" dirty="0">
+                <a:latin typeface="微软雅黑" panose="020B0503020204020204" pitchFamily="34" charset="-122"/>
+                <a:ea typeface="微软雅黑" panose="020B0503020204020204" pitchFamily="34" charset="-122"/>
+              </a:rPr>
+              <a:t>SSA</a:t>
+            </a:r>
+            <a:endParaRPr lang="zh-CN" altLang="en-US" sz="1000" dirty="0">
+              <a:latin typeface="微软雅黑" panose="020B0503020204020204" pitchFamily="34" charset="-122"/>
+              <a:ea typeface="微软雅黑" panose="020B0503020204020204" pitchFamily="34" charset="-122"/>
+            </a:endParaRPr>
+          </a:p>
+        </p:txBody>
+      </p:sp>
+      <p:sp>
+        <p:nvSpPr>
+          <p:cNvPr id="43" name="文本框 42">
+            <a:extLst>
+              <a:ext uri="{FF2B5EF4-FFF2-40B4-BE49-F238E27FC236}">
+                <a16:creationId xmlns:a16="http://schemas.microsoft.com/office/drawing/2014/main" id="{A2ACBF8B-93C1-D49F-4215-391B564F82A2}"/>
+              </a:ext>
+            </a:extLst>
+          </p:cNvPr>
+          <p:cNvSpPr txBox="1"/>
+          <p:nvPr/>
+        </p:nvSpPr>
+        <p:spPr>
+          <a:xfrm>
+            <a:off x="8973991" y="3423774"/>
+            <a:ext cx="867545" cy="246221"/>
+          </a:xfrm>
+          <a:prstGeom prst="rect">
+            <a:avLst/>
+          </a:prstGeom>
+          <a:noFill/>
+        </p:spPr>
+        <p:txBody>
+          <a:bodyPr wrap="none" rtlCol="0">
+            <a:spAutoFit/>
+          </a:bodyPr>
+          <a:lstStyle/>
+          <a:p>
+            <a:r>
+              <a:rPr lang="en-US" altLang="zh-CN" sz="1000" dirty="0">
+                <a:latin typeface="微软雅黑" panose="020B0503020204020204" pitchFamily="34" charset="-122"/>
+                <a:ea typeface="微软雅黑" panose="020B0503020204020204" pitchFamily="34" charset="-122"/>
+              </a:rPr>
+              <a:t>Machine IR</a:t>
+            </a:r>
+            <a:endParaRPr lang="zh-CN" altLang="en-US" sz="1000" dirty="0">
+              <a:latin typeface="微软雅黑" panose="020B0503020204020204" pitchFamily="34" charset="-122"/>
+              <a:ea typeface="微软雅黑" panose="020B0503020204020204" pitchFamily="34" charset="-122"/>
+            </a:endParaRPr>
+          </a:p>
+        </p:txBody>
+      </p:sp>
+    </p:spTree>
+    <p:extLst>
+      <p:ext uri="{BB962C8B-B14F-4D97-AF65-F5344CB8AC3E}">
+        <p14:creationId xmlns:p14="http://schemas.microsoft.com/office/powerpoint/2010/main" val="70776755"/>
       </p:ext>
     </p:extLst>
   </p:cSld>

--- a/categories/LLVM/assets/public.pptx
+++ b/categories/LLVM/assets/public.pptx
@@ -7,6 +7,7 @@
   <p:sldIdLst>
     <p:sldId id="257" r:id="rId2"/>
     <p:sldId id="258" r:id="rId3"/>
+    <p:sldId id="259" r:id="rId4"/>
   </p:sldIdLst>
   <p:sldSz cx="12192000" cy="6858000"/>
   <p:notesSz cx="6858000" cy="9144000"/>
@@ -260,7 +261,7 @@
           <a:p>
             <a:fld id="{3B70D167-9861-48C8-8A43-0AD1C34EB15F}" type="datetimeFigureOut">
               <a:rPr lang="zh-CN" altLang="en-US" smtClean="0"/>
-              <a:t>2025/8/3</a:t>
+              <a:t>2025/8/19</a:t>
             </a:fld>
             <a:endParaRPr lang="zh-CN" altLang="en-US"/>
           </a:p>
@@ -458,7 +459,7 @@
           <a:p>
             <a:fld id="{3B70D167-9861-48C8-8A43-0AD1C34EB15F}" type="datetimeFigureOut">
               <a:rPr lang="zh-CN" altLang="en-US" smtClean="0"/>
-              <a:t>2025/8/3</a:t>
+              <a:t>2025/8/19</a:t>
             </a:fld>
             <a:endParaRPr lang="zh-CN" altLang="en-US"/>
           </a:p>
@@ -666,7 +667,7 @@
           <a:p>
             <a:fld id="{3B70D167-9861-48C8-8A43-0AD1C34EB15F}" type="datetimeFigureOut">
               <a:rPr lang="zh-CN" altLang="en-US" smtClean="0"/>
-              <a:t>2025/8/3</a:t>
+              <a:t>2025/8/19</a:t>
             </a:fld>
             <a:endParaRPr lang="zh-CN" altLang="en-US"/>
           </a:p>
@@ -864,7 +865,7 @@
           <a:p>
             <a:fld id="{3B70D167-9861-48C8-8A43-0AD1C34EB15F}" type="datetimeFigureOut">
               <a:rPr lang="zh-CN" altLang="en-US" smtClean="0"/>
-              <a:t>2025/8/3</a:t>
+              <a:t>2025/8/19</a:t>
             </a:fld>
             <a:endParaRPr lang="zh-CN" altLang="en-US"/>
           </a:p>
@@ -1139,7 +1140,7 @@
           <a:p>
             <a:fld id="{3B70D167-9861-48C8-8A43-0AD1C34EB15F}" type="datetimeFigureOut">
               <a:rPr lang="zh-CN" altLang="en-US" smtClean="0"/>
-              <a:t>2025/8/3</a:t>
+              <a:t>2025/8/19</a:t>
             </a:fld>
             <a:endParaRPr lang="zh-CN" altLang="en-US"/>
           </a:p>
@@ -1404,7 +1405,7 @@
           <a:p>
             <a:fld id="{3B70D167-9861-48C8-8A43-0AD1C34EB15F}" type="datetimeFigureOut">
               <a:rPr lang="zh-CN" altLang="en-US" smtClean="0"/>
-              <a:t>2025/8/3</a:t>
+              <a:t>2025/8/19</a:t>
             </a:fld>
             <a:endParaRPr lang="zh-CN" altLang="en-US"/>
           </a:p>
@@ -1816,7 +1817,7 @@
           <a:p>
             <a:fld id="{3B70D167-9861-48C8-8A43-0AD1C34EB15F}" type="datetimeFigureOut">
               <a:rPr lang="zh-CN" altLang="en-US" smtClean="0"/>
-              <a:t>2025/8/3</a:t>
+              <a:t>2025/8/19</a:t>
             </a:fld>
             <a:endParaRPr lang="zh-CN" altLang="en-US"/>
           </a:p>
@@ -1957,7 +1958,7 @@
           <a:p>
             <a:fld id="{3B70D167-9861-48C8-8A43-0AD1C34EB15F}" type="datetimeFigureOut">
               <a:rPr lang="zh-CN" altLang="en-US" smtClean="0"/>
-              <a:t>2025/8/3</a:t>
+              <a:t>2025/8/19</a:t>
             </a:fld>
             <a:endParaRPr lang="zh-CN" altLang="en-US"/>
           </a:p>
@@ -2070,7 +2071,7 @@
           <a:p>
             <a:fld id="{3B70D167-9861-48C8-8A43-0AD1C34EB15F}" type="datetimeFigureOut">
               <a:rPr lang="zh-CN" altLang="en-US" smtClean="0"/>
-              <a:t>2025/8/3</a:t>
+              <a:t>2025/8/19</a:t>
             </a:fld>
             <a:endParaRPr lang="zh-CN" altLang="en-US"/>
           </a:p>
@@ -2381,7 +2382,7 @@
           <a:p>
             <a:fld id="{3B70D167-9861-48C8-8A43-0AD1C34EB15F}" type="datetimeFigureOut">
               <a:rPr lang="zh-CN" altLang="en-US" smtClean="0"/>
-              <a:t>2025/8/3</a:t>
+              <a:t>2025/8/19</a:t>
             </a:fld>
             <a:endParaRPr lang="zh-CN" altLang="en-US"/>
           </a:p>
@@ -2669,7 +2670,7 @@
           <a:p>
             <a:fld id="{3B70D167-9861-48C8-8A43-0AD1C34EB15F}" type="datetimeFigureOut">
               <a:rPr lang="zh-CN" altLang="en-US" smtClean="0"/>
-              <a:t>2025/8/3</a:t>
+              <a:t>2025/8/19</a:t>
             </a:fld>
             <a:endParaRPr lang="zh-CN" altLang="en-US"/>
           </a:p>
@@ -2910,7 +2911,7 @@
           <a:p>
             <a:fld id="{3B70D167-9861-48C8-8A43-0AD1C34EB15F}" type="datetimeFigureOut">
               <a:rPr lang="zh-CN" altLang="en-US" smtClean="0"/>
-              <a:t>2025/8/3</a:t>
+              <a:t>2025/8/19</a:t>
             </a:fld>
             <a:endParaRPr lang="zh-CN" altLang="en-US"/>
           </a:p>
@@ -5709,6 +5710,640 @@
 </p:sld>
 </file>
 
+<file path=ppt/slides/slide3.xml><?xml version="1.0" encoding="utf-8"?>
+<p:sld xmlns:a="http://schemas.openxmlformats.org/drawingml/2006/main" xmlns:r="http://schemas.openxmlformats.org/officeDocument/2006/relationships" xmlns:p="http://schemas.openxmlformats.org/presentationml/2006/main">
+  <p:cSld>
+    <p:spTree>
+      <p:nvGrpSpPr>
+        <p:cNvPr id="1" name=""/>
+        <p:cNvGrpSpPr/>
+        <p:nvPr/>
+      </p:nvGrpSpPr>
+      <p:grpSpPr>
+        <a:xfrm>
+          <a:off x="0" y="0"/>
+          <a:ext cx="0" cy="0"/>
+          <a:chOff x="0" y="0"/>
+          <a:chExt cx="0" cy="0"/>
+        </a:xfrm>
+      </p:grpSpPr>
+      <p:sp>
+        <p:nvSpPr>
+          <p:cNvPr id="4" name="矩形 3">
+            <a:extLst>
+              <a:ext uri="{FF2B5EF4-FFF2-40B4-BE49-F238E27FC236}">
+                <a16:creationId xmlns:a16="http://schemas.microsoft.com/office/drawing/2014/main" id="{0D9CC5E3-E6EA-3971-77BE-C77377E0C4F2}"/>
+              </a:ext>
+            </a:extLst>
+          </p:cNvPr>
+          <p:cNvSpPr/>
+          <p:nvPr/>
+        </p:nvSpPr>
+        <p:spPr>
+          <a:xfrm>
+            <a:off x="3485958" y="1106221"/>
+            <a:ext cx="811441" cy="358897"/>
+          </a:xfrm>
+          <a:prstGeom prst="rect">
+            <a:avLst/>
+          </a:prstGeom>
+          <a:solidFill>
+            <a:schemeClr val="accent4"/>
+          </a:solidFill>
+          <a:effectLst>
+            <a:outerShdw blurRad="50800" dist="38100" dir="2700000" algn="tl" rotWithShape="0">
+              <a:prstClr val="black">
+                <a:alpha val="40000"/>
+              </a:prstClr>
+            </a:outerShdw>
+          </a:effectLst>
+        </p:spPr>
+        <p:style>
+          <a:lnRef idx="2">
+            <a:schemeClr val="accent1">
+              <a:shade val="15000"/>
+            </a:schemeClr>
+          </a:lnRef>
+          <a:fillRef idx="1">
+            <a:schemeClr val="accent1"/>
+          </a:fillRef>
+          <a:effectRef idx="0">
+            <a:schemeClr val="accent1"/>
+          </a:effectRef>
+          <a:fontRef idx="minor">
+            <a:schemeClr val="lt1"/>
+          </a:fontRef>
+        </p:style>
+        <p:txBody>
+          <a:bodyPr rtlCol="0" anchor="ctr"/>
+          <a:lstStyle/>
+          <a:p>
+            <a:pPr algn="ctr"/>
+            <a:r>
+              <a:rPr lang="en-US" altLang="zh-CN" sz="1000" dirty="0">
+                <a:solidFill>
+                  <a:schemeClr val="tx1">
+                    <a:lumMod val="95000"/>
+                    <a:lumOff val="5000"/>
+                  </a:schemeClr>
+                </a:solidFill>
+                <a:latin typeface="微软雅黑" panose="020B0503020204020204" pitchFamily="34" charset="-122"/>
+                <a:ea typeface="微软雅黑" panose="020B0503020204020204" pitchFamily="34" charset="-122"/>
+              </a:rPr>
+              <a:t>BB1</a:t>
+            </a:r>
+            <a:endParaRPr lang="zh-CN" altLang="en-US" sz="1000" dirty="0">
+              <a:solidFill>
+                <a:schemeClr val="tx1">
+                  <a:lumMod val="95000"/>
+                  <a:lumOff val="5000"/>
+                </a:schemeClr>
+              </a:solidFill>
+              <a:latin typeface="微软雅黑" panose="020B0503020204020204" pitchFamily="34" charset="-122"/>
+              <a:ea typeface="微软雅黑" panose="020B0503020204020204" pitchFamily="34" charset="-122"/>
+            </a:endParaRPr>
+          </a:p>
+        </p:txBody>
+      </p:sp>
+      <p:sp>
+        <p:nvSpPr>
+          <p:cNvPr id="5" name="矩形 4">
+            <a:extLst>
+              <a:ext uri="{FF2B5EF4-FFF2-40B4-BE49-F238E27FC236}">
+                <a16:creationId xmlns:a16="http://schemas.microsoft.com/office/drawing/2014/main" id="{17DDED6D-B00B-FC0A-B50B-28C54E6BDE82}"/>
+              </a:ext>
+            </a:extLst>
+          </p:cNvPr>
+          <p:cNvSpPr/>
+          <p:nvPr/>
+        </p:nvSpPr>
+        <p:spPr>
+          <a:xfrm>
+            <a:off x="2807085" y="1798948"/>
+            <a:ext cx="811441" cy="358897"/>
+          </a:xfrm>
+          <a:prstGeom prst="rect">
+            <a:avLst/>
+          </a:prstGeom>
+          <a:solidFill>
+            <a:schemeClr val="accent4"/>
+          </a:solidFill>
+          <a:effectLst>
+            <a:outerShdw blurRad="50800" dist="38100" dir="2700000" algn="tl" rotWithShape="0">
+              <a:prstClr val="black">
+                <a:alpha val="40000"/>
+              </a:prstClr>
+            </a:outerShdw>
+          </a:effectLst>
+        </p:spPr>
+        <p:style>
+          <a:lnRef idx="2">
+            <a:schemeClr val="accent1">
+              <a:shade val="15000"/>
+            </a:schemeClr>
+          </a:lnRef>
+          <a:fillRef idx="1">
+            <a:schemeClr val="accent1"/>
+          </a:fillRef>
+          <a:effectRef idx="0">
+            <a:schemeClr val="accent1"/>
+          </a:effectRef>
+          <a:fontRef idx="minor">
+            <a:schemeClr val="lt1"/>
+          </a:fontRef>
+        </p:style>
+        <p:txBody>
+          <a:bodyPr rtlCol="0" anchor="ctr"/>
+          <a:lstStyle/>
+          <a:p>
+            <a:pPr algn="ctr"/>
+            <a:r>
+              <a:rPr lang="en-US" altLang="zh-CN" sz="1000" dirty="0">
+                <a:solidFill>
+                  <a:schemeClr val="tx1">
+                    <a:lumMod val="95000"/>
+                    <a:lumOff val="5000"/>
+                  </a:schemeClr>
+                </a:solidFill>
+                <a:latin typeface="微软雅黑" panose="020B0503020204020204" pitchFamily="34" charset="-122"/>
+                <a:ea typeface="微软雅黑" panose="020B0503020204020204" pitchFamily="34" charset="-122"/>
+              </a:rPr>
+              <a:t>BB2</a:t>
+            </a:r>
+            <a:endParaRPr lang="zh-CN" altLang="en-US" sz="1000" dirty="0">
+              <a:solidFill>
+                <a:schemeClr val="tx1">
+                  <a:lumMod val="95000"/>
+                  <a:lumOff val="5000"/>
+                </a:schemeClr>
+              </a:solidFill>
+              <a:latin typeface="微软雅黑" panose="020B0503020204020204" pitchFamily="34" charset="-122"/>
+              <a:ea typeface="微软雅黑" panose="020B0503020204020204" pitchFamily="34" charset="-122"/>
+            </a:endParaRPr>
+          </a:p>
+        </p:txBody>
+      </p:sp>
+      <p:sp>
+        <p:nvSpPr>
+          <p:cNvPr id="6" name="矩形 5">
+            <a:extLst>
+              <a:ext uri="{FF2B5EF4-FFF2-40B4-BE49-F238E27FC236}">
+                <a16:creationId xmlns:a16="http://schemas.microsoft.com/office/drawing/2014/main" id="{A5CE1EED-6BBE-6167-9CF4-047D7736025F}"/>
+              </a:ext>
+            </a:extLst>
+          </p:cNvPr>
+          <p:cNvSpPr/>
+          <p:nvPr/>
+        </p:nvSpPr>
+        <p:spPr>
+          <a:xfrm>
+            <a:off x="2807084" y="2491675"/>
+            <a:ext cx="811441" cy="358897"/>
+          </a:xfrm>
+          <a:prstGeom prst="rect">
+            <a:avLst/>
+          </a:prstGeom>
+          <a:solidFill>
+            <a:schemeClr val="accent4"/>
+          </a:solidFill>
+          <a:effectLst>
+            <a:outerShdw blurRad="50800" dist="38100" dir="2700000" algn="tl" rotWithShape="0">
+              <a:prstClr val="black">
+                <a:alpha val="40000"/>
+              </a:prstClr>
+            </a:outerShdw>
+          </a:effectLst>
+        </p:spPr>
+        <p:style>
+          <a:lnRef idx="2">
+            <a:schemeClr val="accent1">
+              <a:shade val="15000"/>
+            </a:schemeClr>
+          </a:lnRef>
+          <a:fillRef idx="1">
+            <a:schemeClr val="accent1"/>
+          </a:fillRef>
+          <a:effectRef idx="0">
+            <a:schemeClr val="accent1"/>
+          </a:effectRef>
+          <a:fontRef idx="minor">
+            <a:schemeClr val="lt1"/>
+          </a:fontRef>
+        </p:style>
+        <p:txBody>
+          <a:bodyPr rtlCol="0" anchor="ctr"/>
+          <a:lstStyle/>
+          <a:p>
+            <a:pPr algn="ctr"/>
+            <a:r>
+              <a:rPr lang="en-US" altLang="zh-CN" sz="1000" dirty="0">
+                <a:solidFill>
+                  <a:schemeClr val="tx1">
+                    <a:lumMod val="95000"/>
+                    <a:lumOff val="5000"/>
+                  </a:schemeClr>
+                </a:solidFill>
+                <a:latin typeface="微软雅黑" panose="020B0503020204020204" pitchFamily="34" charset="-122"/>
+                <a:ea typeface="微软雅黑" panose="020B0503020204020204" pitchFamily="34" charset="-122"/>
+              </a:rPr>
+              <a:t>BB3</a:t>
+            </a:r>
+            <a:endParaRPr lang="zh-CN" altLang="en-US" sz="1000" dirty="0">
+              <a:solidFill>
+                <a:schemeClr val="tx1">
+                  <a:lumMod val="95000"/>
+                  <a:lumOff val="5000"/>
+                </a:schemeClr>
+              </a:solidFill>
+              <a:latin typeface="微软雅黑" panose="020B0503020204020204" pitchFamily="34" charset="-122"/>
+              <a:ea typeface="微软雅黑" panose="020B0503020204020204" pitchFamily="34" charset="-122"/>
+            </a:endParaRPr>
+          </a:p>
+        </p:txBody>
+      </p:sp>
+      <p:sp>
+        <p:nvSpPr>
+          <p:cNvPr id="7" name="矩形 6">
+            <a:extLst>
+              <a:ext uri="{FF2B5EF4-FFF2-40B4-BE49-F238E27FC236}">
+                <a16:creationId xmlns:a16="http://schemas.microsoft.com/office/drawing/2014/main" id="{A36F5E80-9CFE-68C7-F304-AF918878587F}"/>
+              </a:ext>
+            </a:extLst>
+          </p:cNvPr>
+          <p:cNvSpPr/>
+          <p:nvPr/>
+        </p:nvSpPr>
+        <p:spPr>
+          <a:xfrm>
+            <a:off x="4105949" y="2144650"/>
+            <a:ext cx="811441" cy="358897"/>
+          </a:xfrm>
+          <a:prstGeom prst="rect">
+            <a:avLst/>
+          </a:prstGeom>
+          <a:solidFill>
+            <a:schemeClr val="accent4"/>
+          </a:solidFill>
+          <a:effectLst>
+            <a:outerShdw blurRad="50800" dist="38100" dir="2700000" algn="tl" rotWithShape="0">
+              <a:prstClr val="black">
+                <a:alpha val="40000"/>
+              </a:prstClr>
+            </a:outerShdw>
+          </a:effectLst>
+        </p:spPr>
+        <p:style>
+          <a:lnRef idx="2">
+            <a:schemeClr val="accent1">
+              <a:shade val="15000"/>
+            </a:schemeClr>
+          </a:lnRef>
+          <a:fillRef idx="1">
+            <a:schemeClr val="accent1"/>
+          </a:fillRef>
+          <a:effectRef idx="0">
+            <a:schemeClr val="accent1"/>
+          </a:effectRef>
+          <a:fontRef idx="minor">
+            <a:schemeClr val="lt1"/>
+          </a:fontRef>
+        </p:style>
+        <p:txBody>
+          <a:bodyPr rtlCol="0" anchor="ctr"/>
+          <a:lstStyle/>
+          <a:p>
+            <a:pPr algn="ctr"/>
+            <a:r>
+              <a:rPr lang="en-US" altLang="zh-CN" sz="1000" dirty="0">
+                <a:solidFill>
+                  <a:schemeClr val="tx1">
+                    <a:lumMod val="95000"/>
+                    <a:lumOff val="5000"/>
+                  </a:schemeClr>
+                </a:solidFill>
+                <a:latin typeface="微软雅黑" panose="020B0503020204020204" pitchFamily="34" charset="-122"/>
+                <a:ea typeface="微软雅黑" panose="020B0503020204020204" pitchFamily="34" charset="-122"/>
+              </a:rPr>
+              <a:t>BB4</a:t>
+            </a:r>
+            <a:endParaRPr lang="zh-CN" altLang="en-US" sz="1000" dirty="0">
+              <a:solidFill>
+                <a:schemeClr val="tx1">
+                  <a:lumMod val="95000"/>
+                  <a:lumOff val="5000"/>
+                </a:schemeClr>
+              </a:solidFill>
+              <a:latin typeface="微软雅黑" panose="020B0503020204020204" pitchFamily="34" charset="-122"/>
+              <a:ea typeface="微软雅黑" panose="020B0503020204020204" pitchFamily="34" charset="-122"/>
+            </a:endParaRPr>
+          </a:p>
+        </p:txBody>
+      </p:sp>
+      <p:sp>
+        <p:nvSpPr>
+          <p:cNvPr id="8" name="矩形 7">
+            <a:extLst>
+              <a:ext uri="{FF2B5EF4-FFF2-40B4-BE49-F238E27FC236}">
+                <a16:creationId xmlns:a16="http://schemas.microsoft.com/office/drawing/2014/main" id="{AB0AC469-99F3-05F5-D57D-E69302DBD1C4}"/>
+              </a:ext>
+            </a:extLst>
+          </p:cNvPr>
+          <p:cNvSpPr/>
+          <p:nvPr/>
+        </p:nvSpPr>
+        <p:spPr>
+          <a:xfrm>
+            <a:off x="3485957" y="3183079"/>
+            <a:ext cx="811441" cy="358897"/>
+          </a:xfrm>
+          <a:prstGeom prst="rect">
+            <a:avLst/>
+          </a:prstGeom>
+          <a:solidFill>
+            <a:schemeClr val="accent4"/>
+          </a:solidFill>
+          <a:effectLst>
+            <a:outerShdw blurRad="50800" dist="38100" dir="2700000" algn="tl" rotWithShape="0">
+              <a:prstClr val="black">
+                <a:alpha val="40000"/>
+              </a:prstClr>
+            </a:outerShdw>
+          </a:effectLst>
+        </p:spPr>
+        <p:style>
+          <a:lnRef idx="2">
+            <a:schemeClr val="accent1">
+              <a:shade val="15000"/>
+            </a:schemeClr>
+          </a:lnRef>
+          <a:fillRef idx="1">
+            <a:schemeClr val="accent1"/>
+          </a:fillRef>
+          <a:effectRef idx="0">
+            <a:schemeClr val="accent1"/>
+          </a:effectRef>
+          <a:fontRef idx="minor">
+            <a:schemeClr val="lt1"/>
+          </a:fontRef>
+        </p:style>
+        <p:txBody>
+          <a:bodyPr rtlCol="0" anchor="ctr"/>
+          <a:lstStyle/>
+          <a:p>
+            <a:pPr algn="ctr"/>
+            <a:r>
+              <a:rPr lang="en-US" altLang="zh-CN" sz="1000" dirty="0">
+                <a:solidFill>
+                  <a:schemeClr val="tx1">
+                    <a:lumMod val="95000"/>
+                    <a:lumOff val="5000"/>
+                  </a:schemeClr>
+                </a:solidFill>
+                <a:latin typeface="微软雅黑" panose="020B0503020204020204" pitchFamily="34" charset="-122"/>
+                <a:ea typeface="微软雅黑" panose="020B0503020204020204" pitchFamily="34" charset="-122"/>
+              </a:rPr>
+              <a:t>BB5</a:t>
+            </a:r>
+            <a:endParaRPr lang="zh-CN" altLang="en-US" sz="1000" dirty="0">
+              <a:solidFill>
+                <a:schemeClr val="tx1">
+                  <a:lumMod val="95000"/>
+                  <a:lumOff val="5000"/>
+                </a:schemeClr>
+              </a:solidFill>
+              <a:latin typeface="微软雅黑" panose="020B0503020204020204" pitchFamily="34" charset="-122"/>
+              <a:ea typeface="微软雅黑" panose="020B0503020204020204" pitchFamily="34" charset="-122"/>
+            </a:endParaRPr>
+          </a:p>
+        </p:txBody>
+      </p:sp>
+      <p:cxnSp>
+        <p:nvCxnSpPr>
+          <p:cNvPr id="10" name="直接箭头连接符 9">
+            <a:extLst>
+              <a:ext uri="{FF2B5EF4-FFF2-40B4-BE49-F238E27FC236}">
+                <a16:creationId xmlns:a16="http://schemas.microsoft.com/office/drawing/2014/main" id="{1C4AE6AA-965A-01F0-2744-A12A76A19F4A}"/>
+              </a:ext>
+            </a:extLst>
+          </p:cNvPr>
+          <p:cNvCxnSpPr>
+            <a:stCxn id="4" idx="2"/>
+            <a:endCxn id="5" idx="0"/>
+          </p:cNvCxnSpPr>
+          <p:nvPr/>
+        </p:nvCxnSpPr>
+        <p:spPr>
+          <a:xfrm flipH="1">
+            <a:off x="3212806" y="1465118"/>
+            <a:ext cx="678873" cy="333830"/>
+          </a:xfrm>
+          <a:prstGeom prst="straightConnector1">
+            <a:avLst/>
+          </a:prstGeom>
+          <a:ln w="12700">
+            <a:tailEnd type="triangle"/>
+          </a:ln>
+        </p:spPr>
+        <p:style>
+          <a:lnRef idx="1">
+            <a:schemeClr val="accent1"/>
+          </a:lnRef>
+          <a:fillRef idx="0">
+            <a:schemeClr val="accent1"/>
+          </a:fillRef>
+          <a:effectRef idx="0">
+            <a:schemeClr val="accent1"/>
+          </a:effectRef>
+          <a:fontRef idx="minor">
+            <a:schemeClr val="tx1"/>
+          </a:fontRef>
+        </p:style>
+      </p:cxnSp>
+      <p:cxnSp>
+        <p:nvCxnSpPr>
+          <p:cNvPr id="11" name="直接箭头连接符 10">
+            <a:extLst>
+              <a:ext uri="{FF2B5EF4-FFF2-40B4-BE49-F238E27FC236}">
+                <a16:creationId xmlns:a16="http://schemas.microsoft.com/office/drawing/2014/main" id="{673F6F04-013D-3320-F25C-BF3AAA819D8B}"/>
+              </a:ext>
+            </a:extLst>
+          </p:cNvPr>
+          <p:cNvCxnSpPr>
+            <a:cxnSpLocks/>
+            <a:stCxn id="4" idx="2"/>
+            <a:endCxn id="7" idx="0"/>
+          </p:cNvCxnSpPr>
+          <p:nvPr/>
+        </p:nvCxnSpPr>
+        <p:spPr>
+          <a:xfrm>
+            <a:off x="3891679" y="1465118"/>
+            <a:ext cx="619991" cy="679532"/>
+          </a:xfrm>
+          <a:prstGeom prst="straightConnector1">
+            <a:avLst/>
+          </a:prstGeom>
+          <a:ln w="12700">
+            <a:tailEnd type="triangle"/>
+          </a:ln>
+        </p:spPr>
+        <p:style>
+          <a:lnRef idx="1">
+            <a:schemeClr val="accent1"/>
+          </a:lnRef>
+          <a:fillRef idx="0">
+            <a:schemeClr val="accent1"/>
+          </a:fillRef>
+          <a:effectRef idx="0">
+            <a:schemeClr val="accent1"/>
+          </a:effectRef>
+          <a:fontRef idx="minor">
+            <a:schemeClr val="tx1"/>
+          </a:fontRef>
+        </p:style>
+      </p:cxnSp>
+      <p:cxnSp>
+        <p:nvCxnSpPr>
+          <p:cNvPr id="14" name="直接箭头连接符 13">
+            <a:extLst>
+              <a:ext uri="{FF2B5EF4-FFF2-40B4-BE49-F238E27FC236}">
+                <a16:creationId xmlns:a16="http://schemas.microsoft.com/office/drawing/2014/main" id="{CA5E4E36-27CC-185B-7589-996ACC851321}"/>
+              </a:ext>
+            </a:extLst>
+          </p:cNvPr>
+          <p:cNvCxnSpPr>
+            <a:cxnSpLocks/>
+            <a:stCxn id="5" idx="2"/>
+            <a:endCxn id="6" idx="0"/>
+          </p:cNvCxnSpPr>
+          <p:nvPr/>
+        </p:nvCxnSpPr>
+        <p:spPr>
+          <a:xfrm flipH="1">
+            <a:off x="3212805" y="2157845"/>
+            <a:ext cx="1" cy="333830"/>
+          </a:xfrm>
+          <a:prstGeom prst="straightConnector1">
+            <a:avLst/>
+          </a:prstGeom>
+          <a:ln w="12700">
+            <a:tailEnd type="triangle"/>
+          </a:ln>
+        </p:spPr>
+        <p:style>
+          <a:lnRef idx="1">
+            <a:schemeClr val="accent1"/>
+          </a:lnRef>
+          <a:fillRef idx="0">
+            <a:schemeClr val="accent1"/>
+          </a:fillRef>
+          <a:effectRef idx="0">
+            <a:schemeClr val="accent1"/>
+          </a:effectRef>
+          <a:fontRef idx="minor">
+            <a:schemeClr val="tx1"/>
+          </a:fontRef>
+        </p:style>
+      </p:cxnSp>
+      <p:cxnSp>
+        <p:nvCxnSpPr>
+          <p:cNvPr id="17" name="直接箭头连接符 16">
+            <a:extLst>
+              <a:ext uri="{FF2B5EF4-FFF2-40B4-BE49-F238E27FC236}">
+                <a16:creationId xmlns:a16="http://schemas.microsoft.com/office/drawing/2014/main" id="{ECB2E22E-CEDE-D263-6C8A-BBC2059AF0DE}"/>
+              </a:ext>
+            </a:extLst>
+          </p:cNvPr>
+          <p:cNvCxnSpPr>
+            <a:cxnSpLocks/>
+            <a:stCxn id="7" idx="2"/>
+            <a:endCxn id="8" idx="0"/>
+          </p:cNvCxnSpPr>
+          <p:nvPr/>
+        </p:nvCxnSpPr>
+        <p:spPr>
+          <a:xfrm flipH="1">
+            <a:off x="3891678" y="2503547"/>
+            <a:ext cx="619992" cy="679532"/>
+          </a:xfrm>
+          <a:prstGeom prst="straightConnector1">
+            <a:avLst/>
+          </a:prstGeom>
+          <a:ln w="12700">
+            <a:tailEnd type="triangle"/>
+          </a:ln>
+        </p:spPr>
+        <p:style>
+          <a:lnRef idx="1">
+            <a:schemeClr val="accent1"/>
+          </a:lnRef>
+          <a:fillRef idx="0">
+            <a:schemeClr val="accent1"/>
+          </a:fillRef>
+          <a:effectRef idx="0">
+            <a:schemeClr val="accent1"/>
+          </a:effectRef>
+          <a:fontRef idx="minor">
+            <a:schemeClr val="tx1"/>
+          </a:fontRef>
+        </p:style>
+      </p:cxnSp>
+      <p:cxnSp>
+        <p:nvCxnSpPr>
+          <p:cNvPr id="20" name="直接箭头连接符 19">
+            <a:extLst>
+              <a:ext uri="{FF2B5EF4-FFF2-40B4-BE49-F238E27FC236}">
+                <a16:creationId xmlns:a16="http://schemas.microsoft.com/office/drawing/2014/main" id="{AB0D88F7-0B9E-E5A7-6036-97DEA3F1235A}"/>
+              </a:ext>
+            </a:extLst>
+          </p:cNvPr>
+          <p:cNvCxnSpPr>
+            <a:cxnSpLocks/>
+            <a:stCxn id="6" idx="2"/>
+            <a:endCxn id="8" idx="0"/>
+          </p:cNvCxnSpPr>
+          <p:nvPr/>
+        </p:nvCxnSpPr>
+        <p:spPr>
+          <a:xfrm>
+            <a:off x="3212805" y="2850572"/>
+            <a:ext cx="678873" cy="332507"/>
+          </a:xfrm>
+          <a:prstGeom prst="straightConnector1">
+            <a:avLst/>
+          </a:prstGeom>
+          <a:ln w="12700">
+            <a:tailEnd type="triangle"/>
+          </a:ln>
+        </p:spPr>
+        <p:style>
+          <a:lnRef idx="1">
+            <a:schemeClr val="accent1"/>
+          </a:lnRef>
+          <a:fillRef idx="0">
+            <a:schemeClr val="accent1"/>
+          </a:fillRef>
+          <a:effectRef idx="0">
+            <a:schemeClr val="accent1"/>
+          </a:effectRef>
+          <a:fontRef idx="minor">
+            <a:schemeClr val="tx1"/>
+          </a:fontRef>
+        </p:style>
+      </p:cxnSp>
+    </p:spTree>
+    <p:extLst>
+      <p:ext uri="{BB962C8B-B14F-4D97-AF65-F5344CB8AC3E}">
+        <p14:creationId xmlns:p14="http://schemas.microsoft.com/office/powerpoint/2010/main" val="3843701868"/>
+      </p:ext>
+    </p:extLst>
+  </p:cSld>
+  <p:clrMapOvr>
+    <a:masterClrMapping/>
+  </p:clrMapOvr>
+</p:sld>
+</file>
+
 <file path=ppt/theme/theme1.xml><?xml version="1.0" encoding="utf-8"?>
 <a:theme xmlns:a="http://schemas.openxmlformats.org/drawingml/2006/main" name="Office 主题​​">
   <a:themeElements>
@@ -5994,7 +6629,31 @@
       </a:bgFillStyleLst>
     </a:fmtScheme>
   </a:themeElements>
-  <a:objectDefaults/>
+  <a:objectDefaults>
+    <a:lnDef>
+      <a:spPr>
+        <a:ln>
+          <a:tailEnd type="triangle"/>
+        </a:ln>
+      </a:spPr>
+      <a:bodyPr/>
+      <a:lstStyle/>
+      <a:style>
+        <a:lnRef idx="1">
+          <a:schemeClr val="accent1"/>
+        </a:lnRef>
+        <a:fillRef idx="0">
+          <a:schemeClr val="accent1"/>
+        </a:fillRef>
+        <a:effectRef idx="0">
+          <a:schemeClr val="accent1"/>
+        </a:effectRef>
+        <a:fontRef idx="minor">
+          <a:schemeClr val="tx1"/>
+        </a:fontRef>
+      </a:style>
+    </a:lnDef>
+  </a:objectDefaults>
   <a:extraClrSchemeLst/>
   <a:extLst>
     <a:ext uri="{05A4C25C-085E-4340-85A3-A5531E510DB2}">

--- a/categories/LLVM/assets/public.pptx
+++ b/categories/LLVM/assets/public.pptx
@@ -8,6 +8,8 @@
     <p:sldId id="257" r:id="rId2"/>
     <p:sldId id="258" r:id="rId3"/>
     <p:sldId id="259" r:id="rId4"/>
+    <p:sldId id="260" r:id="rId5"/>
+    <p:sldId id="261" r:id="rId6"/>
   </p:sldIdLst>
   <p:sldSz cx="12192000" cy="6858000"/>
   <p:notesSz cx="6858000" cy="9144000"/>
@@ -261,7 +263,7 @@
           <a:p>
             <a:fld id="{3B70D167-9861-48C8-8A43-0AD1C34EB15F}" type="datetimeFigureOut">
               <a:rPr lang="zh-CN" altLang="en-US" smtClean="0"/>
-              <a:t>2025/8/19</a:t>
+              <a:t>2025/8/20</a:t>
             </a:fld>
             <a:endParaRPr lang="zh-CN" altLang="en-US"/>
           </a:p>
@@ -459,7 +461,7 @@
           <a:p>
             <a:fld id="{3B70D167-9861-48C8-8A43-0AD1C34EB15F}" type="datetimeFigureOut">
               <a:rPr lang="zh-CN" altLang="en-US" smtClean="0"/>
-              <a:t>2025/8/19</a:t>
+              <a:t>2025/8/20</a:t>
             </a:fld>
             <a:endParaRPr lang="zh-CN" altLang="en-US"/>
           </a:p>
@@ -667,7 +669,7 @@
           <a:p>
             <a:fld id="{3B70D167-9861-48C8-8A43-0AD1C34EB15F}" type="datetimeFigureOut">
               <a:rPr lang="zh-CN" altLang="en-US" smtClean="0"/>
-              <a:t>2025/8/19</a:t>
+              <a:t>2025/8/20</a:t>
             </a:fld>
             <a:endParaRPr lang="zh-CN" altLang="en-US"/>
           </a:p>
@@ -865,7 +867,7 @@
           <a:p>
             <a:fld id="{3B70D167-9861-48C8-8A43-0AD1C34EB15F}" type="datetimeFigureOut">
               <a:rPr lang="zh-CN" altLang="en-US" smtClean="0"/>
-              <a:t>2025/8/19</a:t>
+              <a:t>2025/8/20</a:t>
             </a:fld>
             <a:endParaRPr lang="zh-CN" altLang="en-US"/>
           </a:p>
@@ -1140,7 +1142,7 @@
           <a:p>
             <a:fld id="{3B70D167-9861-48C8-8A43-0AD1C34EB15F}" type="datetimeFigureOut">
               <a:rPr lang="zh-CN" altLang="en-US" smtClean="0"/>
-              <a:t>2025/8/19</a:t>
+              <a:t>2025/8/20</a:t>
             </a:fld>
             <a:endParaRPr lang="zh-CN" altLang="en-US"/>
           </a:p>
@@ -1405,7 +1407,7 @@
           <a:p>
             <a:fld id="{3B70D167-9861-48C8-8A43-0AD1C34EB15F}" type="datetimeFigureOut">
               <a:rPr lang="zh-CN" altLang="en-US" smtClean="0"/>
-              <a:t>2025/8/19</a:t>
+              <a:t>2025/8/20</a:t>
             </a:fld>
             <a:endParaRPr lang="zh-CN" altLang="en-US"/>
           </a:p>
@@ -1817,7 +1819,7 @@
           <a:p>
             <a:fld id="{3B70D167-9861-48C8-8A43-0AD1C34EB15F}" type="datetimeFigureOut">
               <a:rPr lang="zh-CN" altLang="en-US" smtClean="0"/>
-              <a:t>2025/8/19</a:t>
+              <a:t>2025/8/20</a:t>
             </a:fld>
             <a:endParaRPr lang="zh-CN" altLang="en-US"/>
           </a:p>
@@ -1958,7 +1960,7 @@
           <a:p>
             <a:fld id="{3B70D167-9861-48C8-8A43-0AD1C34EB15F}" type="datetimeFigureOut">
               <a:rPr lang="zh-CN" altLang="en-US" smtClean="0"/>
-              <a:t>2025/8/19</a:t>
+              <a:t>2025/8/20</a:t>
             </a:fld>
             <a:endParaRPr lang="zh-CN" altLang="en-US"/>
           </a:p>
@@ -2071,7 +2073,7 @@
           <a:p>
             <a:fld id="{3B70D167-9861-48C8-8A43-0AD1C34EB15F}" type="datetimeFigureOut">
               <a:rPr lang="zh-CN" altLang="en-US" smtClean="0"/>
-              <a:t>2025/8/19</a:t>
+              <a:t>2025/8/20</a:t>
             </a:fld>
             <a:endParaRPr lang="zh-CN" altLang="en-US"/>
           </a:p>
@@ -2382,7 +2384,7 @@
           <a:p>
             <a:fld id="{3B70D167-9861-48C8-8A43-0AD1C34EB15F}" type="datetimeFigureOut">
               <a:rPr lang="zh-CN" altLang="en-US" smtClean="0"/>
-              <a:t>2025/8/19</a:t>
+              <a:t>2025/8/20</a:t>
             </a:fld>
             <a:endParaRPr lang="zh-CN" altLang="en-US"/>
           </a:p>
@@ -2670,7 +2672,7 @@
           <a:p>
             <a:fld id="{3B70D167-9861-48C8-8A43-0AD1C34EB15F}" type="datetimeFigureOut">
               <a:rPr lang="zh-CN" altLang="en-US" smtClean="0"/>
-              <a:t>2025/8/19</a:t>
+              <a:t>2025/8/20</a:t>
             </a:fld>
             <a:endParaRPr lang="zh-CN" altLang="en-US"/>
           </a:p>
@@ -2911,7 +2913,7 @@
           <a:p>
             <a:fld id="{3B70D167-9861-48C8-8A43-0AD1C34EB15F}" type="datetimeFigureOut">
               <a:rPr lang="zh-CN" altLang="en-US" smtClean="0"/>
-              <a:t>2025/8/19</a:t>
+              <a:t>2025/8/20</a:t>
             </a:fld>
             <a:endParaRPr lang="zh-CN" altLang="en-US"/>
           </a:p>
@@ -6344,6 +6346,2305 @@
 </p:sld>
 </file>
 
+<file path=ppt/slides/slide4.xml><?xml version="1.0" encoding="utf-8"?>
+<p:sld xmlns:a="http://schemas.openxmlformats.org/drawingml/2006/main" xmlns:r="http://schemas.openxmlformats.org/officeDocument/2006/relationships" xmlns:p="http://schemas.openxmlformats.org/presentationml/2006/main">
+  <p:cSld>
+    <p:spTree>
+      <p:nvGrpSpPr>
+        <p:cNvPr id="1" name="">
+          <a:extLst>
+            <a:ext uri="{FF2B5EF4-FFF2-40B4-BE49-F238E27FC236}">
+              <a16:creationId xmlns:a16="http://schemas.microsoft.com/office/drawing/2014/main" id="{589FE39A-DC59-221F-13D7-A0A20A7F45C3}"/>
+            </a:ext>
+          </a:extLst>
+        </p:cNvPr>
+        <p:cNvGrpSpPr/>
+        <p:nvPr/>
+      </p:nvGrpSpPr>
+      <p:grpSpPr>
+        <a:xfrm>
+          <a:off x="0" y="0"/>
+          <a:ext cx="0" cy="0"/>
+          <a:chOff x="0" y="0"/>
+          <a:chExt cx="0" cy="0"/>
+        </a:xfrm>
+      </p:grpSpPr>
+      <p:sp>
+        <p:nvSpPr>
+          <p:cNvPr id="4" name="矩形 3">
+            <a:extLst>
+              <a:ext uri="{FF2B5EF4-FFF2-40B4-BE49-F238E27FC236}">
+                <a16:creationId xmlns:a16="http://schemas.microsoft.com/office/drawing/2014/main" id="{8DC5A086-9593-CFC4-6009-00FEF62BA99D}"/>
+              </a:ext>
+            </a:extLst>
+          </p:cNvPr>
+          <p:cNvSpPr/>
+          <p:nvPr/>
+        </p:nvSpPr>
+        <p:spPr>
+          <a:xfrm>
+            <a:off x="3485958" y="1106221"/>
+            <a:ext cx="811441" cy="358897"/>
+          </a:xfrm>
+          <a:prstGeom prst="rect">
+            <a:avLst/>
+          </a:prstGeom>
+          <a:solidFill>
+            <a:schemeClr val="accent4"/>
+          </a:solidFill>
+          <a:effectLst>
+            <a:outerShdw blurRad="50800" dist="38100" dir="2700000" algn="tl" rotWithShape="0">
+              <a:prstClr val="black">
+                <a:alpha val="40000"/>
+              </a:prstClr>
+            </a:outerShdw>
+          </a:effectLst>
+        </p:spPr>
+        <p:style>
+          <a:lnRef idx="2">
+            <a:schemeClr val="accent1">
+              <a:shade val="15000"/>
+            </a:schemeClr>
+          </a:lnRef>
+          <a:fillRef idx="1">
+            <a:schemeClr val="accent1"/>
+          </a:fillRef>
+          <a:effectRef idx="0">
+            <a:schemeClr val="accent1"/>
+          </a:effectRef>
+          <a:fontRef idx="minor">
+            <a:schemeClr val="lt1"/>
+          </a:fontRef>
+        </p:style>
+        <p:txBody>
+          <a:bodyPr rtlCol="0" anchor="ctr"/>
+          <a:lstStyle/>
+          <a:p>
+            <a:pPr algn="ctr"/>
+            <a:r>
+              <a:rPr lang="en-US" altLang="zh-CN" sz="1000" dirty="0">
+                <a:solidFill>
+                  <a:schemeClr val="tx1">
+                    <a:lumMod val="95000"/>
+                    <a:lumOff val="5000"/>
+                  </a:schemeClr>
+                </a:solidFill>
+                <a:latin typeface="微软雅黑" panose="020B0503020204020204" pitchFamily="34" charset="-122"/>
+                <a:ea typeface="微软雅黑" panose="020B0503020204020204" pitchFamily="34" charset="-122"/>
+              </a:rPr>
+              <a:t>a = 0</a:t>
+            </a:r>
+          </a:p>
+          <a:p>
+            <a:pPr algn="ctr"/>
+            <a:r>
+              <a:rPr lang="en-US" altLang="zh-CN" sz="1000" dirty="0">
+                <a:solidFill>
+                  <a:schemeClr val="tx1">
+                    <a:lumMod val="95000"/>
+                    <a:lumOff val="5000"/>
+                  </a:schemeClr>
+                </a:solidFill>
+                <a:latin typeface="微软雅黑" panose="020B0503020204020204" pitchFamily="34" charset="-122"/>
+                <a:ea typeface="微软雅黑" panose="020B0503020204020204" pitchFamily="34" charset="-122"/>
+              </a:rPr>
+              <a:t>b = 0</a:t>
+            </a:r>
+            <a:endParaRPr lang="zh-CN" altLang="en-US" sz="1000" dirty="0">
+              <a:solidFill>
+                <a:schemeClr val="tx1">
+                  <a:lumMod val="95000"/>
+                  <a:lumOff val="5000"/>
+                </a:schemeClr>
+              </a:solidFill>
+              <a:latin typeface="微软雅黑" panose="020B0503020204020204" pitchFamily="34" charset="-122"/>
+              <a:ea typeface="微软雅黑" panose="020B0503020204020204" pitchFamily="34" charset="-122"/>
+            </a:endParaRPr>
+          </a:p>
+        </p:txBody>
+      </p:sp>
+      <p:sp>
+        <p:nvSpPr>
+          <p:cNvPr id="5" name="矩形 4">
+            <a:extLst>
+              <a:ext uri="{FF2B5EF4-FFF2-40B4-BE49-F238E27FC236}">
+                <a16:creationId xmlns:a16="http://schemas.microsoft.com/office/drawing/2014/main" id="{77746766-BA01-E6B0-267E-022076532140}"/>
+              </a:ext>
+            </a:extLst>
+          </p:cNvPr>
+          <p:cNvSpPr/>
+          <p:nvPr/>
+        </p:nvSpPr>
+        <p:spPr>
+          <a:xfrm>
+            <a:off x="2807085" y="1798948"/>
+            <a:ext cx="811441" cy="358897"/>
+          </a:xfrm>
+          <a:prstGeom prst="rect">
+            <a:avLst/>
+          </a:prstGeom>
+          <a:solidFill>
+            <a:schemeClr val="accent4"/>
+          </a:solidFill>
+          <a:effectLst>
+            <a:outerShdw blurRad="50800" dist="38100" dir="2700000" algn="tl" rotWithShape="0">
+              <a:prstClr val="black">
+                <a:alpha val="40000"/>
+              </a:prstClr>
+            </a:outerShdw>
+          </a:effectLst>
+        </p:spPr>
+        <p:style>
+          <a:lnRef idx="2">
+            <a:schemeClr val="accent1">
+              <a:shade val="15000"/>
+            </a:schemeClr>
+          </a:lnRef>
+          <a:fillRef idx="1">
+            <a:schemeClr val="accent1"/>
+          </a:fillRef>
+          <a:effectRef idx="0">
+            <a:schemeClr val="accent1"/>
+          </a:effectRef>
+          <a:fontRef idx="minor">
+            <a:schemeClr val="lt1"/>
+          </a:fontRef>
+        </p:style>
+        <p:txBody>
+          <a:bodyPr rtlCol="0" anchor="ctr"/>
+          <a:lstStyle/>
+          <a:p>
+            <a:pPr algn="ctr"/>
+            <a:r>
+              <a:rPr lang="en-US" altLang="zh-CN" sz="1000" dirty="0">
+                <a:solidFill>
+                  <a:schemeClr val="tx1">
+                    <a:lumMod val="95000"/>
+                    <a:lumOff val="5000"/>
+                  </a:schemeClr>
+                </a:solidFill>
+                <a:latin typeface="微软雅黑" panose="020B0503020204020204" pitchFamily="34" charset="-122"/>
+                <a:ea typeface="微软雅黑" panose="020B0503020204020204" pitchFamily="34" charset="-122"/>
+              </a:rPr>
+              <a:t>c=</a:t>
+            </a:r>
+            <a:r>
+              <a:rPr lang="en-US" altLang="zh-CN" sz="1000" dirty="0" err="1">
+                <a:solidFill>
+                  <a:schemeClr val="tx1">
+                    <a:lumMod val="95000"/>
+                    <a:lumOff val="5000"/>
+                  </a:schemeClr>
+                </a:solidFill>
+                <a:latin typeface="微软雅黑" panose="020B0503020204020204" pitchFamily="34" charset="-122"/>
+                <a:ea typeface="微软雅黑" panose="020B0503020204020204" pitchFamily="34" charset="-122"/>
+              </a:rPr>
+              <a:t>a+b</a:t>
+            </a:r>
+            <a:endParaRPr lang="zh-CN" altLang="en-US" sz="1000" dirty="0">
+              <a:solidFill>
+                <a:schemeClr val="tx1">
+                  <a:lumMod val="95000"/>
+                  <a:lumOff val="5000"/>
+                </a:schemeClr>
+              </a:solidFill>
+              <a:latin typeface="微软雅黑" panose="020B0503020204020204" pitchFamily="34" charset="-122"/>
+              <a:ea typeface="微软雅黑" panose="020B0503020204020204" pitchFamily="34" charset="-122"/>
+            </a:endParaRPr>
+          </a:p>
+        </p:txBody>
+      </p:sp>
+      <p:sp>
+        <p:nvSpPr>
+          <p:cNvPr id="7" name="矩形 6">
+            <a:extLst>
+              <a:ext uri="{FF2B5EF4-FFF2-40B4-BE49-F238E27FC236}">
+                <a16:creationId xmlns:a16="http://schemas.microsoft.com/office/drawing/2014/main" id="{B6EBC5D3-3470-51C6-EE08-4424E9ABDE85}"/>
+              </a:ext>
+            </a:extLst>
+          </p:cNvPr>
+          <p:cNvSpPr/>
+          <p:nvPr/>
+        </p:nvSpPr>
+        <p:spPr>
+          <a:xfrm>
+            <a:off x="4105949" y="1798948"/>
+            <a:ext cx="811441" cy="358897"/>
+          </a:xfrm>
+          <a:prstGeom prst="rect">
+            <a:avLst/>
+          </a:prstGeom>
+          <a:solidFill>
+            <a:schemeClr val="accent4"/>
+          </a:solidFill>
+          <a:effectLst>
+            <a:outerShdw blurRad="50800" dist="38100" dir="2700000" algn="tl" rotWithShape="0">
+              <a:prstClr val="black">
+                <a:alpha val="40000"/>
+              </a:prstClr>
+            </a:outerShdw>
+          </a:effectLst>
+        </p:spPr>
+        <p:style>
+          <a:lnRef idx="2">
+            <a:schemeClr val="accent1">
+              <a:shade val="15000"/>
+            </a:schemeClr>
+          </a:lnRef>
+          <a:fillRef idx="1">
+            <a:schemeClr val="accent1"/>
+          </a:fillRef>
+          <a:effectRef idx="0">
+            <a:schemeClr val="accent1"/>
+          </a:effectRef>
+          <a:fontRef idx="minor">
+            <a:schemeClr val="lt1"/>
+          </a:fontRef>
+        </p:style>
+        <p:txBody>
+          <a:bodyPr rtlCol="0" anchor="ctr"/>
+          <a:lstStyle/>
+          <a:p>
+            <a:pPr algn="ctr"/>
+            <a:r>
+              <a:rPr lang="en-US" altLang="zh-CN" sz="1000" dirty="0">
+                <a:solidFill>
+                  <a:schemeClr val="tx1">
+                    <a:lumMod val="95000"/>
+                    <a:lumOff val="5000"/>
+                  </a:schemeClr>
+                </a:solidFill>
+                <a:latin typeface="微软雅黑" panose="020B0503020204020204" pitchFamily="34" charset="-122"/>
+                <a:ea typeface="微软雅黑" panose="020B0503020204020204" pitchFamily="34" charset="-122"/>
+              </a:rPr>
+              <a:t>…</a:t>
+            </a:r>
+            <a:endParaRPr lang="zh-CN" altLang="en-US" sz="1000" dirty="0">
+              <a:solidFill>
+                <a:schemeClr val="tx1">
+                  <a:lumMod val="95000"/>
+                  <a:lumOff val="5000"/>
+                </a:schemeClr>
+              </a:solidFill>
+              <a:latin typeface="微软雅黑" panose="020B0503020204020204" pitchFamily="34" charset="-122"/>
+              <a:ea typeface="微软雅黑" panose="020B0503020204020204" pitchFamily="34" charset="-122"/>
+            </a:endParaRPr>
+          </a:p>
+        </p:txBody>
+      </p:sp>
+      <p:sp>
+        <p:nvSpPr>
+          <p:cNvPr id="8" name="矩形 7">
+            <a:extLst>
+              <a:ext uri="{FF2B5EF4-FFF2-40B4-BE49-F238E27FC236}">
+                <a16:creationId xmlns:a16="http://schemas.microsoft.com/office/drawing/2014/main" id="{6D7BB9A8-84CF-A410-DD56-49AEBA7CC004}"/>
+              </a:ext>
+            </a:extLst>
+          </p:cNvPr>
+          <p:cNvSpPr/>
+          <p:nvPr/>
+        </p:nvSpPr>
+        <p:spPr>
+          <a:xfrm>
+            <a:off x="3485957" y="2465285"/>
+            <a:ext cx="811441" cy="358897"/>
+          </a:xfrm>
+          <a:prstGeom prst="rect">
+            <a:avLst/>
+          </a:prstGeom>
+          <a:solidFill>
+            <a:schemeClr val="accent4"/>
+          </a:solidFill>
+          <a:effectLst>
+            <a:outerShdw blurRad="50800" dist="38100" dir="2700000" algn="tl" rotWithShape="0">
+              <a:prstClr val="black">
+                <a:alpha val="40000"/>
+              </a:prstClr>
+            </a:outerShdw>
+          </a:effectLst>
+        </p:spPr>
+        <p:style>
+          <a:lnRef idx="2">
+            <a:schemeClr val="accent1">
+              <a:shade val="15000"/>
+            </a:schemeClr>
+          </a:lnRef>
+          <a:fillRef idx="1">
+            <a:schemeClr val="accent1"/>
+          </a:fillRef>
+          <a:effectRef idx="0">
+            <a:schemeClr val="accent1"/>
+          </a:effectRef>
+          <a:fontRef idx="minor">
+            <a:schemeClr val="lt1"/>
+          </a:fontRef>
+        </p:style>
+        <p:txBody>
+          <a:bodyPr rtlCol="0" anchor="ctr"/>
+          <a:lstStyle/>
+          <a:p>
+            <a:pPr algn="ctr"/>
+            <a:r>
+              <a:rPr lang="en-US" altLang="zh-CN" sz="1000" dirty="0">
+                <a:solidFill>
+                  <a:schemeClr val="tx1">
+                    <a:lumMod val="95000"/>
+                    <a:lumOff val="5000"/>
+                  </a:schemeClr>
+                </a:solidFill>
+                <a:latin typeface="微软雅黑" panose="020B0503020204020204" pitchFamily="34" charset="-122"/>
+                <a:ea typeface="微软雅黑" panose="020B0503020204020204" pitchFamily="34" charset="-122"/>
+              </a:rPr>
+              <a:t>c=</a:t>
+            </a:r>
+            <a:r>
+              <a:rPr lang="en-US" altLang="zh-CN" sz="1000" dirty="0" err="1">
+                <a:solidFill>
+                  <a:schemeClr val="tx1">
+                    <a:lumMod val="95000"/>
+                    <a:lumOff val="5000"/>
+                  </a:schemeClr>
+                </a:solidFill>
+                <a:latin typeface="微软雅黑" panose="020B0503020204020204" pitchFamily="34" charset="-122"/>
+                <a:ea typeface="微软雅黑" panose="020B0503020204020204" pitchFamily="34" charset="-122"/>
+              </a:rPr>
+              <a:t>a+b</a:t>
+            </a:r>
+            <a:endParaRPr lang="zh-CN" altLang="en-US" sz="1000" dirty="0">
+              <a:solidFill>
+                <a:schemeClr val="tx1">
+                  <a:lumMod val="95000"/>
+                  <a:lumOff val="5000"/>
+                </a:schemeClr>
+              </a:solidFill>
+              <a:latin typeface="微软雅黑" panose="020B0503020204020204" pitchFamily="34" charset="-122"/>
+              <a:ea typeface="微软雅黑" panose="020B0503020204020204" pitchFamily="34" charset="-122"/>
+            </a:endParaRPr>
+          </a:p>
+        </p:txBody>
+      </p:sp>
+      <p:cxnSp>
+        <p:nvCxnSpPr>
+          <p:cNvPr id="10" name="直接箭头连接符 9">
+            <a:extLst>
+              <a:ext uri="{FF2B5EF4-FFF2-40B4-BE49-F238E27FC236}">
+                <a16:creationId xmlns:a16="http://schemas.microsoft.com/office/drawing/2014/main" id="{C246E593-B26C-493E-7E99-E3FD8121D322}"/>
+              </a:ext>
+            </a:extLst>
+          </p:cNvPr>
+          <p:cNvCxnSpPr>
+            <a:cxnSpLocks/>
+            <a:stCxn id="4" idx="2"/>
+            <a:endCxn id="5" idx="0"/>
+          </p:cNvCxnSpPr>
+          <p:nvPr/>
+        </p:nvCxnSpPr>
+        <p:spPr>
+          <a:xfrm flipH="1">
+            <a:off x="3212806" y="1465118"/>
+            <a:ext cx="678873" cy="333830"/>
+          </a:xfrm>
+          <a:prstGeom prst="straightConnector1">
+            <a:avLst/>
+          </a:prstGeom>
+          <a:ln w="12700">
+            <a:tailEnd type="triangle"/>
+          </a:ln>
+        </p:spPr>
+        <p:style>
+          <a:lnRef idx="1">
+            <a:schemeClr val="accent1"/>
+          </a:lnRef>
+          <a:fillRef idx="0">
+            <a:schemeClr val="accent1"/>
+          </a:fillRef>
+          <a:effectRef idx="0">
+            <a:schemeClr val="accent1"/>
+          </a:effectRef>
+          <a:fontRef idx="minor">
+            <a:schemeClr val="tx1"/>
+          </a:fontRef>
+        </p:style>
+      </p:cxnSp>
+      <p:cxnSp>
+        <p:nvCxnSpPr>
+          <p:cNvPr id="11" name="直接箭头连接符 10">
+            <a:extLst>
+              <a:ext uri="{FF2B5EF4-FFF2-40B4-BE49-F238E27FC236}">
+                <a16:creationId xmlns:a16="http://schemas.microsoft.com/office/drawing/2014/main" id="{617AEE62-AEC4-49F2-394B-535AFB2512B3}"/>
+              </a:ext>
+            </a:extLst>
+          </p:cNvPr>
+          <p:cNvCxnSpPr>
+            <a:cxnSpLocks/>
+            <a:stCxn id="4" idx="2"/>
+            <a:endCxn id="7" idx="0"/>
+          </p:cNvCxnSpPr>
+          <p:nvPr/>
+        </p:nvCxnSpPr>
+        <p:spPr>
+          <a:xfrm>
+            <a:off x="3891679" y="1465118"/>
+            <a:ext cx="619991" cy="333830"/>
+          </a:xfrm>
+          <a:prstGeom prst="straightConnector1">
+            <a:avLst/>
+          </a:prstGeom>
+          <a:ln w="12700">
+            <a:tailEnd type="triangle"/>
+          </a:ln>
+        </p:spPr>
+        <p:style>
+          <a:lnRef idx="1">
+            <a:schemeClr val="accent1"/>
+          </a:lnRef>
+          <a:fillRef idx="0">
+            <a:schemeClr val="accent1"/>
+          </a:fillRef>
+          <a:effectRef idx="0">
+            <a:schemeClr val="accent1"/>
+          </a:effectRef>
+          <a:fontRef idx="minor">
+            <a:schemeClr val="tx1"/>
+          </a:fontRef>
+        </p:style>
+      </p:cxnSp>
+      <p:cxnSp>
+        <p:nvCxnSpPr>
+          <p:cNvPr id="17" name="直接箭头连接符 16">
+            <a:extLst>
+              <a:ext uri="{FF2B5EF4-FFF2-40B4-BE49-F238E27FC236}">
+                <a16:creationId xmlns:a16="http://schemas.microsoft.com/office/drawing/2014/main" id="{5E7E3B72-1543-7C9F-8792-84E3F4E5EB83}"/>
+              </a:ext>
+            </a:extLst>
+          </p:cNvPr>
+          <p:cNvCxnSpPr>
+            <a:cxnSpLocks/>
+            <a:stCxn id="7" idx="2"/>
+            <a:endCxn id="8" idx="0"/>
+          </p:cNvCxnSpPr>
+          <p:nvPr/>
+        </p:nvCxnSpPr>
+        <p:spPr>
+          <a:xfrm flipH="1">
+            <a:off x="3891678" y="2157845"/>
+            <a:ext cx="619992" cy="307440"/>
+          </a:xfrm>
+          <a:prstGeom prst="straightConnector1">
+            <a:avLst/>
+          </a:prstGeom>
+          <a:ln w="12700">
+            <a:tailEnd type="triangle"/>
+          </a:ln>
+        </p:spPr>
+        <p:style>
+          <a:lnRef idx="1">
+            <a:schemeClr val="accent1"/>
+          </a:lnRef>
+          <a:fillRef idx="0">
+            <a:schemeClr val="accent1"/>
+          </a:fillRef>
+          <a:effectRef idx="0">
+            <a:schemeClr val="accent1"/>
+          </a:effectRef>
+          <a:fontRef idx="minor">
+            <a:schemeClr val="tx1"/>
+          </a:fontRef>
+        </p:style>
+      </p:cxnSp>
+      <p:cxnSp>
+        <p:nvCxnSpPr>
+          <p:cNvPr id="20" name="直接箭头连接符 19">
+            <a:extLst>
+              <a:ext uri="{FF2B5EF4-FFF2-40B4-BE49-F238E27FC236}">
+                <a16:creationId xmlns:a16="http://schemas.microsoft.com/office/drawing/2014/main" id="{00C7518D-1E81-BC50-FF4C-2567A32AC486}"/>
+              </a:ext>
+            </a:extLst>
+          </p:cNvPr>
+          <p:cNvCxnSpPr>
+            <a:cxnSpLocks/>
+            <a:stCxn id="5" idx="2"/>
+            <a:endCxn id="8" idx="0"/>
+          </p:cNvCxnSpPr>
+          <p:nvPr/>
+        </p:nvCxnSpPr>
+        <p:spPr>
+          <a:xfrm>
+            <a:off x="3212806" y="2157845"/>
+            <a:ext cx="678872" cy="307440"/>
+          </a:xfrm>
+          <a:prstGeom prst="straightConnector1">
+            <a:avLst/>
+          </a:prstGeom>
+          <a:ln w="12700">
+            <a:tailEnd type="triangle"/>
+          </a:ln>
+        </p:spPr>
+        <p:style>
+          <a:lnRef idx="1">
+            <a:schemeClr val="accent1"/>
+          </a:lnRef>
+          <a:fillRef idx="0">
+            <a:schemeClr val="accent1"/>
+          </a:fillRef>
+          <a:effectRef idx="0">
+            <a:schemeClr val="accent1"/>
+          </a:effectRef>
+          <a:fontRef idx="minor">
+            <a:schemeClr val="tx1"/>
+          </a:fontRef>
+        </p:style>
+      </p:cxnSp>
+      <p:sp>
+        <p:nvSpPr>
+          <p:cNvPr id="13" name="文本框 12">
+            <a:extLst>
+              <a:ext uri="{FF2B5EF4-FFF2-40B4-BE49-F238E27FC236}">
+                <a16:creationId xmlns:a16="http://schemas.microsoft.com/office/drawing/2014/main" id="{62EBF9DE-FF47-D38E-08A7-20105CCC5325}"/>
+              </a:ext>
+            </a:extLst>
+          </p:cNvPr>
+          <p:cNvSpPr txBox="1"/>
+          <p:nvPr/>
+        </p:nvSpPr>
+        <p:spPr>
+          <a:xfrm>
+            <a:off x="4301515" y="1157678"/>
+            <a:ext cx="420308" cy="246221"/>
+          </a:xfrm>
+          <a:prstGeom prst="rect">
+            <a:avLst/>
+          </a:prstGeom>
+          <a:noFill/>
+        </p:spPr>
+        <p:txBody>
+          <a:bodyPr wrap="none" rtlCol="0">
+            <a:spAutoFit/>
+          </a:bodyPr>
+          <a:lstStyle/>
+          <a:p>
+            <a:r>
+              <a:rPr lang="en-US" altLang="zh-CN" sz="1000" dirty="0">
+                <a:latin typeface="微软雅黑" panose="020B0503020204020204" pitchFamily="34" charset="-122"/>
+                <a:ea typeface="微软雅黑" panose="020B0503020204020204" pitchFamily="34" charset="-122"/>
+              </a:rPr>
+              <a:t>BB1</a:t>
+            </a:r>
+            <a:endParaRPr lang="zh-CN" altLang="en-US" sz="1000" dirty="0">
+              <a:latin typeface="微软雅黑" panose="020B0503020204020204" pitchFamily="34" charset="-122"/>
+              <a:ea typeface="微软雅黑" panose="020B0503020204020204" pitchFamily="34" charset="-122"/>
+            </a:endParaRPr>
+          </a:p>
+        </p:txBody>
+      </p:sp>
+      <p:sp>
+        <p:nvSpPr>
+          <p:cNvPr id="15" name="文本框 14">
+            <a:extLst>
+              <a:ext uri="{FF2B5EF4-FFF2-40B4-BE49-F238E27FC236}">
+                <a16:creationId xmlns:a16="http://schemas.microsoft.com/office/drawing/2014/main" id="{57DDDC11-1A25-9237-EFBB-330CD36EFF30}"/>
+              </a:ext>
+            </a:extLst>
+          </p:cNvPr>
+          <p:cNvSpPr txBox="1"/>
+          <p:nvPr/>
+        </p:nvSpPr>
+        <p:spPr>
+          <a:xfrm>
+            <a:off x="4984505" y="1855285"/>
+            <a:ext cx="420308" cy="246221"/>
+          </a:xfrm>
+          <a:prstGeom prst="rect">
+            <a:avLst/>
+          </a:prstGeom>
+          <a:noFill/>
+        </p:spPr>
+        <p:txBody>
+          <a:bodyPr wrap="none" rtlCol="0">
+            <a:spAutoFit/>
+          </a:bodyPr>
+          <a:lstStyle/>
+          <a:p>
+            <a:r>
+              <a:rPr lang="en-US" altLang="zh-CN" sz="1000" dirty="0">
+                <a:latin typeface="微软雅黑" panose="020B0503020204020204" pitchFamily="34" charset="-122"/>
+                <a:ea typeface="微软雅黑" panose="020B0503020204020204" pitchFamily="34" charset="-122"/>
+              </a:rPr>
+              <a:t>BB3</a:t>
+            </a:r>
+            <a:endParaRPr lang="zh-CN" altLang="en-US" sz="1000" dirty="0">
+              <a:latin typeface="微软雅黑" panose="020B0503020204020204" pitchFamily="34" charset="-122"/>
+              <a:ea typeface="微软雅黑" panose="020B0503020204020204" pitchFamily="34" charset="-122"/>
+            </a:endParaRPr>
+          </a:p>
+        </p:txBody>
+      </p:sp>
+      <p:sp>
+        <p:nvSpPr>
+          <p:cNvPr id="16" name="文本框 15">
+            <a:extLst>
+              <a:ext uri="{FF2B5EF4-FFF2-40B4-BE49-F238E27FC236}">
+                <a16:creationId xmlns:a16="http://schemas.microsoft.com/office/drawing/2014/main" id="{9B7311AB-0375-FC30-4643-D02AAC41F29D}"/>
+              </a:ext>
+            </a:extLst>
+          </p:cNvPr>
+          <p:cNvSpPr txBox="1"/>
+          <p:nvPr/>
+        </p:nvSpPr>
+        <p:spPr>
+          <a:xfrm>
+            <a:off x="4297398" y="2559722"/>
+            <a:ext cx="420308" cy="246221"/>
+          </a:xfrm>
+          <a:prstGeom prst="rect">
+            <a:avLst/>
+          </a:prstGeom>
+          <a:noFill/>
+        </p:spPr>
+        <p:txBody>
+          <a:bodyPr wrap="none" rtlCol="0">
+            <a:spAutoFit/>
+          </a:bodyPr>
+          <a:lstStyle/>
+          <a:p>
+            <a:r>
+              <a:rPr lang="en-US" altLang="zh-CN" sz="1000" dirty="0">
+                <a:latin typeface="微软雅黑" panose="020B0503020204020204" pitchFamily="34" charset="-122"/>
+                <a:ea typeface="微软雅黑" panose="020B0503020204020204" pitchFamily="34" charset="-122"/>
+              </a:rPr>
+              <a:t>BB4</a:t>
+            </a:r>
+            <a:endParaRPr lang="zh-CN" altLang="en-US" sz="1000" dirty="0">
+              <a:latin typeface="微软雅黑" panose="020B0503020204020204" pitchFamily="34" charset="-122"/>
+              <a:ea typeface="微软雅黑" panose="020B0503020204020204" pitchFamily="34" charset="-122"/>
+            </a:endParaRPr>
+          </a:p>
+        </p:txBody>
+      </p:sp>
+      <p:sp>
+        <p:nvSpPr>
+          <p:cNvPr id="18" name="文本框 17">
+            <a:extLst>
+              <a:ext uri="{FF2B5EF4-FFF2-40B4-BE49-F238E27FC236}">
+                <a16:creationId xmlns:a16="http://schemas.microsoft.com/office/drawing/2014/main" id="{4D911C5B-66BB-35D8-0B6B-D6BD9166A7D4}"/>
+              </a:ext>
+            </a:extLst>
+          </p:cNvPr>
+          <p:cNvSpPr txBox="1"/>
+          <p:nvPr/>
+        </p:nvSpPr>
+        <p:spPr>
+          <a:xfrm>
+            <a:off x="2371850" y="1857827"/>
+            <a:ext cx="420308" cy="246221"/>
+          </a:xfrm>
+          <a:prstGeom prst="rect">
+            <a:avLst/>
+          </a:prstGeom>
+          <a:noFill/>
+        </p:spPr>
+        <p:txBody>
+          <a:bodyPr wrap="none" rtlCol="0">
+            <a:spAutoFit/>
+          </a:bodyPr>
+          <a:lstStyle/>
+          <a:p>
+            <a:r>
+              <a:rPr lang="en-US" altLang="zh-CN" sz="1000" dirty="0">
+                <a:latin typeface="微软雅黑" panose="020B0503020204020204" pitchFamily="34" charset="-122"/>
+                <a:ea typeface="微软雅黑" panose="020B0503020204020204" pitchFamily="34" charset="-122"/>
+              </a:rPr>
+              <a:t>BB2</a:t>
+            </a:r>
+            <a:endParaRPr lang="zh-CN" altLang="en-US" sz="1000" dirty="0">
+              <a:latin typeface="微软雅黑" panose="020B0503020204020204" pitchFamily="34" charset="-122"/>
+              <a:ea typeface="微软雅黑" panose="020B0503020204020204" pitchFamily="34" charset="-122"/>
+            </a:endParaRPr>
+          </a:p>
+        </p:txBody>
+      </p:sp>
+      <p:sp>
+        <p:nvSpPr>
+          <p:cNvPr id="19" name="文本框 18">
+            <a:extLst>
+              <a:ext uri="{FF2B5EF4-FFF2-40B4-BE49-F238E27FC236}">
+                <a16:creationId xmlns:a16="http://schemas.microsoft.com/office/drawing/2014/main" id="{7539AB57-48E1-EAFA-EF79-404CD6317628}"/>
+              </a:ext>
+            </a:extLst>
+          </p:cNvPr>
+          <p:cNvSpPr txBox="1"/>
+          <p:nvPr/>
+        </p:nvSpPr>
+        <p:spPr>
+          <a:xfrm>
+            <a:off x="2262681" y="2953904"/>
+            <a:ext cx="3877985" cy="253916"/>
+          </a:xfrm>
+          <a:prstGeom prst="rect">
+            <a:avLst/>
+          </a:prstGeom>
+          <a:noFill/>
+        </p:spPr>
+        <p:txBody>
+          <a:bodyPr wrap="none" rtlCol="0">
+            <a:spAutoFit/>
+          </a:bodyPr>
+          <a:lstStyle/>
+          <a:p>
+            <a:pPr algn="ctr"/>
+            <a:r>
+              <a:rPr lang="en-US" altLang="zh-CN" sz="1050" dirty="0">
+                <a:latin typeface="微软雅黑" panose="020B0503020204020204" pitchFamily="34" charset="-122"/>
+                <a:ea typeface="微软雅黑" panose="020B0503020204020204" pitchFamily="34" charset="-122"/>
+              </a:rPr>
+              <a:t>BB2</a:t>
+            </a:r>
+            <a:r>
+              <a:rPr lang="zh-CN" altLang="en-US" sz="1050" dirty="0">
+                <a:latin typeface="微软雅黑" panose="020B0503020204020204" pitchFamily="34" charset="-122"/>
+                <a:ea typeface="微软雅黑" panose="020B0503020204020204" pitchFamily="34" charset="-122"/>
+              </a:rPr>
+              <a:t>不支配</a:t>
+            </a:r>
+            <a:r>
+              <a:rPr lang="en-US" altLang="zh-CN" sz="1050" dirty="0">
+                <a:latin typeface="微软雅黑" panose="020B0503020204020204" pitchFamily="34" charset="-122"/>
+                <a:ea typeface="微软雅黑" panose="020B0503020204020204" pitchFamily="34" charset="-122"/>
+              </a:rPr>
+              <a:t>BB4</a:t>
+            </a:r>
+            <a:r>
+              <a:rPr lang="zh-CN" altLang="en-US" sz="1050" dirty="0">
+                <a:latin typeface="微软雅黑" panose="020B0503020204020204" pitchFamily="34" charset="-122"/>
+                <a:ea typeface="微软雅黑" panose="020B0503020204020204" pitchFamily="34" charset="-122"/>
+              </a:rPr>
+              <a:t>，因此</a:t>
+            </a:r>
+            <a:r>
+              <a:rPr lang="en-US" altLang="zh-CN" sz="1050" dirty="0">
+                <a:latin typeface="微软雅黑" panose="020B0503020204020204" pitchFamily="34" charset="-122"/>
+                <a:ea typeface="微软雅黑" panose="020B0503020204020204" pitchFamily="34" charset="-122"/>
+              </a:rPr>
+              <a:t>BB4</a:t>
+            </a:r>
+            <a:r>
+              <a:rPr lang="zh-CN" altLang="en-US" sz="1050" dirty="0">
+                <a:latin typeface="微软雅黑" panose="020B0503020204020204" pitchFamily="34" charset="-122"/>
+                <a:ea typeface="微软雅黑" panose="020B0503020204020204" pitchFamily="34" charset="-122"/>
+              </a:rPr>
+              <a:t>中的</a:t>
+            </a:r>
+            <a:r>
+              <a:rPr lang="en-US" altLang="zh-CN" sz="1050" dirty="0" err="1">
+                <a:latin typeface="微软雅黑" panose="020B0503020204020204" pitchFamily="34" charset="-122"/>
+                <a:ea typeface="微软雅黑" panose="020B0503020204020204" pitchFamily="34" charset="-122"/>
+              </a:rPr>
+              <a:t>a+b</a:t>
+            </a:r>
+            <a:r>
+              <a:rPr lang="zh-CN" altLang="en-US" sz="1050" dirty="0">
+                <a:latin typeface="微软雅黑" panose="020B0503020204020204" pitchFamily="34" charset="-122"/>
+                <a:ea typeface="微软雅黑" panose="020B0503020204020204" pitchFamily="34" charset="-122"/>
+              </a:rPr>
+              <a:t>不会被</a:t>
+            </a:r>
+            <a:r>
+              <a:rPr lang="en-US" altLang="zh-CN" sz="1050" dirty="0">
+                <a:latin typeface="微软雅黑" panose="020B0503020204020204" pitchFamily="34" charset="-122"/>
+                <a:ea typeface="微软雅黑" panose="020B0503020204020204" pitchFamily="34" charset="-122"/>
+              </a:rPr>
+              <a:t>CSE</a:t>
+            </a:r>
+            <a:r>
+              <a:rPr lang="zh-CN" altLang="en-US" sz="1050" dirty="0">
+                <a:latin typeface="微软雅黑" panose="020B0503020204020204" pitchFamily="34" charset="-122"/>
+                <a:ea typeface="微软雅黑" panose="020B0503020204020204" pitchFamily="34" charset="-122"/>
+              </a:rPr>
+              <a:t>优化</a:t>
+            </a:r>
+            <a:r>
+              <a:rPr lang="en-US" altLang="zh-CN" sz="1050" dirty="0">
+                <a:latin typeface="微软雅黑" panose="020B0503020204020204" pitchFamily="34" charset="-122"/>
+                <a:ea typeface="微软雅黑" panose="020B0503020204020204" pitchFamily="34" charset="-122"/>
+              </a:rPr>
+              <a:t>	</a:t>
+            </a:r>
+            <a:endParaRPr lang="zh-CN" altLang="en-US" sz="1050" dirty="0">
+              <a:latin typeface="微软雅黑" panose="020B0503020204020204" pitchFamily="34" charset="-122"/>
+              <a:ea typeface="微软雅黑" panose="020B0503020204020204" pitchFamily="34" charset="-122"/>
+            </a:endParaRPr>
+          </a:p>
+        </p:txBody>
+      </p:sp>
+    </p:spTree>
+    <p:extLst>
+      <p:ext uri="{BB962C8B-B14F-4D97-AF65-F5344CB8AC3E}">
+        <p14:creationId xmlns:p14="http://schemas.microsoft.com/office/powerpoint/2010/main" val="976853834"/>
+      </p:ext>
+    </p:extLst>
+  </p:cSld>
+  <p:clrMapOvr>
+    <a:masterClrMapping/>
+  </p:clrMapOvr>
+</p:sld>
+</file>
+
+<file path=ppt/slides/slide5.xml><?xml version="1.0" encoding="utf-8"?>
+<p:sld xmlns:a="http://schemas.openxmlformats.org/drawingml/2006/main" xmlns:r="http://schemas.openxmlformats.org/officeDocument/2006/relationships" xmlns:p="http://schemas.openxmlformats.org/presentationml/2006/main">
+  <p:cSld>
+    <p:spTree>
+      <p:nvGrpSpPr>
+        <p:cNvPr id="1" name="">
+          <a:extLst>
+            <a:ext uri="{FF2B5EF4-FFF2-40B4-BE49-F238E27FC236}">
+              <a16:creationId xmlns:a16="http://schemas.microsoft.com/office/drawing/2014/main" id="{B471C49C-F774-240E-E8CF-9A066F0AD43F}"/>
+            </a:ext>
+          </a:extLst>
+        </p:cNvPr>
+        <p:cNvGrpSpPr/>
+        <p:nvPr/>
+      </p:nvGrpSpPr>
+      <p:grpSpPr>
+        <a:xfrm>
+          <a:off x="0" y="0"/>
+          <a:ext cx="0" cy="0"/>
+          <a:chOff x="0" y="0"/>
+          <a:chExt cx="0" cy="0"/>
+        </a:xfrm>
+      </p:grpSpPr>
+      <p:sp>
+        <p:nvSpPr>
+          <p:cNvPr id="4" name="矩形 3">
+            <a:extLst>
+              <a:ext uri="{FF2B5EF4-FFF2-40B4-BE49-F238E27FC236}">
+                <a16:creationId xmlns:a16="http://schemas.microsoft.com/office/drawing/2014/main" id="{44BE5EFE-0EC5-78DE-8793-D083E6040F13}"/>
+              </a:ext>
+            </a:extLst>
+          </p:cNvPr>
+          <p:cNvSpPr/>
+          <p:nvPr/>
+        </p:nvSpPr>
+        <p:spPr>
+          <a:xfrm>
+            <a:off x="2218267" y="2103749"/>
+            <a:ext cx="811441" cy="358897"/>
+          </a:xfrm>
+          <a:prstGeom prst="rect">
+            <a:avLst/>
+          </a:prstGeom>
+          <a:solidFill>
+            <a:schemeClr val="accent4"/>
+          </a:solidFill>
+          <a:effectLst>
+            <a:outerShdw blurRad="50800" dist="38100" dir="2700000" algn="tl" rotWithShape="0">
+              <a:prstClr val="black">
+                <a:alpha val="40000"/>
+              </a:prstClr>
+            </a:outerShdw>
+          </a:effectLst>
+        </p:spPr>
+        <p:style>
+          <a:lnRef idx="2">
+            <a:schemeClr val="accent1">
+              <a:shade val="15000"/>
+            </a:schemeClr>
+          </a:lnRef>
+          <a:fillRef idx="1">
+            <a:schemeClr val="accent1"/>
+          </a:fillRef>
+          <a:effectRef idx="0">
+            <a:schemeClr val="accent1"/>
+          </a:effectRef>
+          <a:fontRef idx="minor">
+            <a:schemeClr val="lt1"/>
+          </a:fontRef>
+        </p:style>
+        <p:txBody>
+          <a:bodyPr rtlCol="0" anchor="ctr"/>
+          <a:lstStyle/>
+          <a:p>
+            <a:pPr algn="ctr"/>
+            <a:endParaRPr lang="zh-CN" altLang="en-US" sz="1000" dirty="0">
+              <a:solidFill>
+                <a:schemeClr val="tx1">
+                  <a:lumMod val="95000"/>
+                  <a:lumOff val="5000"/>
+                </a:schemeClr>
+              </a:solidFill>
+              <a:latin typeface="微软雅黑" panose="020B0503020204020204" pitchFamily="34" charset="-122"/>
+              <a:ea typeface="微软雅黑" panose="020B0503020204020204" pitchFamily="34" charset="-122"/>
+            </a:endParaRPr>
+          </a:p>
+        </p:txBody>
+      </p:sp>
+      <p:sp>
+        <p:nvSpPr>
+          <p:cNvPr id="5" name="矩形 4">
+            <a:extLst>
+              <a:ext uri="{FF2B5EF4-FFF2-40B4-BE49-F238E27FC236}">
+                <a16:creationId xmlns:a16="http://schemas.microsoft.com/office/drawing/2014/main" id="{13A85E33-294A-903C-2AC2-0B02CC68F622}"/>
+              </a:ext>
+            </a:extLst>
+          </p:cNvPr>
+          <p:cNvSpPr/>
+          <p:nvPr/>
+        </p:nvSpPr>
+        <p:spPr>
+          <a:xfrm>
+            <a:off x="1539394" y="2796476"/>
+            <a:ext cx="811441" cy="358897"/>
+          </a:xfrm>
+          <a:prstGeom prst="rect">
+            <a:avLst/>
+          </a:prstGeom>
+          <a:solidFill>
+            <a:schemeClr val="accent4"/>
+          </a:solidFill>
+          <a:effectLst>
+            <a:outerShdw blurRad="50800" dist="38100" dir="2700000" algn="tl" rotWithShape="0">
+              <a:prstClr val="black">
+                <a:alpha val="40000"/>
+              </a:prstClr>
+            </a:outerShdw>
+          </a:effectLst>
+        </p:spPr>
+        <p:style>
+          <a:lnRef idx="2">
+            <a:schemeClr val="accent1">
+              <a:shade val="15000"/>
+            </a:schemeClr>
+          </a:lnRef>
+          <a:fillRef idx="1">
+            <a:schemeClr val="accent1"/>
+          </a:fillRef>
+          <a:effectRef idx="0">
+            <a:schemeClr val="accent1"/>
+          </a:effectRef>
+          <a:fontRef idx="minor">
+            <a:schemeClr val="lt1"/>
+          </a:fontRef>
+        </p:style>
+        <p:txBody>
+          <a:bodyPr rtlCol="0" anchor="ctr"/>
+          <a:lstStyle/>
+          <a:p>
+            <a:pPr algn="ctr"/>
+            <a:r>
+              <a:rPr lang="en-US" altLang="zh-CN" sz="1000" dirty="0">
+                <a:solidFill>
+                  <a:schemeClr val="tx1">
+                    <a:lumMod val="95000"/>
+                    <a:lumOff val="5000"/>
+                  </a:schemeClr>
+                </a:solidFill>
+                <a:latin typeface="微软雅黑" panose="020B0503020204020204" pitchFamily="34" charset="-122"/>
+                <a:ea typeface="微软雅黑" panose="020B0503020204020204" pitchFamily="34" charset="-122"/>
+              </a:rPr>
+              <a:t>a=</a:t>
+            </a:r>
+            <a:r>
+              <a:rPr lang="en-US" altLang="zh-CN" sz="1000" dirty="0" err="1">
+                <a:solidFill>
+                  <a:schemeClr val="tx1">
+                    <a:lumMod val="95000"/>
+                    <a:lumOff val="5000"/>
+                  </a:schemeClr>
+                </a:solidFill>
+                <a:latin typeface="微软雅黑" panose="020B0503020204020204" pitchFamily="34" charset="-122"/>
+                <a:ea typeface="微软雅黑" panose="020B0503020204020204" pitchFamily="34" charset="-122"/>
+              </a:rPr>
+              <a:t>b+c</a:t>
+            </a:r>
+            <a:endParaRPr lang="zh-CN" altLang="en-US" sz="1000" dirty="0">
+              <a:solidFill>
+                <a:schemeClr val="tx1">
+                  <a:lumMod val="95000"/>
+                  <a:lumOff val="5000"/>
+                </a:schemeClr>
+              </a:solidFill>
+              <a:latin typeface="微软雅黑" panose="020B0503020204020204" pitchFamily="34" charset="-122"/>
+              <a:ea typeface="微软雅黑" panose="020B0503020204020204" pitchFamily="34" charset="-122"/>
+            </a:endParaRPr>
+          </a:p>
+        </p:txBody>
+      </p:sp>
+      <p:sp>
+        <p:nvSpPr>
+          <p:cNvPr id="7" name="矩形 6">
+            <a:extLst>
+              <a:ext uri="{FF2B5EF4-FFF2-40B4-BE49-F238E27FC236}">
+                <a16:creationId xmlns:a16="http://schemas.microsoft.com/office/drawing/2014/main" id="{D05B3F6A-454A-C5E2-788A-ED80F598E88C}"/>
+              </a:ext>
+            </a:extLst>
+          </p:cNvPr>
+          <p:cNvSpPr/>
+          <p:nvPr/>
+        </p:nvSpPr>
+        <p:spPr>
+          <a:xfrm>
+            <a:off x="2838258" y="2796476"/>
+            <a:ext cx="811441" cy="358897"/>
+          </a:xfrm>
+          <a:prstGeom prst="rect">
+            <a:avLst/>
+          </a:prstGeom>
+          <a:solidFill>
+            <a:schemeClr val="accent4"/>
+          </a:solidFill>
+          <a:effectLst>
+            <a:outerShdw blurRad="50800" dist="38100" dir="2700000" algn="tl" rotWithShape="0">
+              <a:prstClr val="black">
+                <a:alpha val="40000"/>
+              </a:prstClr>
+            </a:outerShdw>
+          </a:effectLst>
+        </p:spPr>
+        <p:style>
+          <a:lnRef idx="2">
+            <a:schemeClr val="accent1">
+              <a:shade val="15000"/>
+            </a:schemeClr>
+          </a:lnRef>
+          <a:fillRef idx="1">
+            <a:schemeClr val="accent1"/>
+          </a:fillRef>
+          <a:effectRef idx="0">
+            <a:schemeClr val="accent1"/>
+          </a:effectRef>
+          <a:fontRef idx="minor">
+            <a:schemeClr val="lt1"/>
+          </a:fontRef>
+        </p:style>
+        <p:txBody>
+          <a:bodyPr rtlCol="0" anchor="ctr"/>
+          <a:lstStyle/>
+          <a:p>
+            <a:pPr algn="ctr"/>
+            <a:endParaRPr lang="zh-CN" altLang="en-US" sz="1000" dirty="0">
+              <a:solidFill>
+                <a:schemeClr val="tx1">
+                  <a:lumMod val="95000"/>
+                  <a:lumOff val="5000"/>
+                </a:schemeClr>
+              </a:solidFill>
+              <a:latin typeface="微软雅黑" panose="020B0503020204020204" pitchFamily="34" charset="-122"/>
+              <a:ea typeface="微软雅黑" panose="020B0503020204020204" pitchFamily="34" charset="-122"/>
+            </a:endParaRPr>
+          </a:p>
+        </p:txBody>
+      </p:sp>
+      <p:sp>
+        <p:nvSpPr>
+          <p:cNvPr id="8" name="矩形 7">
+            <a:extLst>
+              <a:ext uri="{FF2B5EF4-FFF2-40B4-BE49-F238E27FC236}">
+                <a16:creationId xmlns:a16="http://schemas.microsoft.com/office/drawing/2014/main" id="{5C0AB96C-A277-F361-3D1A-6ECFD718526D}"/>
+              </a:ext>
+            </a:extLst>
+          </p:cNvPr>
+          <p:cNvSpPr/>
+          <p:nvPr/>
+        </p:nvSpPr>
+        <p:spPr>
+          <a:xfrm>
+            <a:off x="2218266" y="3462813"/>
+            <a:ext cx="811441" cy="358897"/>
+          </a:xfrm>
+          <a:prstGeom prst="rect">
+            <a:avLst/>
+          </a:prstGeom>
+          <a:solidFill>
+            <a:schemeClr val="accent4"/>
+          </a:solidFill>
+          <a:effectLst>
+            <a:outerShdw blurRad="50800" dist="38100" dir="2700000" algn="tl" rotWithShape="0">
+              <a:prstClr val="black">
+                <a:alpha val="40000"/>
+              </a:prstClr>
+            </a:outerShdw>
+          </a:effectLst>
+        </p:spPr>
+        <p:style>
+          <a:lnRef idx="2">
+            <a:schemeClr val="accent1">
+              <a:shade val="15000"/>
+            </a:schemeClr>
+          </a:lnRef>
+          <a:fillRef idx="1">
+            <a:schemeClr val="accent1"/>
+          </a:fillRef>
+          <a:effectRef idx="0">
+            <a:schemeClr val="accent1"/>
+          </a:effectRef>
+          <a:fontRef idx="minor">
+            <a:schemeClr val="lt1"/>
+          </a:fontRef>
+        </p:style>
+        <p:txBody>
+          <a:bodyPr rtlCol="0" anchor="ctr"/>
+          <a:lstStyle/>
+          <a:p>
+            <a:pPr algn="ctr"/>
+            <a:r>
+              <a:rPr lang="en-US" altLang="zh-CN" sz="1000" dirty="0">
+                <a:solidFill>
+                  <a:schemeClr val="tx1">
+                    <a:lumMod val="95000"/>
+                    <a:lumOff val="5000"/>
+                  </a:schemeClr>
+                </a:solidFill>
+                <a:latin typeface="微软雅黑" panose="020B0503020204020204" pitchFamily="34" charset="-122"/>
+                <a:ea typeface="微软雅黑" panose="020B0503020204020204" pitchFamily="34" charset="-122"/>
+              </a:rPr>
+              <a:t>d=</a:t>
+            </a:r>
+            <a:r>
+              <a:rPr lang="en-US" altLang="zh-CN" sz="1000" dirty="0" err="1">
+                <a:solidFill>
+                  <a:schemeClr val="tx1">
+                    <a:lumMod val="95000"/>
+                    <a:lumOff val="5000"/>
+                  </a:schemeClr>
+                </a:solidFill>
+                <a:latin typeface="微软雅黑" panose="020B0503020204020204" pitchFamily="34" charset="-122"/>
+                <a:ea typeface="微软雅黑" panose="020B0503020204020204" pitchFamily="34" charset="-122"/>
+              </a:rPr>
+              <a:t>b+c</a:t>
+            </a:r>
+            <a:endParaRPr lang="zh-CN" altLang="en-US" sz="1000" dirty="0">
+              <a:solidFill>
+                <a:schemeClr val="tx1">
+                  <a:lumMod val="95000"/>
+                  <a:lumOff val="5000"/>
+                </a:schemeClr>
+              </a:solidFill>
+              <a:latin typeface="微软雅黑" panose="020B0503020204020204" pitchFamily="34" charset="-122"/>
+              <a:ea typeface="微软雅黑" panose="020B0503020204020204" pitchFamily="34" charset="-122"/>
+            </a:endParaRPr>
+          </a:p>
+        </p:txBody>
+      </p:sp>
+      <p:cxnSp>
+        <p:nvCxnSpPr>
+          <p:cNvPr id="10" name="直接箭头连接符 9">
+            <a:extLst>
+              <a:ext uri="{FF2B5EF4-FFF2-40B4-BE49-F238E27FC236}">
+                <a16:creationId xmlns:a16="http://schemas.microsoft.com/office/drawing/2014/main" id="{C05BA50C-11EF-C078-B649-44BEE38D2053}"/>
+              </a:ext>
+            </a:extLst>
+          </p:cNvPr>
+          <p:cNvCxnSpPr>
+            <a:cxnSpLocks/>
+            <a:stCxn id="4" idx="2"/>
+            <a:endCxn id="5" idx="0"/>
+          </p:cNvCxnSpPr>
+          <p:nvPr/>
+        </p:nvCxnSpPr>
+        <p:spPr>
+          <a:xfrm flipH="1">
+            <a:off x="1945115" y="2462646"/>
+            <a:ext cx="678873" cy="333830"/>
+          </a:xfrm>
+          <a:prstGeom prst="straightConnector1">
+            <a:avLst/>
+          </a:prstGeom>
+          <a:ln w="12700">
+            <a:tailEnd type="triangle"/>
+          </a:ln>
+        </p:spPr>
+        <p:style>
+          <a:lnRef idx="1">
+            <a:schemeClr val="accent1"/>
+          </a:lnRef>
+          <a:fillRef idx="0">
+            <a:schemeClr val="accent1"/>
+          </a:fillRef>
+          <a:effectRef idx="0">
+            <a:schemeClr val="accent1"/>
+          </a:effectRef>
+          <a:fontRef idx="minor">
+            <a:schemeClr val="tx1"/>
+          </a:fontRef>
+        </p:style>
+      </p:cxnSp>
+      <p:cxnSp>
+        <p:nvCxnSpPr>
+          <p:cNvPr id="11" name="直接箭头连接符 10">
+            <a:extLst>
+              <a:ext uri="{FF2B5EF4-FFF2-40B4-BE49-F238E27FC236}">
+                <a16:creationId xmlns:a16="http://schemas.microsoft.com/office/drawing/2014/main" id="{04CCEC88-8501-1546-7841-C611CE80B568}"/>
+              </a:ext>
+            </a:extLst>
+          </p:cNvPr>
+          <p:cNvCxnSpPr>
+            <a:cxnSpLocks/>
+            <a:stCxn id="4" idx="2"/>
+            <a:endCxn id="7" idx="0"/>
+          </p:cNvCxnSpPr>
+          <p:nvPr/>
+        </p:nvCxnSpPr>
+        <p:spPr>
+          <a:xfrm>
+            <a:off x="2623988" y="2462646"/>
+            <a:ext cx="619991" cy="333830"/>
+          </a:xfrm>
+          <a:prstGeom prst="straightConnector1">
+            <a:avLst/>
+          </a:prstGeom>
+          <a:ln w="12700">
+            <a:tailEnd type="triangle"/>
+          </a:ln>
+        </p:spPr>
+        <p:style>
+          <a:lnRef idx="1">
+            <a:schemeClr val="accent1"/>
+          </a:lnRef>
+          <a:fillRef idx="0">
+            <a:schemeClr val="accent1"/>
+          </a:fillRef>
+          <a:effectRef idx="0">
+            <a:schemeClr val="accent1"/>
+          </a:effectRef>
+          <a:fontRef idx="minor">
+            <a:schemeClr val="tx1"/>
+          </a:fontRef>
+        </p:style>
+      </p:cxnSp>
+      <p:cxnSp>
+        <p:nvCxnSpPr>
+          <p:cNvPr id="17" name="直接箭头连接符 16">
+            <a:extLst>
+              <a:ext uri="{FF2B5EF4-FFF2-40B4-BE49-F238E27FC236}">
+                <a16:creationId xmlns:a16="http://schemas.microsoft.com/office/drawing/2014/main" id="{CF666976-929C-3D2F-E111-36BDF3E4C3DC}"/>
+              </a:ext>
+            </a:extLst>
+          </p:cNvPr>
+          <p:cNvCxnSpPr>
+            <a:cxnSpLocks/>
+            <a:stCxn id="7" idx="2"/>
+            <a:endCxn id="8" idx="0"/>
+          </p:cNvCxnSpPr>
+          <p:nvPr/>
+        </p:nvCxnSpPr>
+        <p:spPr>
+          <a:xfrm flipH="1">
+            <a:off x="2623987" y="3155373"/>
+            <a:ext cx="619992" cy="307440"/>
+          </a:xfrm>
+          <a:prstGeom prst="straightConnector1">
+            <a:avLst/>
+          </a:prstGeom>
+          <a:ln w="12700">
+            <a:tailEnd type="triangle"/>
+          </a:ln>
+        </p:spPr>
+        <p:style>
+          <a:lnRef idx="1">
+            <a:schemeClr val="accent1"/>
+          </a:lnRef>
+          <a:fillRef idx="0">
+            <a:schemeClr val="accent1"/>
+          </a:fillRef>
+          <a:effectRef idx="0">
+            <a:schemeClr val="accent1"/>
+          </a:effectRef>
+          <a:fontRef idx="minor">
+            <a:schemeClr val="tx1"/>
+          </a:fontRef>
+        </p:style>
+      </p:cxnSp>
+      <p:cxnSp>
+        <p:nvCxnSpPr>
+          <p:cNvPr id="20" name="直接箭头连接符 19">
+            <a:extLst>
+              <a:ext uri="{FF2B5EF4-FFF2-40B4-BE49-F238E27FC236}">
+                <a16:creationId xmlns:a16="http://schemas.microsoft.com/office/drawing/2014/main" id="{237AAB2C-7505-688B-233D-3308DFF6EEFE}"/>
+              </a:ext>
+            </a:extLst>
+          </p:cNvPr>
+          <p:cNvCxnSpPr>
+            <a:cxnSpLocks/>
+            <a:stCxn id="5" idx="2"/>
+            <a:endCxn id="8" idx="0"/>
+          </p:cNvCxnSpPr>
+          <p:nvPr/>
+        </p:nvCxnSpPr>
+        <p:spPr>
+          <a:xfrm>
+            <a:off x="1945115" y="3155373"/>
+            <a:ext cx="678872" cy="307440"/>
+          </a:xfrm>
+          <a:prstGeom prst="straightConnector1">
+            <a:avLst/>
+          </a:prstGeom>
+          <a:ln w="12700">
+            <a:tailEnd type="triangle"/>
+          </a:ln>
+        </p:spPr>
+        <p:style>
+          <a:lnRef idx="1">
+            <a:schemeClr val="accent1"/>
+          </a:lnRef>
+          <a:fillRef idx="0">
+            <a:schemeClr val="accent1"/>
+          </a:fillRef>
+          <a:effectRef idx="0">
+            <a:schemeClr val="accent1"/>
+          </a:effectRef>
+          <a:fontRef idx="minor">
+            <a:schemeClr val="tx1"/>
+          </a:fontRef>
+        </p:style>
+      </p:cxnSp>
+      <p:sp>
+        <p:nvSpPr>
+          <p:cNvPr id="13" name="文本框 12">
+            <a:extLst>
+              <a:ext uri="{FF2B5EF4-FFF2-40B4-BE49-F238E27FC236}">
+                <a16:creationId xmlns:a16="http://schemas.microsoft.com/office/drawing/2014/main" id="{EC273B49-CC03-AEA1-89AA-F796031A8107}"/>
+              </a:ext>
+            </a:extLst>
+          </p:cNvPr>
+          <p:cNvSpPr txBox="1"/>
+          <p:nvPr/>
+        </p:nvSpPr>
+        <p:spPr>
+          <a:xfrm>
+            <a:off x="3033824" y="2155206"/>
+            <a:ext cx="420308" cy="246221"/>
+          </a:xfrm>
+          <a:prstGeom prst="rect">
+            <a:avLst/>
+          </a:prstGeom>
+          <a:noFill/>
+        </p:spPr>
+        <p:txBody>
+          <a:bodyPr wrap="none" rtlCol="0">
+            <a:spAutoFit/>
+          </a:bodyPr>
+          <a:lstStyle/>
+          <a:p>
+            <a:r>
+              <a:rPr lang="en-US" altLang="zh-CN" sz="1000" dirty="0">
+                <a:latin typeface="微软雅黑" panose="020B0503020204020204" pitchFamily="34" charset="-122"/>
+                <a:ea typeface="微软雅黑" panose="020B0503020204020204" pitchFamily="34" charset="-122"/>
+              </a:rPr>
+              <a:t>BB1</a:t>
+            </a:r>
+            <a:endParaRPr lang="zh-CN" altLang="en-US" sz="1000" dirty="0">
+              <a:latin typeface="微软雅黑" panose="020B0503020204020204" pitchFamily="34" charset="-122"/>
+              <a:ea typeface="微软雅黑" panose="020B0503020204020204" pitchFamily="34" charset="-122"/>
+            </a:endParaRPr>
+          </a:p>
+        </p:txBody>
+      </p:sp>
+      <p:sp>
+        <p:nvSpPr>
+          <p:cNvPr id="15" name="文本框 14">
+            <a:extLst>
+              <a:ext uri="{FF2B5EF4-FFF2-40B4-BE49-F238E27FC236}">
+                <a16:creationId xmlns:a16="http://schemas.microsoft.com/office/drawing/2014/main" id="{68A71524-0231-4C2C-B35F-64860A71CCC2}"/>
+              </a:ext>
+            </a:extLst>
+          </p:cNvPr>
+          <p:cNvSpPr txBox="1"/>
+          <p:nvPr/>
+        </p:nvSpPr>
+        <p:spPr>
+          <a:xfrm>
+            <a:off x="3716814" y="2852813"/>
+            <a:ext cx="420308" cy="246221"/>
+          </a:xfrm>
+          <a:prstGeom prst="rect">
+            <a:avLst/>
+          </a:prstGeom>
+          <a:noFill/>
+        </p:spPr>
+        <p:txBody>
+          <a:bodyPr wrap="none" rtlCol="0">
+            <a:spAutoFit/>
+          </a:bodyPr>
+          <a:lstStyle/>
+          <a:p>
+            <a:r>
+              <a:rPr lang="en-US" altLang="zh-CN" sz="1000" dirty="0">
+                <a:latin typeface="微软雅黑" panose="020B0503020204020204" pitchFamily="34" charset="-122"/>
+                <a:ea typeface="微软雅黑" panose="020B0503020204020204" pitchFamily="34" charset="-122"/>
+              </a:rPr>
+              <a:t>BB3</a:t>
+            </a:r>
+            <a:endParaRPr lang="zh-CN" altLang="en-US" sz="1000" dirty="0">
+              <a:latin typeface="微软雅黑" panose="020B0503020204020204" pitchFamily="34" charset="-122"/>
+              <a:ea typeface="微软雅黑" panose="020B0503020204020204" pitchFamily="34" charset="-122"/>
+            </a:endParaRPr>
+          </a:p>
+        </p:txBody>
+      </p:sp>
+      <p:sp>
+        <p:nvSpPr>
+          <p:cNvPr id="16" name="文本框 15">
+            <a:extLst>
+              <a:ext uri="{FF2B5EF4-FFF2-40B4-BE49-F238E27FC236}">
+                <a16:creationId xmlns:a16="http://schemas.microsoft.com/office/drawing/2014/main" id="{C2C4A7A6-44E8-9773-B9EC-4D4FBCB6EFB5}"/>
+              </a:ext>
+            </a:extLst>
+          </p:cNvPr>
+          <p:cNvSpPr txBox="1"/>
+          <p:nvPr/>
+        </p:nvSpPr>
+        <p:spPr>
+          <a:xfrm>
+            <a:off x="3029707" y="3557250"/>
+            <a:ext cx="420308" cy="246221"/>
+          </a:xfrm>
+          <a:prstGeom prst="rect">
+            <a:avLst/>
+          </a:prstGeom>
+          <a:noFill/>
+        </p:spPr>
+        <p:txBody>
+          <a:bodyPr wrap="none" rtlCol="0">
+            <a:spAutoFit/>
+          </a:bodyPr>
+          <a:lstStyle/>
+          <a:p>
+            <a:r>
+              <a:rPr lang="en-US" altLang="zh-CN" sz="1000" dirty="0">
+                <a:latin typeface="微软雅黑" panose="020B0503020204020204" pitchFamily="34" charset="-122"/>
+                <a:ea typeface="微软雅黑" panose="020B0503020204020204" pitchFamily="34" charset="-122"/>
+              </a:rPr>
+              <a:t>BB4</a:t>
+            </a:r>
+            <a:endParaRPr lang="zh-CN" altLang="en-US" sz="1000" dirty="0">
+              <a:latin typeface="微软雅黑" panose="020B0503020204020204" pitchFamily="34" charset="-122"/>
+              <a:ea typeface="微软雅黑" panose="020B0503020204020204" pitchFamily="34" charset="-122"/>
+            </a:endParaRPr>
+          </a:p>
+        </p:txBody>
+      </p:sp>
+      <p:sp>
+        <p:nvSpPr>
+          <p:cNvPr id="18" name="文本框 17">
+            <a:extLst>
+              <a:ext uri="{FF2B5EF4-FFF2-40B4-BE49-F238E27FC236}">
+                <a16:creationId xmlns:a16="http://schemas.microsoft.com/office/drawing/2014/main" id="{36512FD0-3645-A7FD-C956-B9D17B591199}"/>
+              </a:ext>
+            </a:extLst>
+          </p:cNvPr>
+          <p:cNvSpPr txBox="1"/>
+          <p:nvPr/>
+        </p:nvSpPr>
+        <p:spPr>
+          <a:xfrm>
+            <a:off x="1104159" y="2855355"/>
+            <a:ext cx="420308" cy="246221"/>
+          </a:xfrm>
+          <a:prstGeom prst="rect">
+            <a:avLst/>
+          </a:prstGeom>
+          <a:noFill/>
+        </p:spPr>
+        <p:txBody>
+          <a:bodyPr wrap="none" rtlCol="0">
+            <a:spAutoFit/>
+          </a:bodyPr>
+          <a:lstStyle/>
+          <a:p>
+            <a:r>
+              <a:rPr lang="en-US" altLang="zh-CN" sz="1000" dirty="0">
+                <a:latin typeface="微软雅黑" panose="020B0503020204020204" pitchFamily="34" charset="-122"/>
+                <a:ea typeface="微软雅黑" panose="020B0503020204020204" pitchFamily="34" charset="-122"/>
+              </a:rPr>
+              <a:t>BB2</a:t>
+            </a:r>
+            <a:endParaRPr lang="zh-CN" altLang="en-US" sz="1000" dirty="0">
+              <a:latin typeface="微软雅黑" panose="020B0503020204020204" pitchFamily="34" charset="-122"/>
+              <a:ea typeface="微软雅黑" panose="020B0503020204020204" pitchFamily="34" charset="-122"/>
+            </a:endParaRPr>
+          </a:p>
+        </p:txBody>
+      </p:sp>
+      <p:sp>
+        <p:nvSpPr>
+          <p:cNvPr id="2" name="箭头: 右 1">
+            <a:extLst>
+              <a:ext uri="{FF2B5EF4-FFF2-40B4-BE49-F238E27FC236}">
+                <a16:creationId xmlns:a16="http://schemas.microsoft.com/office/drawing/2014/main" id="{309E6F5B-61FA-206D-963B-A971839F3E70}"/>
+              </a:ext>
+            </a:extLst>
+          </p:cNvPr>
+          <p:cNvSpPr/>
+          <p:nvPr/>
+        </p:nvSpPr>
+        <p:spPr>
+          <a:xfrm>
+            <a:off x="4353791" y="2824643"/>
+            <a:ext cx="811441" cy="302560"/>
+          </a:xfrm>
+          <a:prstGeom prst="rightArrow">
+            <a:avLst/>
+          </a:prstGeom>
+          <a:solidFill>
+            <a:schemeClr val="bg1">
+              <a:lumMod val="85000"/>
+            </a:schemeClr>
+          </a:solidFill>
+          <a:ln>
+            <a:noFill/>
+          </a:ln>
+          <a:effectLst>
+            <a:outerShdw blurRad="50800" dist="38100" dir="2700000" algn="tl" rotWithShape="0">
+              <a:prstClr val="black">
+                <a:alpha val="40000"/>
+              </a:prstClr>
+            </a:outerShdw>
+          </a:effectLst>
+        </p:spPr>
+        <p:style>
+          <a:lnRef idx="2">
+            <a:schemeClr val="accent1">
+              <a:shade val="15000"/>
+            </a:schemeClr>
+          </a:lnRef>
+          <a:fillRef idx="1">
+            <a:schemeClr val="accent1"/>
+          </a:fillRef>
+          <a:effectRef idx="0">
+            <a:schemeClr val="accent1"/>
+          </a:effectRef>
+          <a:fontRef idx="minor">
+            <a:schemeClr val="lt1"/>
+          </a:fontRef>
+        </p:style>
+        <p:txBody>
+          <a:bodyPr rtlCol="0" anchor="ctr"/>
+          <a:lstStyle/>
+          <a:p>
+            <a:pPr algn="ctr"/>
+            <a:endParaRPr lang="zh-CN" altLang="en-US"/>
+          </a:p>
+        </p:txBody>
+      </p:sp>
+      <p:sp>
+        <p:nvSpPr>
+          <p:cNvPr id="3" name="矩形 2">
+            <a:extLst>
+              <a:ext uri="{FF2B5EF4-FFF2-40B4-BE49-F238E27FC236}">
+                <a16:creationId xmlns:a16="http://schemas.microsoft.com/office/drawing/2014/main" id="{356DECA4-359F-23CD-89E0-9ED9B233FDB7}"/>
+              </a:ext>
+            </a:extLst>
+          </p:cNvPr>
+          <p:cNvSpPr/>
+          <p:nvPr/>
+        </p:nvSpPr>
+        <p:spPr>
+          <a:xfrm>
+            <a:off x="6496009" y="2101604"/>
+            <a:ext cx="811441" cy="358897"/>
+          </a:xfrm>
+          <a:prstGeom prst="rect">
+            <a:avLst/>
+          </a:prstGeom>
+          <a:solidFill>
+            <a:schemeClr val="accent4"/>
+          </a:solidFill>
+          <a:effectLst>
+            <a:outerShdw blurRad="50800" dist="38100" dir="2700000" algn="tl" rotWithShape="0">
+              <a:prstClr val="black">
+                <a:alpha val="40000"/>
+              </a:prstClr>
+            </a:outerShdw>
+          </a:effectLst>
+        </p:spPr>
+        <p:style>
+          <a:lnRef idx="2">
+            <a:schemeClr val="accent1">
+              <a:shade val="15000"/>
+            </a:schemeClr>
+          </a:lnRef>
+          <a:fillRef idx="1">
+            <a:schemeClr val="accent1"/>
+          </a:fillRef>
+          <a:effectRef idx="0">
+            <a:schemeClr val="accent1"/>
+          </a:effectRef>
+          <a:fontRef idx="minor">
+            <a:schemeClr val="lt1"/>
+          </a:fontRef>
+        </p:style>
+        <p:txBody>
+          <a:bodyPr rtlCol="0" anchor="ctr"/>
+          <a:lstStyle/>
+          <a:p>
+            <a:pPr algn="ctr"/>
+            <a:endParaRPr lang="zh-CN" altLang="en-US" sz="1000" dirty="0">
+              <a:solidFill>
+                <a:schemeClr val="tx1">
+                  <a:lumMod val="95000"/>
+                  <a:lumOff val="5000"/>
+                </a:schemeClr>
+              </a:solidFill>
+              <a:latin typeface="微软雅黑" panose="020B0503020204020204" pitchFamily="34" charset="-122"/>
+              <a:ea typeface="微软雅黑" panose="020B0503020204020204" pitchFamily="34" charset="-122"/>
+            </a:endParaRPr>
+          </a:p>
+        </p:txBody>
+      </p:sp>
+      <p:sp>
+        <p:nvSpPr>
+          <p:cNvPr id="6" name="矩形 5">
+            <a:extLst>
+              <a:ext uri="{FF2B5EF4-FFF2-40B4-BE49-F238E27FC236}">
+                <a16:creationId xmlns:a16="http://schemas.microsoft.com/office/drawing/2014/main" id="{709A698E-D675-A401-8419-7A2FE1AB085E}"/>
+              </a:ext>
+            </a:extLst>
+          </p:cNvPr>
+          <p:cNvSpPr/>
+          <p:nvPr/>
+        </p:nvSpPr>
+        <p:spPr>
+          <a:xfrm>
+            <a:off x="5817136" y="2794331"/>
+            <a:ext cx="811441" cy="358897"/>
+          </a:xfrm>
+          <a:prstGeom prst="rect">
+            <a:avLst/>
+          </a:prstGeom>
+          <a:solidFill>
+            <a:schemeClr val="accent4"/>
+          </a:solidFill>
+          <a:effectLst>
+            <a:outerShdw blurRad="50800" dist="38100" dir="2700000" algn="tl" rotWithShape="0">
+              <a:prstClr val="black">
+                <a:alpha val="40000"/>
+              </a:prstClr>
+            </a:outerShdw>
+          </a:effectLst>
+        </p:spPr>
+        <p:style>
+          <a:lnRef idx="2">
+            <a:schemeClr val="accent1">
+              <a:shade val="15000"/>
+            </a:schemeClr>
+          </a:lnRef>
+          <a:fillRef idx="1">
+            <a:schemeClr val="accent1"/>
+          </a:fillRef>
+          <a:effectRef idx="0">
+            <a:schemeClr val="accent1"/>
+          </a:effectRef>
+          <a:fontRef idx="minor">
+            <a:schemeClr val="lt1"/>
+          </a:fontRef>
+        </p:style>
+        <p:txBody>
+          <a:bodyPr rtlCol="0" anchor="ctr"/>
+          <a:lstStyle/>
+          <a:p>
+            <a:pPr algn="ctr"/>
+            <a:r>
+              <a:rPr lang="en-US" altLang="zh-CN" sz="1000" dirty="0">
+                <a:solidFill>
+                  <a:schemeClr val="tx1">
+                    <a:lumMod val="95000"/>
+                    <a:lumOff val="5000"/>
+                  </a:schemeClr>
+                </a:solidFill>
+                <a:latin typeface="微软雅黑" panose="020B0503020204020204" pitchFamily="34" charset="-122"/>
+                <a:ea typeface="微软雅黑" panose="020B0503020204020204" pitchFamily="34" charset="-122"/>
+              </a:rPr>
+              <a:t>t1=</a:t>
+            </a:r>
+            <a:r>
+              <a:rPr lang="en-US" altLang="zh-CN" sz="1000" dirty="0" err="1">
+                <a:solidFill>
+                  <a:schemeClr val="tx1">
+                    <a:lumMod val="95000"/>
+                    <a:lumOff val="5000"/>
+                  </a:schemeClr>
+                </a:solidFill>
+                <a:latin typeface="微软雅黑" panose="020B0503020204020204" pitchFamily="34" charset="-122"/>
+                <a:ea typeface="微软雅黑" panose="020B0503020204020204" pitchFamily="34" charset="-122"/>
+              </a:rPr>
+              <a:t>b+c</a:t>
+            </a:r>
+            <a:endParaRPr lang="en-US" altLang="zh-CN" sz="1000" dirty="0">
+              <a:solidFill>
+                <a:schemeClr val="tx1">
+                  <a:lumMod val="95000"/>
+                  <a:lumOff val="5000"/>
+                </a:schemeClr>
+              </a:solidFill>
+              <a:latin typeface="微软雅黑" panose="020B0503020204020204" pitchFamily="34" charset="-122"/>
+              <a:ea typeface="微软雅黑" panose="020B0503020204020204" pitchFamily="34" charset="-122"/>
+            </a:endParaRPr>
+          </a:p>
+          <a:p>
+            <a:pPr algn="ctr"/>
+            <a:r>
+              <a:rPr lang="en-US" altLang="zh-CN" sz="1000" dirty="0">
+                <a:solidFill>
+                  <a:schemeClr val="tx1">
+                    <a:lumMod val="95000"/>
+                    <a:lumOff val="5000"/>
+                  </a:schemeClr>
+                </a:solidFill>
+                <a:latin typeface="微软雅黑" panose="020B0503020204020204" pitchFamily="34" charset="-122"/>
+                <a:ea typeface="微软雅黑" panose="020B0503020204020204" pitchFamily="34" charset="-122"/>
+              </a:rPr>
+              <a:t>a=t1</a:t>
+            </a:r>
+            <a:endParaRPr lang="zh-CN" altLang="en-US" sz="1000" dirty="0">
+              <a:solidFill>
+                <a:schemeClr val="tx1">
+                  <a:lumMod val="95000"/>
+                  <a:lumOff val="5000"/>
+                </a:schemeClr>
+              </a:solidFill>
+              <a:latin typeface="微软雅黑" panose="020B0503020204020204" pitchFamily="34" charset="-122"/>
+              <a:ea typeface="微软雅黑" panose="020B0503020204020204" pitchFamily="34" charset="-122"/>
+            </a:endParaRPr>
+          </a:p>
+        </p:txBody>
+      </p:sp>
+      <p:sp>
+        <p:nvSpPr>
+          <p:cNvPr id="9" name="矩形 8">
+            <a:extLst>
+              <a:ext uri="{FF2B5EF4-FFF2-40B4-BE49-F238E27FC236}">
+                <a16:creationId xmlns:a16="http://schemas.microsoft.com/office/drawing/2014/main" id="{8AC04DA6-7427-B020-E39F-CD20BC6F469D}"/>
+              </a:ext>
+            </a:extLst>
+          </p:cNvPr>
+          <p:cNvSpPr/>
+          <p:nvPr/>
+        </p:nvSpPr>
+        <p:spPr>
+          <a:xfrm>
+            <a:off x="7116000" y="2794331"/>
+            <a:ext cx="811441" cy="358897"/>
+          </a:xfrm>
+          <a:prstGeom prst="rect">
+            <a:avLst/>
+          </a:prstGeom>
+          <a:solidFill>
+            <a:schemeClr val="accent4"/>
+          </a:solidFill>
+          <a:effectLst>
+            <a:outerShdw blurRad="50800" dist="38100" dir="2700000" algn="tl" rotWithShape="0">
+              <a:prstClr val="black">
+                <a:alpha val="40000"/>
+              </a:prstClr>
+            </a:outerShdw>
+          </a:effectLst>
+        </p:spPr>
+        <p:style>
+          <a:lnRef idx="2">
+            <a:schemeClr val="accent1">
+              <a:shade val="15000"/>
+            </a:schemeClr>
+          </a:lnRef>
+          <a:fillRef idx="1">
+            <a:schemeClr val="accent1"/>
+          </a:fillRef>
+          <a:effectRef idx="0">
+            <a:schemeClr val="accent1"/>
+          </a:effectRef>
+          <a:fontRef idx="minor">
+            <a:schemeClr val="lt1"/>
+          </a:fontRef>
+        </p:style>
+        <p:txBody>
+          <a:bodyPr rtlCol="0" anchor="ctr"/>
+          <a:lstStyle/>
+          <a:p>
+            <a:pPr algn="ctr"/>
+            <a:r>
+              <a:rPr lang="en-US" altLang="zh-CN" sz="1000" dirty="0">
+                <a:solidFill>
+                  <a:schemeClr val="tx1">
+                    <a:lumMod val="95000"/>
+                    <a:lumOff val="5000"/>
+                  </a:schemeClr>
+                </a:solidFill>
+                <a:latin typeface="微软雅黑" panose="020B0503020204020204" pitchFamily="34" charset="-122"/>
+                <a:ea typeface="微软雅黑" panose="020B0503020204020204" pitchFamily="34" charset="-122"/>
+              </a:rPr>
+              <a:t>t2=</a:t>
+            </a:r>
+            <a:r>
+              <a:rPr lang="en-US" altLang="zh-CN" sz="1000" dirty="0" err="1">
+                <a:solidFill>
+                  <a:schemeClr val="tx1">
+                    <a:lumMod val="95000"/>
+                    <a:lumOff val="5000"/>
+                  </a:schemeClr>
+                </a:solidFill>
+                <a:latin typeface="微软雅黑" panose="020B0503020204020204" pitchFamily="34" charset="-122"/>
+                <a:ea typeface="微软雅黑" panose="020B0503020204020204" pitchFamily="34" charset="-122"/>
+              </a:rPr>
+              <a:t>b+c</a:t>
+            </a:r>
+            <a:endParaRPr lang="zh-CN" altLang="en-US" sz="1000" dirty="0">
+              <a:solidFill>
+                <a:schemeClr val="tx1">
+                  <a:lumMod val="95000"/>
+                  <a:lumOff val="5000"/>
+                </a:schemeClr>
+              </a:solidFill>
+              <a:latin typeface="微软雅黑" panose="020B0503020204020204" pitchFamily="34" charset="-122"/>
+              <a:ea typeface="微软雅黑" panose="020B0503020204020204" pitchFamily="34" charset="-122"/>
+            </a:endParaRPr>
+          </a:p>
+        </p:txBody>
+      </p:sp>
+      <p:sp>
+        <p:nvSpPr>
+          <p:cNvPr id="12" name="矩形 11">
+            <a:extLst>
+              <a:ext uri="{FF2B5EF4-FFF2-40B4-BE49-F238E27FC236}">
+                <a16:creationId xmlns:a16="http://schemas.microsoft.com/office/drawing/2014/main" id="{9BEC4FA6-CEC8-6901-E0CA-084ACF93D5F1}"/>
+              </a:ext>
+            </a:extLst>
+          </p:cNvPr>
+          <p:cNvSpPr/>
+          <p:nvPr/>
+        </p:nvSpPr>
+        <p:spPr>
+          <a:xfrm>
+            <a:off x="6359433" y="3487058"/>
+            <a:ext cx="1084592" cy="358897"/>
+          </a:xfrm>
+          <a:prstGeom prst="rect">
+            <a:avLst/>
+          </a:prstGeom>
+          <a:solidFill>
+            <a:schemeClr val="accent4"/>
+          </a:solidFill>
+          <a:effectLst>
+            <a:outerShdw blurRad="50800" dist="38100" dir="2700000" algn="tl" rotWithShape="0">
+              <a:prstClr val="black">
+                <a:alpha val="40000"/>
+              </a:prstClr>
+            </a:outerShdw>
+          </a:effectLst>
+        </p:spPr>
+        <p:style>
+          <a:lnRef idx="2">
+            <a:schemeClr val="accent1">
+              <a:shade val="15000"/>
+            </a:schemeClr>
+          </a:lnRef>
+          <a:fillRef idx="1">
+            <a:schemeClr val="accent1"/>
+          </a:fillRef>
+          <a:effectRef idx="0">
+            <a:schemeClr val="accent1"/>
+          </a:effectRef>
+          <a:fontRef idx="minor">
+            <a:schemeClr val="lt1"/>
+          </a:fontRef>
+        </p:style>
+        <p:txBody>
+          <a:bodyPr rtlCol="0" anchor="ctr"/>
+          <a:lstStyle/>
+          <a:p>
+            <a:pPr algn="ctr"/>
+            <a:r>
+              <a:rPr lang="en-US" altLang="zh-CN" sz="1000" dirty="0">
+                <a:solidFill>
+                  <a:schemeClr val="tx1">
+                    <a:lumMod val="95000"/>
+                    <a:lumOff val="5000"/>
+                  </a:schemeClr>
+                </a:solidFill>
+                <a:latin typeface="微软雅黑" panose="020B0503020204020204" pitchFamily="34" charset="-122"/>
+                <a:ea typeface="微软雅黑" panose="020B0503020204020204" pitchFamily="34" charset="-122"/>
+              </a:rPr>
+              <a:t>t3=phi(t1,t2)</a:t>
+            </a:r>
+          </a:p>
+          <a:p>
+            <a:pPr algn="ctr"/>
+            <a:r>
+              <a:rPr lang="en-US" altLang="zh-CN" sz="1000" dirty="0">
+                <a:solidFill>
+                  <a:schemeClr val="tx1">
+                    <a:lumMod val="95000"/>
+                    <a:lumOff val="5000"/>
+                  </a:schemeClr>
+                </a:solidFill>
+                <a:latin typeface="微软雅黑" panose="020B0503020204020204" pitchFamily="34" charset="-122"/>
+                <a:ea typeface="微软雅黑" panose="020B0503020204020204" pitchFamily="34" charset="-122"/>
+              </a:rPr>
+              <a:t>d=t3</a:t>
+            </a:r>
+            <a:endParaRPr lang="zh-CN" altLang="en-US" sz="1000" dirty="0">
+              <a:solidFill>
+                <a:schemeClr val="tx1">
+                  <a:lumMod val="95000"/>
+                  <a:lumOff val="5000"/>
+                </a:schemeClr>
+              </a:solidFill>
+              <a:latin typeface="微软雅黑" panose="020B0503020204020204" pitchFamily="34" charset="-122"/>
+              <a:ea typeface="微软雅黑" panose="020B0503020204020204" pitchFamily="34" charset="-122"/>
+            </a:endParaRPr>
+          </a:p>
+        </p:txBody>
+      </p:sp>
+      <p:cxnSp>
+        <p:nvCxnSpPr>
+          <p:cNvPr id="14" name="直接箭头连接符 13">
+            <a:extLst>
+              <a:ext uri="{FF2B5EF4-FFF2-40B4-BE49-F238E27FC236}">
+                <a16:creationId xmlns:a16="http://schemas.microsoft.com/office/drawing/2014/main" id="{CAC323CB-76F7-0C85-2E41-ECD29ED7BD06}"/>
+              </a:ext>
+            </a:extLst>
+          </p:cNvPr>
+          <p:cNvCxnSpPr>
+            <a:cxnSpLocks/>
+            <a:stCxn id="3" idx="2"/>
+            <a:endCxn id="6" idx="0"/>
+          </p:cNvCxnSpPr>
+          <p:nvPr/>
+        </p:nvCxnSpPr>
+        <p:spPr>
+          <a:xfrm flipH="1">
+            <a:off x="6222857" y="2460501"/>
+            <a:ext cx="678873" cy="333830"/>
+          </a:xfrm>
+          <a:prstGeom prst="straightConnector1">
+            <a:avLst/>
+          </a:prstGeom>
+          <a:ln w="12700">
+            <a:tailEnd type="triangle"/>
+          </a:ln>
+        </p:spPr>
+        <p:style>
+          <a:lnRef idx="1">
+            <a:schemeClr val="accent1"/>
+          </a:lnRef>
+          <a:fillRef idx="0">
+            <a:schemeClr val="accent1"/>
+          </a:fillRef>
+          <a:effectRef idx="0">
+            <a:schemeClr val="accent1"/>
+          </a:effectRef>
+          <a:fontRef idx="minor">
+            <a:schemeClr val="tx1"/>
+          </a:fontRef>
+        </p:style>
+      </p:cxnSp>
+      <p:cxnSp>
+        <p:nvCxnSpPr>
+          <p:cNvPr id="21" name="直接箭头连接符 20">
+            <a:extLst>
+              <a:ext uri="{FF2B5EF4-FFF2-40B4-BE49-F238E27FC236}">
+                <a16:creationId xmlns:a16="http://schemas.microsoft.com/office/drawing/2014/main" id="{865D300E-DD54-F3D1-FDE2-93268950E817}"/>
+              </a:ext>
+            </a:extLst>
+          </p:cNvPr>
+          <p:cNvCxnSpPr>
+            <a:cxnSpLocks/>
+            <a:stCxn id="3" idx="2"/>
+            <a:endCxn id="9" idx="0"/>
+          </p:cNvCxnSpPr>
+          <p:nvPr/>
+        </p:nvCxnSpPr>
+        <p:spPr>
+          <a:xfrm>
+            <a:off x="6901730" y="2460501"/>
+            <a:ext cx="619991" cy="333830"/>
+          </a:xfrm>
+          <a:prstGeom prst="straightConnector1">
+            <a:avLst/>
+          </a:prstGeom>
+          <a:ln w="12700">
+            <a:tailEnd type="triangle"/>
+          </a:ln>
+        </p:spPr>
+        <p:style>
+          <a:lnRef idx="1">
+            <a:schemeClr val="accent1"/>
+          </a:lnRef>
+          <a:fillRef idx="0">
+            <a:schemeClr val="accent1"/>
+          </a:fillRef>
+          <a:effectRef idx="0">
+            <a:schemeClr val="accent1"/>
+          </a:effectRef>
+          <a:fontRef idx="minor">
+            <a:schemeClr val="tx1"/>
+          </a:fontRef>
+        </p:style>
+      </p:cxnSp>
+      <p:cxnSp>
+        <p:nvCxnSpPr>
+          <p:cNvPr id="22" name="直接箭头连接符 21">
+            <a:extLst>
+              <a:ext uri="{FF2B5EF4-FFF2-40B4-BE49-F238E27FC236}">
+                <a16:creationId xmlns:a16="http://schemas.microsoft.com/office/drawing/2014/main" id="{F543DFB3-3E0E-DB0D-FEF6-492C65C652BC}"/>
+              </a:ext>
+            </a:extLst>
+          </p:cNvPr>
+          <p:cNvCxnSpPr>
+            <a:cxnSpLocks/>
+            <a:stCxn id="9" idx="2"/>
+            <a:endCxn id="12" idx="0"/>
+          </p:cNvCxnSpPr>
+          <p:nvPr/>
+        </p:nvCxnSpPr>
+        <p:spPr>
+          <a:xfrm flipH="1">
+            <a:off x="6901729" y="3153228"/>
+            <a:ext cx="619992" cy="333830"/>
+          </a:xfrm>
+          <a:prstGeom prst="straightConnector1">
+            <a:avLst/>
+          </a:prstGeom>
+          <a:ln w="12700">
+            <a:tailEnd type="triangle"/>
+          </a:ln>
+        </p:spPr>
+        <p:style>
+          <a:lnRef idx="1">
+            <a:schemeClr val="accent1"/>
+          </a:lnRef>
+          <a:fillRef idx="0">
+            <a:schemeClr val="accent1"/>
+          </a:fillRef>
+          <a:effectRef idx="0">
+            <a:schemeClr val="accent1"/>
+          </a:effectRef>
+          <a:fontRef idx="minor">
+            <a:schemeClr val="tx1"/>
+          </a:fontRef>
+        </p:style>
+      </p:cxnSp>
+      <p:cxnSp>
+        <p:nvCxnSpPr>
+          <p:cNvPr id="23" name="直接箭头连接符 22">
+            <a:extLst>
+              <a:ext uri="{FF2B5EF4-FFF2-40B4-BE49-F238E27FC236}">
+                <a16:creationId xmlns:a16="http://schemas.microsoft.com/office/drawing/2014/main" id="{5D94D1B9-F9F0-054A-CC6D-450924148E5D}"/>
+              </a:ext>
+            </a:extLst>
+          </p:cNvPr>
+          <p:cNvCxnSpPr>
+            <a:cxnSpLocks/>
+            <a:stCxn id="6" idx="2"/>
+            <a:endCxn id="12" idx="0"/>
+          </p:cNvCxnSpPr>
+          <p:nvPr/>
+        </p:nvCxnSpPr>
+        <p:spPr>
+          <a:xfrm>
+            <a:off x="6222857" y="3153228"/>
+            <a:ext cx="678872" cy="333830"/>
+          </a:xfrm>
+          <a:prstGeom prst="straightConnector1">
+            <a:avLst/>
+          </a:prstGeom>
+          <a:ln w="12700">
+            <a:tailEnd type="triangle"/>
+          </a:ln>
+        </p:spPr>
+        <p:style>
+          <a:lnRef idx="1">
+            <a:schemeClr val="accent1"/>
+          </a:lnRef>
+          <a:fillRef idx="0">
+            <a:schemeClr val="accent1"/>
+          </a:fillRef>
+          <a:effectRef idx="0">
+            <a:schemeClr val="accent1"/>
+          </a:effectRef>
+          <a:fontRef idx="minor">
+            <a:schemeClr val="tx1"/>
+          </a:fontRef>
+        </p:style>
+      </p:cxnSp>
+      <p:sp>
+        <p:nvSpPr>
+          <p:cNvPr id="24" name="文本框 23">
+            <a:extLst>
+              <a:ext uri="{FF2B5EF4-FFF2-40B4-BE49-F238E27FC236}">
+                <a16:creationId xmlns:a16="http://schemas.microsoft.com/office/drawing/2014/main" id="{C79C7D8F-A91C-02E4-6FC8-948484698789}"/>
+              </a:ext>
+            </a:extLst>
+          </p:cNvPr>
+          <p:cNvSpPr txBox="1"/>
+          <p:nvPr/>
+        </p:nvSpPr>
+        <p:spPr>
+          <a:xfrm>
+            <a:off x="7311566" y="2153061"/>
+            <a:ext cx="420308" cy="246221"/>
+          </a:xfrm>
+          <a:prstGeom prst="rect">
+            <a:avLst/>
+          </a:prstGeom>
+          <a:noFill/>
+        </p:spPr>
+        <p:txBody>
+          <a:bodyPr wrap="none" rtlCol="0">
+            <a:spAutoFit/>
+          </a:bodyPr>
+          <a:lstStyle/>
+          <a:p>
+            <a:r>
+              <a:rPr lang="en-US" altLang="zh-CN" sz="1000" dirty="0">
+                <a:latin typeface="微软雅黑" panose="020B0503020204020204" pitchFamily="34" charset="-122"/>
+                <a:ea typeface="微软雅黑" panose="020B0503020204020204" pitchFamily="34" charset="-122"/>
+              </a:rPr>
+              <a:t>BB1</a:t>
+            </a:r>
+            <a:endParaRPr lang="zh-CN" altLang="en-US" sz="1000" dirty="0">
+              <a:latin typeface="微软雅黑" panose="020B0503020204020204" pitchFamily="34" charset="-122"/>
+              <a:ea typeface="微软雅黑" panose="020B0503020204020204" pitchFamily="34" charset="-122"/>
+            </a:endParaRPr>
+          </a:p>
+        </p:txBody>
+      </p:sp>
+      <p:sp>
+        <p:nvSpPr>
+          <p:cNvPr id="25" name="文本框 24">
+            <a:extLst>
+              <a:ext uri="{FF2B5EF4-FFF2-40B4-BE49-F238E27FC236}">
+                <a16:creationId xmlns:a16="http://schemas.microsoft.com/office/drawing/2014/main" id="{162864DC-1AD4-1161-C51C-45D1EE311D9D}"/>
+              </a:ext>
+            </a:extLst>
+          </p:cNvPr>
+          <p:cNvSpPr txBox="1"/>
+          <p:nvPr/>
+        </p:nvSpPr>
+        <p:spPr>
+          <a:xfrm>
+            <a:off x="7994556" y="2850668"/>
+            <a:ext cx="420308" cy="246221"/>
+          </a:xfrm>
+          <a:prstGeom prst="rect">
+            <a:avLst/>
+          </a:prstGeom>
+          <a:noFill/>
+        </p:spPr>
+        <p:txBody>
+          <a:bodyPr wrap="none" rtlCol="0">
+            <a:spAutoFit/>
+          </a:bodyPr>
+          <a:lstStyle/>
+          <a:p>
+            <a:r>
+              <a:rPr lang="en-US" altLang="zh-CN" sz="1000" dirty="0">
+                <a:latin typeface="微软雅黑" panose="020B0503020204020204" pitchFamily="34" charset="-122"/>
+                <a:ea typeface="微软雅黑" panose="020B0503020204020204" pitchFamily="34" charset="-122"/>
+              </a:rPr>
+              <a:t>BB3</a:t>
+            </a:r>
+            <a:endParaRPr lang="zh-CN" altLang="en-US" sz="1000" dirty="0">
+              <a:latin typeface="微软雅黑" panose="020B0503020204020204" pitchFamily="34" charset="-122"/>
+              <a:ea typeface="微软雅黑" panose="020B0503020204020204" pitchFamily="34" charset="-122"/>
+            </a:endParaRPr>
+          </a:p>
+        </p:txBody>
+      </p:sp>
+      <p:sp>
+        <p:nvSpPr>
+          <p:cNvPr id="26" name="文本框 25">
+            <a:extLst>
+              <a:ext uri="{FF2B5EF4-FFF2-40B4-BE49-F238E27FC236}">
+                <a16:creationId xmlns:a16="http://schemas.microsoft.com/office/drawing/2014/main" id="{B79B27BE-D353-F1F0-8585-E43857104F97}"/>
+              </a:ext>
+            </a:extLst>
+          </p:cNvPr>
+          <p:cNvSpPr txBox="1"/>
+          <p:nvPr/>
+        </p:nvSpPr>
+        <p:spPr>
+          <a:xfrm>
+            <a:off x="7444025" y="3557249"/>
+            <a:ext cx="420308" cy="246221"/>
+          </a:xfrm>
+          <a:prstGeom prst="rect">
+            <a:avLst/>
+          </a:prstGeom>
+          <a:noFill/>
+        </p:spPr>
+        <p:txBody>
+          <a:bodyPr wrap="none" rtlCol="0">
+            <a:spAutoFit/>
+          </a:bodyPr>
+          <a:lstStyle/>
+          <a:p>
+            <a:r>
+              <a:rPr lang="en-US" altLang="zh-CN" sz="1000" dirty="0">
+                <a:latin typeface="微软雅黑" panose="020B0503020204020204" pitchFamily="34" charset="-122"/>
+                <a:ea typeface="微软雅黑" panose="020B0503020204020204" pitchFamily="34" charset="-122"/>
+              </a:rPr>
+              <a:t>BB4</a:t>
+            </a:r>
+            <a:endParaRPr lang="zh-CN" altLang="en-US" sz="1000" dirty="0">
+              <a:latin typeface="微软雅黑" panose="020B0503020204020204" pitchFamily="34" charset="-122"/>
+              <a:ea typeface="微软雅黑" panose="020B0503020204020204" pitchFamily="34" charset="-122"/>
+            </a:endParaRPr>
+          </a:p>
+        </p:txBody>
+      </p:sp>
+      <p:sp>
+        <p:nvSpPr>
+          <p:cNvPr id="27" name="文本框 26">
+            <a:extLst>
+              <a:ext uri="{FF2B5EF4-FFF2-40B4-BE49-F238E27FC236}">
+                <a16:creationId xmlns:a16="http://schemas.microsoft.com/office/drawing/2014/main" id="{DF4D26F5-28EB-EF1A-07D8-E987043A1037}"/>
+              </a:ext>
+            </a:extLst>
+          </p:cNvPr>
+          <p:cNvSpPr txBox="1"/>
+          <p:nvPr/>
+        </p:nvSpPr>
+        <p:spPr>
+          <a:xfrm>
+            <a:off x="5381901" y="2853210"/>
+            <a:ext cx="420308" cy="246221"/>
+          </a:xfrm>
+          <a:prstGeom prst="rect">
+            <a:avLst/>
+          </a:prstGeom>
+          <a:noFill/>
+        </p:spPr>
+        <p:txBody>
+          <a:bodyPr wrap="none" rtlCol="0">
+            <a:spAutoFit/>
+          </a:bodyPr>
+          <a:lstStyle/>
+          <a:p>
+            <a:r>
+              <a:rPr lang="en-US" altLang="zh-CN" sz="1000" dirty="0">
+                <a:latin typeface="微软雅黑" panose="020B0503020204020204" pitchFamily="34" charset="-122"/>
+                <a:ea typeface="微软雅黑" panose="020B0503020204020204" pitchFamily="34" charset="-122"/>
+              </a:rPr>
+              <a:t>BB2</a:t>
+            </a:r>
+            <a:endParaRPr lang="zh-CN" altLang="en-US" sz="1000" dirty="0">
+              <a:latin typeface="微软雅黑" panose="020B0503020204020204" pitchFamily="34" charset="-122"/>
+              <a:ea typeface="微软雅黑" panose="020B0503020204020204" pitchFamily="34" charset="-122"/>
+            </a:endParaRPr>
+          </a:p>
+        </p:txBody>
+      </p:sp>
+    </p:spTree>
+    <p:extLst>
+      <p:ext uri="{BB962C8B-B14F-4D97-AF65-F5344CB8AC3E}">
+        <p14:creationId xmlns:p14="http://schemas.microsoft.com/office/powerpoint/2010/main" val="4219857091"/>
+      </p:ext>
+    </p:extLst>
+  </p:cSld>
+  <p:clrMapOvr>
+    <a:masterClrMapping/>
+  </p:clrMapOvr>
+</p:sld>
+</file>
+
 <file path=ppt/theme/theme1.xml><?xml version="1.0" encoding="utf-8"?>
 <a:theme xmlns:a="http://schemas.openxmlformats.org/drawingml/2006/main" name="Office 主题​​">
   <a:themeElements>
